--- a/文档/ReactNative项目入门.pptx
+++ b/文档/ReactNative项目入门.pptx
@@ -7,40 +7,60 @@
   <p:sldIdLst>
     <p:sldId id="256" r:id="rId2"/>
     <p:sldId id="257" r:id="rId3"/>
-    <p:sldId id="258" r:id="rId4"/>
-    <p:sldId id="259" r:id="rId5"/>
-    <p:sldId id="260" r:id="rId6"/>
-    <p:sldId id="261" r:id="rId7"/>
-    <p:sldId id="262" r:id="rId8"/>
-    <p:sldId id="263" r:id="rId9"/>
-    <p:sldId id="265" r:id="rId10"/>
-    <p:sldId id="266" r:id="rId11"/>
-    <p:sldId id="267" r:id="rId12"/>
-    <p:sldId id="264" r:id="rId13"/>
-    <p:sldId id="278" r:id="rId14"/>
-    <p:sldId id="268" r:id="rId15"/>
-    <p:sldId id="269" r:id="rId16"/>
-    <p:sldId id="270" r:id="rId17"/>
-    <p:sldId id="271" r:id="rId18"/>
-    <p:sldId id="272" r:id="rId19"/>
-    <p:sldId id="273" r:id="rId20"/>
-    <p:sldId id="274" r:id="rId21"/>
-    <p:sldId id="275" r:id="rId22"/>
-    <p:sldId id="276" r:id="rId23"/>
-    <p:sldId id="277" r:id="rId24"/>
-    <p:sldId id="279" r:id="rId25"/>
-    <p:sldId id="280" r:id="rId26"/>
-    <p:sldId id="281" r:id="rId27"/>
-    <p:sldId id="282" r:id="rId28"/>
-    <p:sldId id="284" r:id="rId29"/>
-    <p:sldId id="285" r:id="rId30"/>
-    <p:sldId id="286" r:id="rId31"/>
-    <p:sldId id="287" r:id="rId32"/>
-    <p:sldId id="288" r:id="rId33"/>
-    <p:sldId id="289" r:id="rId34"/>
-    <p:sldId id="290" r:id="rId35"/>
-    <p:sldId id="291" r:id="rId36"/>
-    <p:sldId id="292" r:id="rId37"/>
+    <p:sldId id="294" r:id="rId4"/>
+    <p:sldId id="258" r:id="rId5"/>
+    <p:sldId id="259" r:id="rId6"/>
+    <p:sldId id="260" r:id="rId7"/>
+    <p:sldId id="261" r:id="rId8"/>
+    <p:sldId id="262" r:id="rId9"/>
+    <p:sldId id="263" r:id="rId10"/>
+    <p:sldId id="265" r:id="rId11"/>
+    <p:sldId id="266" r:id="rId12"/>
+    <p:sldId id="267" r:id="rId13"/>
+    <p:sldId id="264" r:id="rId14"/>
+    <p:sldId id="278" r:id="rId15"/>
+    <p:sldId id="268" r:id="rId16"/>
+    <p:sldId id="269" r:id="rId17"/>
+    <p:sldId id="270" r:id="rId18"/>
+    <p:sldId id="271" r:id="rId19"/>
+    <p:sldId id="272" r:id="rId20"/>
+    <p:sldId id="273" r:id="rId21"/>
+    <p:sldId id="274" r:id="rId22"/>
+    <p:sldId id="275" r:id="rId23"/>
+    <p:sldId id="276" r:id="rId24"/>
+    <p:sldId id="277" r:id="rId25"/>
+    <p:sldId id="279" r:id="rId26"/>
+    <p:sldId id="280" r:id="rId27"/>
+    <p:sldId id="281" r:id="rId28"/>
+    <p:sldId id="282" r:id="rId29"/>
+    <p:sldId id="306" r:id="rId30"/>
+    <p:sldId id="307" r:id="rId31"/>
+    <p:sldId id="308" r:id="rId32"/>
+    <p:sldId id="284" r:id="rId33"/>
+    <p:sldId id="285" r:id="rId34"/>
+    <p:sldId id="286" r:id="rId35"/>
+    <p:sldId id="287" r:id="rId36"/>
+    <p:sldId id="288" r:id="rId37"/>
+    <p:sldId id="289" r:id="rId38"/>
+    <p:sldId id="290" r:id="rId39"/>
+    <p:sldId id="291" r:id="rId40"/>
+    <p:sldId id="292" r:id="rId41"/>
+    <p:sldId id="296" r:id="rId42"/>
+    <p:sldId id="297" r:id="rId43"/>
+    <p:sldId id="298" r:id="rId44"/>
+    <p:sldId id="299" r:id="rId45"/>
+    <p:sldId id="300" r:id="rId46"/>
+    <p:sldId id="301" r:id="rId47"/>
+    <p:sldId id="302" r:id="rId48"/>
+    <p:sldId id="295" r:id="rId49"/>
+    <p:sldId id="303" r:id="rId50"/>
+    <p:sldId id="304" r:id="rId51"/>
+    <p:sldId id="305" r:id="rId52"/>
+    <p:sldId id="293" r:id="rId53"/>
+    <p:sldId id="309" r:id="rId54"/>
+    <p:sldId id="310" r:id="rId55"/>
+    <p:sldId id="311" r:id="rId56"/>
+    <p:sldId id="312" r:id="rId57"/>
   </p:sldIdLst>
   <p:sldSz cx="12192000" cy="6858000"/>
   <p:notesSz cx="6858000" cy="9144000"/>
@@ -294,7 +314,7 @@
           <a:p>
             <a:fld id="{26611274-03FC-4DB9-8C4D-E358CCFE8656}" type="datetimeFigureOut">
               <a:rPr lang="zh-CN" altLang="en-US" smtClean="0"/>
-              <a:t>2022/2/17</a:t>
+              <a:t>2022/2/18</a:t>
             </a:fld>
             <a:endParaRPr lang="zh-CN" altLang="en-US"/>
           </a:p>
@@ -576,7 +596,7 @@
           <a:p>
             <a:fld id="{26611274-03FC-4DB9-8C4D-E358CCFE8656}" type="datetimeFigureOut">
               <a:rPr lang="zh-CN" altLang="en-US" smtClean="0"/>
-              <a:t>2022/2/17</a:t>
+              <a:t>2022/2/18</a:t>
             </a:fld>
             <a:endParaRPr lang="zh-CN" altLang="en-US"/>
           </a:p>
@@ -784,7 +804,7 @@
           <a:p>
             <a:fld id="{26611274-03FC-4DB9-8C4D-E358CCFE8656}" type="datetimeFigureOut">
               <a:rPr lang="zh-CN" altLang="en-US" smtClean="0"/>
-              <a:t>2022/2/17</a:t>
+              <a:t>2022/2/18</a:t>
             </a:fld>
             <a:endParaRPr lang="zh-CN" altLang="en-US"/>
           </a:p>
@@ -992,7 +1012,7 @@
           <a:p>
             <a:fld id="{26611274-03FC-4DB9-8C4D-E358CCFE8656}" type="datetimeFigureOut">
               <a:rPr lang="zh-CN" altLang="en-US" smtClean="0"/>
-              <a:t>2022/2/17</a:t>
+              <a:t>2022/2/18</a:t>
             </a:fld>
             <a:endParaRPr lang="zh-CN" altLang="en-US"/>
           </a:p>
@@ -1351,7 +1371,7 @@
           <a:p>
             <a:fld id="{26611274-03FC-4DB9-8C4D-E358CCFE8656}" type="datetimeFigureOut">
               <a:rPr lang="zh-CN" altLang="en-US" smtClean="0"/>
-              <a:t>2022/2/17</a:t>
+              <a:t>2022/2/18</a:t>
             </a:fld>
             <a:endParaRPr lang="zh-CN" altLang="en-US"/>
           </a:p>
@@ -1616,7 +1636,7 @@
           <a:p>
             <a:fld id="{26611274-03FC-4DB9-8C4D-E358CCFE8656}" type="datetimeFigureOut">
               <a:rPr lang="zh-CN" altLang="en-US" smtClean="0"/>
-              <a:t>2022/2/17</a:t>
+              <a:t>2022/2/18</a:t>
             </a:fld>
             <a:endParaRPr lang="zh-CN" altLang="en-US"/>
           </a:p>
@@ -2028,7 +2048,7 @@
           <a:p>
             <a:fld id="{26611274-03FC-4DB9-8C4D-E358CCFE8656}" type="datetimeFigureOut">
               <a:rPr lang="zh-CN" altLang="en-US" smtClean="0"/>
-              <a:t>2022/2/17</a:t>
+              <a:t>2022/2/18</a:t>
             </a:fld>
             <a:endParaRPr lang="zh-CN" altLang="en-US"/>
           </a:p>
@@ -2169,7 +2189,7 @@
           <a:p>
             <a:fld id="{26611274-03FC-4DB9-8C4D-E358CCFE8656}" type="datetimeFigureOut">
               <a:rPr lang="zh-CN" altLang="en-US" smtClean="0"/>
-              <a:t>2022/2/17</a:t>
+              <a:t>2022/2/18</a:t>
             </a:fld>
             <a:endParaRPr lang="zh-CN" altLang="en-US"/>
           </a:p>
@@ -2282,7 +2302,7 @@
           <a:p>
             <a:fld id="{26611274-03FC-4DB9-8C4D-E358CCFE8656}" type="datetimeFigureOut">
               <a:rPr lang="zh-CN" altLang="en-US" smtClean="0"/>
-              <a:t>2022/2/17</a:t>
+              <a:t>2022/2/18</a:t>
             </a:fld>
             <a:endParaRPr lang="zh-CN" altLang="en-US"/>
           </a:p>
@@ -2593,7 +2613,7 @@
           <a:p>
             <a:fld id="{26611274-03FC-4DB9-8C4D-E358CCFE8656}" type="datetimeFigureOut">
               <a:rPr lang="zh-CN" altLang="en-US" smtClean="0"/>
-              <a:t>2022/2/17</a:t>
+              <a:t>2022/2/18</a:t>
             </a:fld>
             <a:endParaRPr lang="zh-CN" altLang="en-US"/>
           </a:p>
@@ -2881,7 +2901,7 @@
           <a:p>
             <a:fld id="{26611274-03FC-4DB9-8C4D-E358CCFE8656}" type="datetimeFigureOut">
               <a:rPr lang="zh-CN" altLang="en-US" smtClean="0"/>
-              <a:t>2022/2/17</a:t>
+              <a:t>2022/2/18</a:t>
             </a:fld>
             <a:endParaRPr lang="zh-CN" altLang="en-US"/>
           </a:p>
@@ -3122,7 +3142,7 @@
           <a:p>
             <a:fld id="{26611274-03FC-4DB9-8C4D-E358CCFE8656}" type="datetimeFigureOut">
               <a:rPr lang="zh-CN" altLang="en-US" smtClean="0"/>
-              <a:t>2022/2/17</a:t>
+              <a:t>2022/2/18</a:t>
             </a:fld>
             <a:endParaRPr lang="zh-CN" altLang="en-US"/>
           </a:p>
@@ -3631,6 +3651,146 @@
           <p:cNvPr id="2" name="标题 1">
             <a:extLst>
               <a:ext uri="{FF2B5EF4-FFF2-40B4-BE49-F238E27FC236}">
+                <a16:creationId xmlns:a16="http://schemas.microsoft.com/office/drawing/2014/main" id="{685146D2-2233-4239-BA6B-66DEA0504DCE}"/>
+              </a:ext>
+            </a:extLst>
+          </p:cNvPr>
+          <p:cNvSpPr>
+            <a:spLocks noGrp="1"/>
+          </p:cNvSpPr>
+          <p:nvPr>
+            <p:ph type="title"/>
+          </p:nvPr>
+        </p:nvSpPr>
+        <p:spPr/>
+        <p:txBody>
+          <a:bodyPr/>
+          <a:lstStyle/>
+          <a:p>
+            <a:r>
+              <a:rPr lang="zh-CN" altLang="en-US" dirty="0"/>
+              <a:t>测试</a:t>
+            </a:r>
+            <a:r>
+              <a:rPr lang="en-US" altLang="zh-CN" dirty="0" err="1"/>
+              <a:t>ReactNavigation</a:t>
+            </a:r>
+            <a:endParaRPr lang="zh-CN" altLang="en-US" dirty="0"/>
+          </a:p>
+        </p:txBody>
+      </p:sp>
+      <p:sp>
+        <p:nvSpPr>
+          <p:cNvPr id="3" name="内容占位符 2">
+            <a:extLst>
+              <a:ext uri="{FF2B5EF4-FFF2-40B4-BE49-F238E27FC236}">
+                <a16:creationId xmlns:a16="http://schemas.microsoft.com/office/drawing/2014/main" id="{2427C596-ED7B-4BC0-A7DD-8FBAD058BE4B}"/>
+              </a:ext>
+            </a:extLst>
+          </p:cNvPr>
+          <p:cNvSpPr>
+            <a:spLocks noGrp="1"/>
+          </p:cNvSpPr>
+          <p:nvPr>
+            <p:ph idx="1"/>
+          </p:nvPr>
+        </p:nvSpPr>
+        <p:spPr/>
+        <p:txBody>
+          <a:bodyPr/>
+          <a:lstStyle/>
+          <a:p>
+            <a:r>
+              <a:rPr lang="zh-CN" altLang="en-US" dirty="0"/>
+              <a:t>根据官网内容测试</a:t>
+            </a:r>
+            <a:r>
+              <a:rPr lang="en-US" altLang="zh-CN" dirty="0" err="1"/>
+              <a:t>ReactNavigation</a:t>
+            </a:r>
+            <a:r>
+              <a:rPr lang="zh-CN" altLang="en-US" dirty="0"/>
+              <a:t>跳转功能</a:t>
+            </a:r>
+            <a:endParaRPr lang="en-US" altLang="zh-CN" dirty="0"/>
+          </a:p>
+          <a:p>
+            <a:r>
+              <a:rPr lang="zh-CN" altLang="en-US" dirty="0"/>
+              <a:t>跳转核心代码：</a:t>
+            </a:r>
+            <a:endParaRPr lang="en-US" altLang="zh-CN" dirty="0"/>
+          </a:p>
+          <a:p>
+            <a:endParaRPr lang="zh-CN" altLang="en-US" dirty="0"/>
+          </a:p>
+        </p:txBody>
+      </p:sp>
+      <p:pic>
+        <p:nvPicPr>
+          <p:cNvPr id="5" name="图片 4">
+            <a:extLst>
+              <a:ext uri="{FF2B5EF4-FFF2-40B4-BE49-F238E27FC236}">
+                <a16:creationId xmlns:a16="http://schemas.microsoft.com/office/drawing/2014/main" id="{7EA73327-8BA9-4C46-B4AC-5CDDD5AFC919}"/>
+              </a:ext>
+            </a:extLst>
+          </p:cNvPr>
+          <p:cNvPicPr>
+            <a:picLocks noChangeAspect="1"/>
+          </p:cNvPicPr>
+          <p:nvPr/>
+        </p:nvPicPr>
+        <p:blipFill>
+          <a:blip r:embed="rId2"/>
+          <a:stretch>
+            <a:fillRect/>
+          </a:stretch>
+        </p:blipFill>
+        <p:spPr>
+          <a:xfrm>
+            <a:off x="625116" y="2555877"/>
+            <a:ext cx="8552124" cy="3049791"/>
+          </a:xfrm>
+          <a:prstGeom prst="rect">
+            <a:avLst/>
+          </a:prstGeom>
+        </p:spPr>
+      </p:pic>
+    </p:spTree>
+    <p:extLst>
+      <p:ext uri="{BB962C8B-B14F-4D97-AF65-F5344CB8AC3E}">
+        <p14:creationId xmlns:p14="http://schemas.microsoft.com/office/powerpoint/2010/main" val="2559908193"/>
+      </p:ext>
+    </p:extLst>
+  </p:cSld>
+  <p:clrMapOvr>
+    <a:masterClrMapping/>
+  </p:clrMapOvr>
+</p:sld>
+</file>
+
+<file path=ppt/slides/slide11.xml><?xml version="1.0" encoding="utf-8"?>
+<p:sld xmlns:a="http://schemas.openxmlformats.org/drawingml/2006/main" xmlns:r="http://schemas.openxmlformats.org/officeDocument/2006/relationships" xmlns:p="http://schemas.openxmlformats.org/presentationml/2006/main">
+  <p:cSld>
+    <p:spTree>
+      <p:nvGrpSpPr>
+        <p:cNvPr id="1" name=""/>
+        <p:cNvGrpSpPr/>
+        <p:nvPr/>
+      </p:nvGrpSpPr>
+      <p:grpSpPr>
+        <a:xfrm>
+          <a:off x="0" y="0"/>
+          <a:ext cx="0" cy="0"/>
+          <a:chOff x="0" y="0"/>
+          <a:chExt cx="0" cy="0"/>
+        </a:xfrm>
+      </p:grpSpPr>
+      <p:sp>
+        <p:nvSpPr>
+          <p:cNvPr id="2" name="标题 1">
+            <a:extLst>
+              <a:ext uri="{FF2B5EF4-FFF2-40B4-BE49-F238E27FC236}">
                 <a16:creationId xmlns:a16="http://schemas.microsoft.com/office/drawing/2014/main" id="{59CBA004-A351-42FE-8B27-EFC60A15E0F8}"/>
               </a:ext>
             </a:extLst>
@@ -6868,7 +7028,7 @@
 </p:sld>
 </file>
 
-<file path=ppt/slides/slide11.xml><?xml version="1.0" encoding="utf-8"?>
+<file path=ppt/slides/slide12.xml><?xml version="1.0" encoding="utf-8"?>
 <p:sld xmlns:a="http://schemas.openxmlformats.org/drawingml/2006/main" xmlns:r="http://schemas.openxmlformats.org/officeDocument/2006/relationships" xmlns:p="http://schemas.openxmlformats.org/presentationml/2006/main">
   <p:cSld>
     <p:spTree>
@@ -7048,7 +7208,7 @@
 </p:sld>
 </file>
 
-<file path=ppt/slides/slide12.xml><?xml version="1.0" encoding="utf-8"?>
+<file path=ppt/slides/slide13.xml><?xml version="1.0" encoding="utf-8"?>
 <p:sld xmlns:a="http://schemas.openxmlformats.org/drawingml/2006/main" xmlns:r="http://schemas.openxmlformats.org/officeDocument/2006/relationships" xmlns:p="http://schemas.openxmlformats.org/presentationml/2006/main">
   <p:cSld>
     <p:spTree>
@@ -7227,7 +7387,7 @@
 </p:sld>
 </file>
 
-<file path=ppt/slides/slide13.xml><?xml version="1.0" encoding="utf-8"?>
+<file path=ppt/slides/slide14.xml><?xml version="1.0" encoding="utf-8"?>
 <p:sld xmlns:a="http://schemas.openxmlformats.org/drawingml/2006/main" xmlns:r="http://schemas.openxmlformats.org/officeDocument/2006/relationships" xmlns:p="http://schemas.openxmlformats.org/presentationml/2006/main">
   <p:cSld>
     <p:spTree>
@@ -7347,141 +7507,6 @@
 </p:sld>
 </file>
 
-<file path=ppt/slides/slide14.xml><?xml version="1.0" encoding="utf-8"?>
-<p:sld xmlns:a="http://schemas.openxmlformats.org/drawingml/2006/main" xmlns:r="http://schemas.openxmlformats.org/officeDocument/2006/relationships" xmlns:p="http://schemas.openxmlformats.org/presentationml/2006/main">
-  <p:cSld>
-    <p:spTree>
-      <p:nvGrpSpPr>
-        <p:cNvPr id="1" name=""/>
-        <p:cNvGrpSpPr/>
-        <p:nvPr/>
-      </p:nvGrpSpPr>
-      <p:grpSpPr>
-        <a:xfrm>
-          <a:off x="0" y="0"/>
-          <a:ext cx="0" cy="0"/>
-          <a:chOff x="0" y="0"/>
-          <a:chExt cx="0" cy="0"/>
-        </a:xfrm>
-      </p:grpSpPr>
-      <p:sp>
-        <p:nvSpPr>
-          <p:cNvPr id="2" name="标题 1">
-            <a:extLst>
-              <a:ext uri="{FF2B5EF4-FFF2-40B4-BE49-F238E27FC236}">
-                <a16:creationId xmlns:a16="http://schemas.microsoft.com/office/drawing/2014/main" id="{DF5A80C2-607F-47C1-B727-B7165A521E46}"/>
-              </a:ext>
-            </a:extLst>
-          </p:cNvPr>
-          <p:cNvSpPr>
-            <a:spLocks noGrp="1"/>
-          </p:cNvSpPr>
-          <p:nvPr>
-            <p:ph type="title"/>
-          </p:nvPr>
-        </p:nvSpPr>
-        <p:spPr/>
-        <p:txBody>
-          <a:bodyPr/>
-          <a:lstStyle/>
-          <a:p>
-            <a:r>
-              <a:rPr lang="en-US" altLang="zh-CN" dirty="0"/>
-              <a:t>Nav</a:t>
-            </a:r>
-            <a:r>
-              <a:rPr lang="zh-CN" altLang="en-US" dirty="0"/>
-              <a:t>组件抽离与封装</a:t>
-            </a:r>
-          </a:p>
-        </p:txBody>
-      </p:sp>
-      <p:sp>
-        <p:nvSpPr>
-          <p:cNvPr id="3" name="内容占位符 2">
-            <a:extLst>
-              <a:ext uri="{FF2B5EF4-FFF2-40B4-BE49-F238E27FC236}">
-                <a16:creationId xmlns:a16="http://schemas.microsoft.com/office/drawing/2014/main" id="{673D350D-AB5C-4ADB-977E-EA077C03E16A}"/>
-              </a:ext>
-            </a:extLst>
-          </p:cNvPr>
-          <p:cNvSpPr>
-            <a:spLocks noGrp="1"/>
-          </p:cNvSpPr>
-          <p:nvPr>
-            <p:ph idx="1"/>
-          </p:nvPr>
-        </p:nvSpPr>
-        <p:spPr/>
-        <p:txBody>
-          <a:bodyPr/>
-          <a:lstStyle/>
-          <a:p>
-            <a:r>
-              <a:rPr lang="zh-CN" altLang="en-US" dirty="0"/>
-              <a:t>新建</a:t>
-            </a:r>
-            <a:r>
-              <a:rPr lang="en-US" altLang="zh-CN" dirty="0" err="1"/>
-              <a:t>src</a:t>
-            </a:r>
-            <a:r>
-              <a:rPr lang="en-US" altLang="zh-CN" dirty="0"/>
-              <a:t>\Nav.js</a:t>
-            </a:r>
-            <a:r>
-              <a:rPr lang="zh-CN" altLang="en-US" dirty="0"/>
-              <a:t>用于封装路由</a:t>
-            </a:r>
-            <a:endParaRPr lang="en-US" altLang="zh-CN" dirty="0"/>
-          </a:p>
-          <a:p>
-            <a:r>
-              <a:rPr lang="zh-CN" altLang="en-US" dirty="0"/>
-              <a:t>将</a:t>
-            </a:r>
-            <a:r>
-              <a:rPr lang="en-US" altLang="zh-CN" dirty="0"/>
-              <a:t>App.js</a:t>
-            </a:r>
-            <a:r>
-              <a:rPr lang="zh-CN" altLang="en-US" dirty="0"/>
-              <a:t>中的内容复制粘贴至</a:t>
-            </a:r>
-            <a:r>
-              <a:rPr lang="en-US" altLang="zh-CN" dirty="0"/>
-              <a:t>Nav.js</a:t>
-            </a:r>
-            <a:r>
-              <a:rPr lang="zh-CN" altLang="en-US" dirty="0"/>
-              <a:t>中，并修改文件路径和组件名称</a:t>
-            </a:r>
-            <a:endParaRPr lang="en-US" altLang="zh-CN" dirty="0"/>
-          </a:p>
-          <a:p>
-            <a:endParaRPr lang="en-US" altLang="zh-CN" dirty="0"/>
-          </a:p>
-          <a:p>
-            <a:endParaRPr lang="en-US" altLang="zh-CN" dirty="0"/>
-          </a:p>
-          <a:p>
-            <a:endParaRPr lang="zh-CN" altLang="en-US" dirty="0"/>
-          </a:p>
-        </p:txBody>
-      </p:sp>
-    </p:spTree>
-    <p:extLst>
-      <p:ext uri="{BB962C8B-B14F-4D97-AF65-F5344CB8AC3E}">
-        <p14:creationId xmlns:p14="http://schemas.microsoft.com/office/powerpoint/2010/main" val="2806872844"/>
-      </p:ext>
-    </p:extLst>
-  </p:cSld>
-  <p:clrMapOvr>
-    <a:masterClrMapping/>
-  </p:clrMapOvr>
-</p:sld>
-</file>
-
 <file path=ppt/slides/slide15.xml><?xml version="1.0" encoding="utf-8"?>
 <p:sld xmlns:a="http://schemas.openxmlformats.org/drawingml/2006/main" xmlns:r="http://schemas.openxmlformats.org/officeDocument/2006/relationships" xmlns:p="http://schemas.openxmlformats.org/presentationml/2006/main">
   <p:cSld>
@@ -7504,7 +7529,7 @@
           <p:cNvPr id="2" name="标题 1">
             <a:extLst>
               <a:ext uri="{FF2B5EF4-FFF2-40B4-BE49-F238E27FC236}">
-                <a16:creationId xmlns:a16="http://schemas.microsoft.com/office/drawing/2014/main" id="{BB176FDA-87E2-409F-9291-EF6F9D164E9D}"/>
+                <a16:creationId xmlns:a16="http://schemas.microsoft.com/office/drawing/2014/main" id="{DF5A80C2-607F-47C1-B727-B7165A521E46}"/>
               </a:ext>
             </a:extLst>
           </p:cNvPr>
@@ -7521,8 +7546,12 @@
           <a:lstStyle/>
           <a:p>
             <a:r>
-              <a:rPr lang="zh-CN" altLang="en-US" dirty="0"/>
-              <a:t>编写处理格式转换的函数</a:t>
+              <a:rPr lang="en-US" altLang="zh-CN" dirty="0"/>
+              <a:t>Nav</a:t>
+            </a:r>
+            <a:r>
+              <a:rPr lang="zh-CN" altLang="en-US" dirty="0"/>
+              <a:t>组件抽离与封装</a:t>
             </a:r>
           </a:p>
         </p:txBody>
@@ -7532,7 +7561,7 @@
           <p:cNvPr id="3" name="内容占位符 2">
             <a:extLst>
               <a:ext uri="{FF2B5EF4-FFF2-40B4-BE49-F238E27FC236}">
-                <a16:creationId xmlns:a16="http://schemas.microsoft.com/office/drawing/2014/main" id="{D345BCA4-FC95-452C-96CA-4DC252521DF8}"/>
+                <a16:creationId xmlns:a16="http://schemas.microsoft.com/office/drawing/2014/main" id="{673D350D-AB5C-4ADB-977E-EA077C03E16A}"/>
               </a:ext>
             </a:extLst>
           </p:cNvPr>
@@ -7548,35 +7577,6 @@
           <a:bodyPr/>
           <a:lstStyle/>
           <a:p>
-            <a:pPr>
-              <a:spcAft>
-                <a:spcPts val="1200"/>
-              </a:spcAft>
-            </a:pPr>
-            <a:r>
-              <a:rPr lang="zh-CN" altLang="en-US" dirty="0"/>
-              <a:t>为适应多种机型，并对多种机型都保证单位不存在太大的变化，编写处理单位的函数，将在设计稿中的</a:t>
-            </a:r>
-            <a:r>
-              <a:rPr lang="en-US" altLang="zh-CN" dirty="0"/>
-              <a:t>px</a:t>
-            </a:r>
-            <a:r>
-              <a:rPr lang="zh-CN" altLang="en-US" dirty="0"/>
-              <a:t>单位转化为</a:t>
-            </a:r>
-            <a:r>
-              <a:rPr lang="en-US" altLang="zh-CN" dirty="0" err="1"/>
-              <a:t>dp</a:t>
-            </a:r>
-            <a:endParaRPr lang="en-US" altLang="zh-CN" dirty="0"/>
-          </a:p>
-          <a:p>
-            <a:pPr>
-              <a:spcAft>
-                <a:spcPts val="1200"/>
-              </a:spcAft>
-            </a:pPr>
             <a:r>
               <a:rPr lang="zh-CN" altLang="en-US" dirty="0"/>
               <a:t>新建</a:t>
@@ -7587,54 +7587,52 @@
             </a:r>
             <a:r>
               <a:rPr lang="en-US" altLang="zh-CN" dirty="0"/>
-              <a:t>\utils\stylesKits.js</a:t>
-            </a:r>
-          </a:p>
-          <a:p>
-            <a:pPr>
-              <a:spcAft>
-                <a:spcPts val="1200"/>
-              </a:spcAft>
-            </a:pPr>
-            <a:r>
-              <a:rPr lang="zh-CN" altLang="en-US" dirty="0"/>
-              <a:t>具体转化公式为：</a:t>
+              <a:t>\Nav.js</a:t>
+            </a:r>
+            <a:r>
+              <a:rPr lang="zh-CN" altLang="en-US" dirty="0"/>
+              <a:t>用于封装路由</a:t>
             </a:r>
             <a:endParaRPr lang="en-US" altLang="zh-CN" dirty="0"/>
           </a:p>
           <a:p>
-            <a:pPr>
-              <a:spcAft>
-                <a:spcPts val="1200"/>
-              </a:spcAft>
-            </a:pPr>
-            <a:r>
-              <a:rPr lang="zh-CN" altLang="en-US" dirty="0"/>
-              <a:t>手机中元素的宽度</a:t>
+            <a:r>
+              <a:rPr lang="zh-CN" altLang="en-US" dirty="0"/>
+              <a:t>将</a:t>
             </a:r>
             <a:r>
               <a:rPr lang="en-US" altLang="zh-CN" dirty="0"/>
-              <a:t>=</a:t>
-            </a:r>
-            <a:r>
-              <a:rPr lang="zh-CN" altLang="en-US" dirty="0"/>
-              <a:t>手机屏幕*元素的宽度</a:t>
+              <a:t>App.js</a:t>
+            </a:r>
+            <a:r>
+              <a:rPr lang="zh-CN" altLang="en-US" dirty="0"/>
+              <a:t>中的内容复制粘贴至</a:t>
             </a:r>
             <a:r>
               <a:rPr lang="en-US" altLang="zh-CN" dirty="0"/>
-              <a:t>/</a:t>
-            </a:r>
-            <a:r>
-              <a:rPr lang="zh-CN" altLang="en-US" dirty="0"/>
-              <a:t>设计稿的宽度</a:t>
-            </a:r>
+              <a:t>Nav.js</a:t>
+            </a:r>
+            <a:r>
+              <a:rPr lang="zh-CN" altLang="en-US" dirty="0"/>
+              <a:t>中，并修改文件路径和组件名称</a:t>
+            </a:r>
+            <a:endParaRPr lang="en-US" altLang="zh-CN" dirty="0"/>
+          </a:p>
+          <a:p>
+            <a:endParaRPr lang="en-US" altLang="zh-CN" dirty="0"/>
+          </a:p>
+          <a:p>
+            <a:endParaRPr lang="en-US" altLang="zh-CN" dirty="0"/>
+          </a:p>
+          <a:p>
+            <a:endParaRPr lang="zh-CN" altLang="en-US" dirty="0"/>
           </a:p>
         </p:txBody>
       </p:sp>
     </p:spTree>
     <p:extLst>
       <p:ext uri="{BB962C8B-B14F-4D97-AF65-F5344CB8AC3E}">
-        <p14:creationId xmlns:p14="http://schemas.microsoft.com/office/powerpoint/2010/main" val="2623846020"/>
+        <p14:creationId xmlns:p14="http://schemas.microsoft.com/office/powerpoint/2010/main" val="2806872844"/>
       </p:ext>
     </p:extLst>
   </p:cSld>
@@ -7666,7 +7664,7 @@
           <p:cNvPr id="2" name="标题 1">
             <a:extLst>
               <a:ext uri="{FF2B5EF4-FFF2-40B4-BE49-F238E27FC236}">
-                <a16:creationId xmlns:a16="http://schemas.microsoft.com/office/drawing/2014/main" id="{5AB4E512-479F-43A9-B05C-6FEF4F45179F}"/>
+                <a16:creationId xmlns:a16="http://schemas.microsoft.com/office/drawing/2014/main" id="{BB176FDA-87E2-409F-9291-EF6F9D164E9D}"/>
               </a:ext>
             </a:extLst>
           </p:cNvPr>
@@ -7684,7 +7682,7 @@
           <a:p>
             <a:r>
               <a:rPr lang="zh-CN" altLang="en-US" dirty="0"/>
-              <a:t>编写登录页面</a:t>
+              <a:t>编写处理格式转换的函数</a:t>
             </a:r>
           </a:p>
         </p:txBody>
@@ -7694,7 +7692,7 @@
           <p:cNvPr id="3" name="内容占位符 2">
             <a:extLst>
               <a:ext uri="{FF2B5EF4-FFF2-40B4-BE49-F238E27FC236}">
-                <a16:creationId xmlns:a16="http://schemas.microsoft.com/office/drawing/2014/main" id="{269CF091-18C6-49B6-A4AC-C2EA43E0BDBE}"/>
+                <a16:creationId xmlns:a16="http://schemas.microsoft.com/office/drawing/2014/main" id="{D345BCA4-FC95-452C-96CA-4DC252521DF8}"/>
               </a:ext>
             </a:extLst>
           </p:cNvPr>
@@ -7710,30 +7708,38 @@
           <a:bodyPr/>
           <a:lstStyle/>
           <a:p>
-            <a:r>
-              <a:rPr lang="zh-CN" altLang="en-US" dirty="0"/>
-              <a:t>此处封装了函数</a:t>
-            </a:r>
-            <a:r>
-              <a:rPr lang="en-US" altLang="zh-CN" b="0" dirty="0" err="1">
-                <a:solidFill>
-                  <a:srgbClr val="795E26"/>
-                </a:solidFill>
-                <a:effectLst/>
-                <a:latin typeface="Consolas" panose="020B0609020204030204" pitchFamily="49" charset="0"/>
-              </a:rPr>
-              <a:t>validatePhone</a:t>
-            </a:r>
-            <a:r>
-              <a:rPr lang="zh-CN" altLang="en-US" dirty="0"/>
-              <a:t>用于校验手机号码的合法性</a:t>
+            <a:pPr>
+              <a:spcAft>
+                <a:spcPts val="1200"/>
+              </a:spcAft>
+            </a:pPr>
+            <a:r>
+              <a:rPr lang="zh-CN" altLang="en-US" dirty="0"/>
+              <a:t>为适应多种机型，并对多种机型都保证单位不存在太大的变化，编写处理单位的函数，将在设计稿中的</a:t>
+            </a:r>
+            <a:r>
+              <a:rPr lang="en-US" altLang="zh-CN" dirty="0"/>
+              <a:t>px</a:t>
+            </a:r>
+            <a:r>
+              <a:rPr lang="zh-CN" altLang="en-US" dirty="0"/>
+              <a:t>单位转化为</a:t>
+            </a:r>
+            <a:r>
+              <a:rPr lang="en-US" altLang="zh-CN" dirty="0" err="1"/>
+              <a:t>dp</a:t>
             </a:r>
             <a:endParaRPr lang="en-US" altLang="zh-CN" dirty="0"/>
           </a:p>
           <a:p>
-            <a:r>
-              <a:rPr lang="zh-CN" altLang="en-US" dirty="0"/>
-              <a:t>文件目录：</a:t>
+            <a:pPr>
+              <a:spcAft>
+                <a:spcPts val="1200"/>
+              </a:spcAft>
+            </a:pPr>
+            <a:r>
+              <a:rPr lang="zh-CN" altLang="en-US" dirty="0"/>
+              <a:t>新建</a:t>
             </a:r>
             <a:r>
               <a:rPr lang="en-US" altLang="zh-CN" dirty="0" err="1"/>
@@ -7741,43 +7747,54 @@
             </a:r>
             <a:r>
               <a:rPr lang="en-US" altLang="zh-CN" dirty="0"/>
-              <a:t>\utils\validator.js</a:t>
-            </a:r>
-          </a:p>
-          <a:p>
-            <a:r>
-              <a:rPr lang="zh-CN" altLang="en-US" dirty="0"/>
-              <a:t>采用正则表达式的方法进行校验</a:t>
+              <a:t>\utils\stylesKits.js</a:t>
+            </a:r>
+          </a:p>
+          <a:p>
+            <a:pPr>
+              <a:spcAft>
+                <a:spcPts val="1200"/>
+              </a:spcAft>
+            </a:pPr>
+            <a:r>
+              <a:rPr lang="zh-CN" altLang="en-US" dirty="0"/>
+              <a:t>具体转化公式为：</a:t>
             </a:r>
             <a:endParaRPr lang="en-US" altLang="zh-CN" dirty="0"/>
           </a:p>
           <a:p>
-            <a:endParaRPr lang="en-US" altLang="zh-CN" dirty="0"/>
-          </a:p>
-          <a:p>
-            <a:r>
-              <a:rPr lang="zh-CN" altLang="en-US" dirty="0"/>
-              <a:t>封装</a:t>
+            <a:pPr>
+              <a:spcAft>
+                <a:spcPts val="1200"/>
+              </a:spcAft>
+            </a:pPr>
+            <a:r>
+              <a:rPr lang="zh-CN" altLang="en-US" dirty="0"/>
+              <a:t>手机中元素的宽度</a:t>
             </a:r>
             <a:r>
               <a:rPr lang="en-US" altLang="zh-CN" dirty="0"/>
-              <a:t>pathMap.js</a:t>
-            </a:r>
-            <a:r>
-              <a:rPr lang="zh-CN" altLang="en-US" dirty="0"/>
-              <a:t>文件，用于以常量的方式保存地址</a:t>
-            </a:r>
-            <a:endParaRPr lang="en-US" altLang="zh-CN" dirty="0"/>
-          </a:p>
-          <a:p>
-            <a:endParaRPr lang="zh-CN" altLang="en-US" dirty="0"/>
+              <a:t>=</a:t>
+            </a:r>
+            <a:r>
+              <a:rPr lang="zh-CN" altLang="en-US" dirty="0"/>
+              <a:t>手机屏幕*元素的宽度</a:t>
+            </a:r>
+            <a:r>
+              <a:rPr lang="en-US" altLang="zh-CN" dirty="0"/>
+              <a:t>/</a:t>
+            </a:r>
+            <a:r>
+              <a:rPr lang="zh-CN" altLang="en-US" dirty="0"/>
+              <a:t>设计稿的宽度</a:t>
+            </a:r>
           </a:p>
         </p:txBody>
       </p:sp>
     </p:spTree>
     <p:extLst>
       <p:ext uri="{BB962C8B-B14F-4D97-AF65-F5344CB8AC3E}">
-        <p14:creationId xmlns:p14="http://schemas.microsoft.com/office/powerpoint/2010/main" val="2876260730"/>
+        <p14:creationId xmlns:p14="http://schemas.microsoft.com/office/powerpoint/2010/main" val="2623846020"/>
       </p:ext>
     </p:extLst>
   </p:cSld>
@@ -7809,7 +7826,7 @@
           <p:cNvPr id="2" name="标题 1">
             <a:extLst>
               <a:ext uri="{FF2B5EF4-FFF2-40B4-BE49-F238E27FC236}">
-                <a16:creationId xmlns:a16="http://schemas.microsoft.com/office/drawing/2014/main" id="{E30BB589-9455-46AE-B6F4-207490C2DE96}"/>
+                <a16:creationId xmlns:a16="http://schemas.microsoft.com/office/drawing/2014/main" id="{5AB4E512-479F-43A9-B05C-6FEF4F45179F}"/>
               </a:ext>
             </a:extLst>
           </p:cNvPr>
@@ -7827,7 +7844,7 @@
           <a:p>
             <a:r>
               <a:rPr lang="zh-CN" altLang="en-US" dirty="0"/>
-              <a:t>实现登录功能请求部分</a:t>
+              <a:t>编写登录页面</a:t>
             </a:r>
           </a:p>
         </p:txBody>
@@ -7837,7 +7854,7 @@
           <p:cNvPr id="3" name="内容占位符 2">
             <a:extLst>
               <a:ext uri="{FF2B5EF4-FFF2-40B4-BE49-F238E27FC236}">
-                <a16:creationId xmlns:a16="http://schemas.microsoft.com/office/drawing/2014/main" id="{A0410300-961F-42F3-BB7F-A5F2BE6E807C}"/>
+                <a16:creationId xmlns:a16="http://schemas.microsoft.com/office/drawing/2014/main" id="{269CF091-18C6-49B6-A4AC-C2EA43E0BDBE}"/>
               </a:ext>
             </a:extLst>
           </p:cNvPr>
@@ -7855,61 +7872,72 @@
           <a:p>
             <a:r>
               <a:rPr lang="zh-CN" altLang="en-US" dirty="0"/>
-              <a:t>安装</a:t>
+              <a:t>此处封装了函数</a:t>
+            </a:r>
+            <a:r>
+              <a:rPr lang="en-US" altLang="zh-CN" b="0" dirty="0" err="1">
+                <a:solidFill>
+                  <a:srgbClr val="795E26"/>
+                </a:solidFill>
+                <a:effectLst/>
+                <a:latin typeface="Consolas" panose="020B0609020204030204" pitchFamily="49" charset="0"/>
+              </a:rPr>
+              <a:t>validatePhone</a:t>
+            </a:r>
+            <a:r>
+              <a:rPr lang="zh-CN" altLang="en-US" dirty="0"/>
+              <a:t>用于校验手机号码的合法性</a:t>
+            </a:r>
+            <a:endParaRPr lang="en-US" altLang="zh-CN" dirty="0"/>
+          </a:p>
+          <a:p>
+            <a:r>
+              <a:rPr lang="zh-CN" altLang="en-US" dirty="0"/>
+              <a:t>文件目录：</a:t>
             </a:r>
             <a:r>
               <a:rPr lang="en-US" altLang="zh-CN" dirty="0" err="1"/>
-              <a:t>axios</a:t>
+              <a:t>src</a:t>
+            </a:r>
+            <a:r>
+              <a:rPr lang="en-US" altLang="zh-CN" dirty="0"/>
+              <a:t>\utils\validator.js</a:t>
+            </a:r>
+          </a:p>
+          <a:p>
+            <a:r>
+              <a:rPr lang="zh-CN" altLang="en-US" dirty="0"/>
+              <a:t>采用正则表达式的方法进行校验</a:t>
             </a:r>
             <a:endParaRPr lang="en-US" altLang="zh-CN" dirty="0"/>
           </a:p>
           <a:p>
+            <a:endParaRPr lang="en-US" altLang="zh-CN" dirty="0"/>
+          </a:p>
+          <a:p>
+            <a:r>
+              <a:rPr lang="zh-CN" altLang="en-US" dirty="0"/>
+              <a:t>封装</a:t>
+            </a:r>
             <a:r>
               <a:rPr lang="en-US" altLang="zh-CN" dirty="0"/>
-              <a:t>yarn add </a:t>
-            </a:r>
-            <a:r>
-              <a:rPr lang="en-US" altLang="zh-CN" dirty="0" err="1"/>
-              <a:t>axios</a:t>
+              <a:t>pathMap.js</a:t>
+            </a:r>
+            <a:r>
+              <a:rPr lang="zh-CN" altLang="en-US" dirty="0"/>
+              <a:t>文件，用于以常量的方式保存地址</a:t>
             </a:r>
             <a:endParaRPr lang="en-US" altLang="zh-CN" dirty="0"/>
           </a:p>
           <a:p>
-            <a:r>
-              <a:rPr lang="zh-CN" altLang="en-US" dirty="0"/>
-              <a:t>封装</a:t>
-            </a:r>
-            <a:r>
-              <a:rPr lang="en-US" altLang="zh-CN" dirty="0"/>
-              <a:t>request.js</a:t>
-            </a:r>
-            <a:r>
-              <a:rPr lang="zh-CN" altLang="en-US" dirty="0"/>
-              <a:t>文件，用于分装</a:t>
-            </a:r>
-            <a:r>
-              <a:rPr lang="en-US" altLang="zh-CN" dirty="0" err="1"/>
-              <a:t>axios</a:t>
-            </a:r>
-            <a:r>
-              <a:rPr lang="zh-CN" altLang="en-US" dirty="0"/>
-              <a:t>请求</a:t>
-            </a:r>
-            <a:endParaRPr lang="en-US" altLang="zh-CN" dirty="0"/>
-          </a:p>
-          <a:p>
-            <a:r>
-              <a:rPr lang="zh-CN" altLang="en-US" dirty="0"/>
-              <a:t>此项目由于没有后端因此并未完成异步请求的部分</a:t>
-            </a:r>
-            <a:endParaRPr lang="en-US" altLang="zh-CN" dirty="0"/>
+            <a:endParaRPr lang="zh-CN" altLang="en-US" dirty="0"/>
           </a:p>
         </p:txBody>
       </p:sp>
     </p:spTree>
     <p:extLst>
       <p:ext uri="{BB962C8B-B14F-4D97-AF65-F5344CB8AC3E}">
-        <p14:creationId xmlns:p14="http://schemas.microsoft.com/office/powerpoint/2010/main" val="3621718749"/>
+        <p14:creationId xmlns:p14="http://schemas.microsoft.com/office/powerpoint/2010/main" val="2876260730"/>
       </p:ext>
     </p:extLst>
   </p:cSld>
@@ -7941,7 +7969,7 @@
           <p:cNvPr id="2" name="标题 1">
             <a:extLst>
               <a:ext uri="{FF2B5EF4-FFF2-40B4-BE49-F238E27FC236}">
-                <a16:creationId xmlns:a16="http://schemas.microsoft.com/office/drawing/2014/main" id="{8B8ACE91-32FE-4D54-9CAA-7138FB5838A2}"/>
+                <a16:creationId xmlns:a16="http://schemas.microsoft.com/office/drawing/2014/main" id="{E30BB589-9455-46AE-B6F4-207490C2DE96}"/>
               </a:ext>
             </a:extLst>
           </p:cNvPr>
@@ -7959,7 +7987,7 @@
           <a:p>
             <a:r>
               <a:rPr lang="zh-CN" altLang="en-US" dirty="0"/>
-              <a:t>注：</a:t>
+              <a:t>实现登录功能请求部分</a:t>
             </a:r>
           </a:p>
         </p:txBody>
@@ -7969,7 +7997,7 @@
           <p:cNvPr id="3" name="内容占位符 2">
             <a:extLst>
               <a:ext uri="{FF2B5EF4-FFF2-40B4-BE49-F238E27FC236}">
-                <a16:creationId xmlns:a16="http://schemas.microsoft.com/office/drawing/2014/main" id="{F49DB196-A042-4751-A020-BF82DE1F6C47}"/>
+                <a16:creationId xmlns:a16="http://schemas.microsoft.com/office/drawing/2014/main" id="{A0410300-961F-42F3-BB7F-A5F2BE6E807C}"/>
               </a:ext>
             </a:extLst>
           </p:cNvPr>
@@ -7987,53 +8015,61 @@
           <a:p>
             <a:r>
               <a:rPr lang="zh-CN" altLang="en-US" dirty="0"/>
-              <a:t>在编写过程中，如果出现按钮无法点击，</a:t>
-            </a:r>
+              <a:t>安装</a:t>
+            </a:r>
+            <a:r>
+              <a:rPr lang="en-US" altLang="zh-CN" dirty="0" err="1"/>
+              <a:t>axios</a:t>
+            </a:r>
+            <a:endParaRPr lang="en-US" altLang="zh-CN" dirty="0"/>
+          </a:p>
+          <a:p>
             <a:r>
               <a:rPr lang="en-US" altLang="zh-CN" dirty="0"/>
-              <a:t>Input</a:t>
-            </a:r>
-            <a:r>
-              <a:rPr lang="zh-CN" altLang="en-US" dirty="0"/>
-              <a:t>无法输入的情况，请及时重启项目，并记得先在虚拟机中删除该项目</a:t>
-            </a:r>
-          </a:p>
-        </p:txBody>
-      </p:sp>
-      <p:pic>
-        <p:nvPicPr>
-          <p:cNvPr id="5" name="图片 4">
-            <a:extLst>
-              <a:ext uri="{FF2B5EF4-FFF2-40B4-BE49-F238E27FC236}">
-                <a16:creationId xmlns:a16="http://schemas.microsoft.com/office/drawing/2014/main" id="{C7963FDD-8220-4EA1-8409-1816CE2752ED}"/>
-              </a:ext>
-            </a:extLst>
-          </p:cNvPr>
-          <p:cNvPicPr>
-            <a:picLocks noChangeAspect="1"/>
-          </p:cNvPicPr>
-          <p:nvPr/>
-        </p:nvPicPr>
-        <p:blipFill>
-          <a:blip r:embed="rId2"/>
-          <a:stretch>
-            <a:fillRect/>
-          </a:stretch>
-        </p:blipFill>
-        <p:spPr>
-          <a:xfrm>
-            <a:off x="9475727" y="2213113"/>
-            <a:ext cx="1807921" cy="3728012"/>
-          </a:xfrm>
-          <a:prstGeom prst="rect">
-            <a:avLst/>
-          </a:prstGeom>
-        </p:spPr>
-      </p:pic>
+              <a:t>yarn add </a:t>
+            </a:r>
+            <a:r>
+              <a:rPr lang="en-US" altLang="zh-CN" dirty="0" err="1"/>
+              <a:t>axios</a:t>
+            </a:r>
+            <a:endParaRPr lang="en-US" altLang="zh-CN" dirty="0"/>
+          </a:p>
+          <a:p>
+            <a:r>
+              <a:rPr lang="zh-CN" altLang="en-US" dirty="0"/>
+              <a:t>封装</a:t>
+            </a:r>
+            <a:r>
+              <a:rPr lang="en-US" altLang="zh-CN" dirty="0"/>
+              <a:t>request.js</a:t>
+            </a:r>
+            <a:r>
+              <a:rPr lang="zh-CN" altLang="en-US" dirty="0"/>
+              <a:t>文件，用于分装</a:t>
+            </a:r>
+            <a:r>
+              <a:rPr lang="en-US" altLang="zh-CN" dirty="0" err="1"/>
+              <a:t>axios</a:t>
+            </a:r>
+            <a:r>
+              <a:rPr lang="zh-CN" altLang="en-US" dirty="0"/>
+              <a:t>请求</a:t>
+            </a:r>
+            <a:endParaRPr lang="en-US" altLang="zh-CN" dirty="0"/>
+          </a:p>
+          <a:p>
+            <a:r>
+              <a:rPr lang="zh-CN" altLang="en-US" dirty="0"/>
+              <a:t>此项目由于没有后端因此并未完成异步请求的部分</a:t>
+            </a:r>
+            <a:endParaRPr lang="en-US" altLang="zh-CN" dirty="0"/>
+          </a:p>
+        </p:txBody>
+      </p:sp>
     </p:spTree>
     <p:extLst>
       <p:ext uri="{BB962C8B-B14F-4D97-AF65-F5344CB8AC3E}">
-        <p14:creationId xmlns:p14="http://schemas.microsoft.com/office/powerpoint/2010/main" val="1255711814"/>
+        <p14:creationId xmlns:p14="http://schemas.microsoft.com/office/powerpoint/2010/main" val="3621718749"/>
       </p:ext>
     </p:extLst>
   </p:cSld>
@@ -8065,7 +8101,7 @@
           <p:cNvPr id="2" name="标题 1">
             <a:extLst>
               <a:ext uri="{FF2B5EF4-FFF2-40B4-BE49-F238E27FC236}">
-                <a16:creationId xmlns:a16="http://schemas.microsoft.com/office/drawing/2014/main" id="{7FF338E3-EECF-4E77-B85B-CD924465373C}"/>
+                <a16:creationId xmlns:a16="http://schemas.microsoft.com/office/drawing/2014/main" id="{8B8ACE91-32FE-4D54-9CAA-7138FB5838A2}"/>
               </a:ext>
             </a:extLst>
           </p:cNvPr>
@@ -8093,7 +8129,7 @@
           <p:cNvPr id="3" name="内容占位符 2">
             <a:extLst>
               <a:ext uri="{FF2B5EF4-FFF2-40B4-BE49-F238E27FC236}">
-                <a16:creationId xmlns:a16="http://schemas.microsoft.com/office/drawing/2014/main" id="{E2590A52-2ECA-4D8D-9269-C2CD88BB3179}"/>
+                <a16:creationId xmlns:a16="http://schemas.microsoft.com/office/drawing/2014/main" id="{F49DB196-A042-4751-A020-BF82DE1F6C47}"/>
               </a:ext>
             </a:extLst>
           </p:cNvPr>
@@ -8111,57 +8147,16 @@
           <a:p>
             <a:r>
               <a:rPr lang="zh-CN" altLang="en-US" dirty="0"/>
-              <a:t>当给</a:t>
+              <a:t>在编写过程中，如果出现按钮无法点击，</a:t>
             </a:r>
             <a:r>
               <a:rPr lang="en-US" altLang="zh-CN" dirty="0"/>
-              <a:t>View</a:t>
-            </a:r>
-            <a:r>
-              <a:rPr lang="zh-CN" altLang="en-US" dirty="0"/>
-              <a:t>添加</a:t>
-            </a:r>
-            <a:r>
-              <a:rPr lang="en-US" altLang="zh-CN" dirty="0" err="1"/>
-              <a:t>onPress</a:t>
-            </a:r>
-            <a:r>
-              <a:rPr lang="zh-CN" altLang="en-US" dirty="0"/>
-              <a:t>时，会产生无法跳转的问题，见</a:t>
-            </a:r>
-            <a:endParaRPr lang="en-US" altLang="zh-CN" dirty="0"/>
-          </a:p>
-          <a:p>
-            <a:r>
-              <a:rPr lang="en-US" altLang="zh-CN" dirty="0">
-                <a:hlinkClick r:id="rId2"/>
-              </a:rPr>
-              <a:t>https://stackoverflow.com/questions/43665177/react-native-view-onpress-does-not-work</a:t>
-            </a:r>
-            <a:endParaRPr lang="en-US" altLang="zh-CN" dirty="0"/>
-          </a:p>
-          <a:p>
-            <a:r>
-              <a:rPr lang="zh-CN" altLang="en-US" dirty="0"/>
-              <a:t>其实，只要将</a:t>
-            </a:r>
-            <a:r>
-              <a:rPr lang="en-US" altLang="zh-CN" dirty="0" err="1"/>
-              <a:t>onPress</a:t>
-            </a:r>
-            <a:r>
-              <a:rPr lang="zh-CN" altLang="en-US" dirty="0"/>
-              <a:t>加到</a:t>
-            </a:r>
-            <a:r>
-              <a:rPr lang="en-US" altLang="zh-CN" dirty="0"/>
-              <a:t>Text</a:t>
-            </a:r>
-            <a:r>
-              <a:rPr lang="zh-CN" altLang="en-US" dirty="0"/>
-              <a:t>上就能解决了</a:t>
-            </a:r>
-            <a:endParaRPr lang="en-US" altLang="zh-CN" dirty="0"/>
+              <a:t>Input</a:t>
+            </a:r>
+            <a:r>
+              <a:rPr lang="zh-CN" altLang="en-US" dirty="0"/>
+              <a:t>无法输入的情况，请及时重启项目，并记得先在虚拟机中删除该项目</a:t>
+            </a:r>
           </a:p>
         </p:txBody>
       </p:sp>
@@ -8170,7 +8165,7 @@
           <p:cNvPr id="5" name="图片 4">
             <a:extLst>
               <a:ext uri="{FF2B5EF4-FFF2-40B4-BE49-F238E27FC236}">
-                <a16:creationId xmlns:a16="http://schemas.microsoft.com/office/drawing/2014/main" id="{C9F43145-A3C5-4C16-AD00-5F8ED428FB27}"/>
+                <a16:creationId xmlns:a16="http://schemas.microsoft.com/office/drawing/2014/main" id="{C7963FDD-8220-4EA1-8409-1816CE2752ED}"/>
               </a:ext>
             </a:extLst>
           </p:cNvPr>
@@ -8179,15 +8174,16 @@
           </p:cNvPicPr>
           <p:nvPr/>
         </p:nvPicPr>
-        <p:blipFill rotWithShape="1">
-          <a:blip r:embed="rId3"/>
-          <a:srcRect t="3052"/>
-          <a:stretch/>
+        <p:blipFill>
+          <a:blip r:embed="rId2"/>
+          <a:stretch>
+            <a:fillRect/>
+          </a:stretch>
         </p:blipFill>
         <p:spPr>
           <a:xfrm>
-            <a:off x="1060800" y="3831257"/>
-            <a:ext cx="10007451" cy="1683579"/>
+            <a:off x="9475727" y="2213113"/>
+            <a:ext cx="1807921" cy="3728012"/>
           </a:xfrm>
           <a:prstGeom prst="rect">
             <a:avLst/>
@@ -8197,7 +8193,7 @@
     </p:spTree>
     <p:extLst>
       <p:ext uri="{BB962C8B-B14F-4D97-AF65-F5344CB8AC3E}">
-        <p14:creationId xmlns:p14="http://schemas.microsoft.com/office/powerpoint/2010/main" val="2783399709"/>
+        <p14:creationId xmlns:p14="http://schemas.microsoft.com/office/powerpoint/2010/main" val="1255711814"/>
       </p:ext>
     </p:extLst>
   </p:cSld>
@@ -8382,6 +8378,170 @@
           <p:cNvPr id="2" name="标题 1">
             <a:extLst>
               <a:ext uri="{FF2B5EF4-FFF2-40B4-BE49-F238E27FC236}">
+                <a16:creationId xmlns:a16="http://schemas.microsoft.com/office/drawing/2014/main" id="{7FF338E3-EECF-4E77-B85B-CD924465373C}"/>
+              </a:ext>
+            </a:extLst>
+          </p:cNvPr>
+          <p:cNvSpPr>
+            <a:spLocks noGrp="1"/>
+          </p:cNvSpPr>
+          <p:nvPr>
+            <p:ph type="title"/>
+          </p:nvPr>
+        </p:nvSpPr>
+        <p:spPr/>
+        <p:txBody>
+          <a:bodyPr/>
+          <a:lstStyle/>
+          <a:p>
+            <a:r>
+              <a:rPr lang="zh-CN" altLang="en-US" dirty="0"/>
+              <a:t>注：</a:t>
+            </a:r>
+          </a:p>
+        </p:txBody>
+      </p:sp>
+      <p:sp>
+        <p:nvSpPr>
+          <p:cNvPr id="3" name="内容占位符 2">
+            <a:extLst>
+              <a:ext uri="{FF2B5EF4-FFF2-40B4-BE49-F238E27FC236}">
+                <a16:creationId xmlns:a16="http://schemas.microsoft.com/office/drawing/2014/main" id="{E2590A52-2ECA-4D8D-9269-C2CD88BB3179}"/>
+              </a:ext>
+            </a:extLst>
+          </p:cNvPr>
+          <p:cNvSpPr>
+            <a:spLocks noGrp="1"/>
+          </p:cNvSpPr>
+          <p:nvPr>
+            <p:ph idx="1"/>
+          </p:nvPr>
+        </p:nvSpPr>
+        <p:spPr/>
+        <p:txBody>
+          <a:bodyPr/>
+          <a:lstStyle/>
+          <a:p>
+            <a:r>
+              <a:rPr lang="zh-CN" altLang="en-US" dirty="0"/>
+              <a:t>当给</a:t>
+            </a:r>
+            <a:r>
+              <a:rPr lang="en-US" altLang="zh-CN" dirty="0"/>
+              <a:t>View</a:t>
+            </a:r>
+            <a:r>
+              <a:rPr lang="zh-CN" altLang="en-US" dirty="0"/>
+              <a:t>添加</a:t>
+            </a:r>
+            <a:r>
+              <a:rPr lang="en-US" altLang="zh-CN" dirty="0" err="1"/>
+              <a:t>onPress</a:t>
+            </a:r>
+            <a:r>
+              <a:rPr lang="zh-CN" altLang="en-US" dirty="0"/>
+              <a:t>时，会产生无法跳转的问题，见</a:t>
+            </a:r>
+            <a:endParaRPr lang="en-US" altLang="zh-CN" dirty="0"/>
+          </a:p>
+          <a:p>
+            <a:r>
+              <a:rPr lang="en-US" altLang="zh-CN" dirty="0">
+                <a:hlinkClick r:id="rId2"/>
+              </a:rPr>
+              <a:t>https://stackoverflow.com/questions/43665177/react-native-view-onpress-does-not-work</a:t>
+            </a:r>
+            <a:endParaRPr lang="en-US" altLang="zh-CN" dirty="0"/>
+          </a:p>
+          <a:p>
+            <a:r>
+              <a:rPr lang="zh-CN" altLang="en-US" dirty="0"/>
+              <a:t>其实，只要将</a:t>
+            </a:r>
+            <a:r>
+              <a:rPr lang="en-US" altLang="zh-CN" dirty="0" err="1"/>
+              <a:t>onPress</a:t>
+            </a:r>
+            <a:r>
+              <a:rPr lang="zh-CN" altLang="en-US" dirty="0"/>
+              <a:t>加到</a:t>
+            </a:r>
+            <a:r>
+              <a:rPr lang="en-US" altLang="zh-CN" dirty="0"/>
+              <a:t>Text</a:t>
+            </a:r>
+            <a:r>
+              <a:rPr lang="zh-CN" altLang="en-US" dirty="0"/>
+              <a:t>上就能解决了</a:t>
+            </a:r>
+            <a:endParaRPr lang="en-US" altLang="zh-CN" dirty="0"/>
+          </a:p>
+        </p:txBody>
+      </p:sp>
+      <p:pic>
+        <p:nvPicPr>
+          <p:cNvPr id="5" name="图片 4">
+            <a:extLst>
+              <a:ext uri="{FF2B5EF4-FFF2-40B4-BE49-F238E27FC236}">
+                <a16:creationId xmlns:a16="http://schemas.microsoft.com/office/drawing/2014/main" id="{C9F43145-A3C5-4C16-AD00-5F8ED428FB27}"/>
+              </a:ext>
+            </a:extLst>
+          </p:cNvPr>
+          <p:cNvPicPr>
+            <a:picLocks noChangeAspect="1"/>
+          </p:cNvPicPr>
+          <p:nvPr/>
+        </p:nvPicPr>
+        <p:blipFill rotWithShape="1">
+          <a:blip r:embed="rId3"/>
+          <a:srcRect t="3052"/>
+          <a:stretch/>
+        </p:blipFill>
+        <p:spPr>
+          <a:xfrm>
+            <a:off x="1060800" y="3831257"/>
+            <a:ext cx="10007451" cy="1683579"/>
+          </a:xfrm>
+          <a:prstGeom prst="rect">
+            <a:avLst/>
+          </a:prstGeom>
+        </p:spPr>
+      </p:pic>
+    </p:spTree>
+    <p:extLst>
+      <p:ext uri="{BB962C8B-B14F-4D97-AF65-F5344CB8AC3E}">
+        <p14:creationId xmlns:p14="http://schemas.microsoft.com/office/powerpoint/2010/main" val="2783399709"/>
+      </p:ext>
+    </p:extLst>
+  </p:cSld>
+  <p:clrMapOvr>
+    <a:masterClrMapping/>
+  </p:clrMapOvr>
+</p:sld>
+</file>
+
+<file path=ppt/slides/slide21.xml><?xml version="1.0" encoding="utf-8"?>
+<p:sld xmlns:a="http://schemas.openxmlformats.org/drawingml/2006/main" xmlns:r="http://schemas.openxmlformats.org/officeDocument/2006/relationships" xmlns:p="http://schemas.openxmlformats.org/presentationml/2006/main">
+  <p:cSld>
+    <p:spTree>
+      <p:nvGrpSpPr>
+        <p:cNvPr id="1" name=""/>
+        <p:cNvGrpSpPr/>
+        <p:nvPr/>
+      </p:nvGrpSpPr>
+      <p:grpSpPr>
+        <a:xfrm>
+          <a:off x="0" y="0"/>
+          <a:ext cx="0" cy="0"/>
+          <a:chOff x="0" y="0"/>
+          <a:chExt cx="0" cy="0"/>
+        </a:xfrm>
+      </p:grpSpPr>
+      <p:sp>
+        <p:nvSpPr>
+          <p:cNvPr id="2" name="标题 1">
+            <a:extLst>
+              <a:ext uri="{FF2B5EF4-FFF2-40B4-BE49-F238E27FC236}">
                 <a16:creationId xmlns:a16="http://schemas.microsoft.com/office/drawing/2014/main" id="{41E73DF0-5A84-41CA-A04B-36F754B314D4}"/>
               </a:ext>
             </a:extLst>
@@ -8549,7 +8709,7 @@
 </p:sld>
 </file>
 
-<file path=ppt/slides/slide21.xml><?xml version="1.0" encoding="utf-8"?>
+<file path=ppt/slides/slide22.xml><?xml version="1.0" encoding="utf-8"?>
 <p:sld xmlns:a="http://schemas.openxmlformats.org/drawingml/2006/main" xmlns:r="http://schemas.openxmlformats.org/officeDocument/2006/relationships" xmlns:p="http://schemas.openxmlformats.org/presentationml/2006/main">
   <p:cSld>
     <p:spTree>
@@ -8770,7 +8930,7 @@
 </p:sld>
 </file>
 
-<file path=ppt/slides/slide22.xml><?xml version="1.0" encoding="utf-8"?>
+<file path=ppt/slides/slide23.xml><?xml version="1.0" encoding="utf-8"?>
 <p:sld xmlns:a="http://schemas.openxmlformats.org/drawingml/2006/main" xmlns:r="http://schemas.openxmlformats.org/officeDocument/2006/relationships" xmlns:p="http://schemas.openxmlformats.org/presentationml/2006/main">
   <p:cSld>
     <p:spTree>
@@ -8885,7 +9045,7 @@
 </p:sld>
 </file>
 
-<file path=ppt/slides/slide23.xml><?xml version="1.0" encoding="utf-8"?>
+<file path=ppt/slides/slide24.xml><?xml version="1.0" encoding="utf-8"?>
 <p:sld xmlns:a="http://schemas.openxmlformats.org/drawingml/2006/main" xmlns:r="http://schemas.openxmlformats.org/officeDocument/2006/relationships" xmlns:p="http://schemas.openxmlformats.org/presentationml/2006/main">
   <p:cSld>
     <p:spTree>
@@ -9000,7 +9160,7 @@
 </p:sld>
 </file>
 
-<file path=ppt/slides/slide24.xml><?xml version="1.0" encoding="utf-8"?>
+<file path=ppt/slides/slide25.xml><?xml version="1.0" encoding="utf-8"?>
 <p:sld xmlns:a="http://schemas.openxmlformats.org/drawingml/2006/main" xmlns:r="http://schemas.openxmlformats.org/officeDocument/2006/relationships" xmlns:p="http://schemas.openxmlformats.org/presentationml/2006/main">
   <p:cSld>
     <p:spTree>
@@ -9113,161 +9273,6 @@
 </p:sld>
 </file>
 
-<file path=ppt/slides/slide25.xml><?xml version="1.0" encoding="utf-8"?>
-<p:sld xmlns:a="http://schemas.openxmlformats.org/drawingml/2006/main" xmlns:r="http://schemas.openxmlformats.org/officeDocument/2006/relationships" xmlns:p="http://schemas.openxmlformats.org/presentationml/2006/main">
-  <p:cSld>
-    <p:spTree>
-      <p:nvGrpSpPr>
-        <p:cNvPr id="1" name=""/>
-        <p:cNvGrpSpPr/>
-        <p:nvPr/>
-      </p:nvGrpSpPr>
-      <p:grpSpPr>
-        <a:xfrm>
-          <a:off x="0" y="0"/>
-          <a:ext cx="0" cy="0"/>
-          <a:chOff x="0" y="0"/>
-          <a:chExt cx="0" cy="0"/>
-        </a:xfrm>
-      </p:grpSpPr>
-      <p:sp>
-        <p:nvSpPr>
-          <p:cNvPr id="2" name="标题 1">
-            <a:extLst>
-              <a:ext uri="{FF2B5EF4-FFF2-40B4-BE49-F238E27FC236}">
-                <a16:creationId xmlns:a16="http://schemas.microsoft.com/office/drawing/2014/main" id="{B12991C1-308E-4161-9EE8-A019F203A2A2}"/>
-              </a:ext>
-            </a:extLst>
-          </p:cNvPr>
-          <p:cNvSpPr>
-            <a:spLocks noGrp="1"/>
-          </p:cNvSpPr>
-          <p:nvPr>
-            <p:ph type="title"/>
-          </p:nvPr>
-        </p:nvSpPr>
-        <p:spPr/>
-        <p:txBody>
-          <a:bodyPr/>
-          <a:lstStyle/>
-          <a:p>
-            <a:r>
-              <a:rPr lang="zh-CN" altLang="en-US" dirty="0"/>
-              <a:t>关于调试</a:t>
-            </a:r>
-          </a:p>
-        </p:txBody>
-      </p:sp>
-      <p:sp>
-        <p:nvSpPr>
-          <p:cNvPr id="3" name="内容占位符 2">
-            <a:extLst>
-              <a:ext uri="{FF2B5EF4-FFF2-40B4-BE49-F238E27FC236}">
-                <a16:creationId xmlns:a16="http://schemas.microsoft.com/office/drawing/2014/main" id="{C14E61C1-6D5C-4809-B791-55BCEB2CD065}"/>
-              </a:ext>
-            </a:extLst>
-          </p:cNvPr>
-          <p:cNvSpPr>
-            <a:spLocks noGrp="1"/>
-          </p:cNvSpPr>
-          <p:nvPr>
-            <p:ph idx="1"/>
-          </p:nvPr>
-        </p:nvSpPr>
-        <p:spPr/>
-        <p:txBody>
-          <a:bodyPr/>
-          <a:lstStyle/>
-          <a:p>
-            <a:r>
-              <a:rPr lang="en-US" altLang="zh-CN" dirty="0"/>
-              <a:t>console.log</a:t>
-            </a:r>
-            <a:r>
-              <a:rPr lang="zh-CN" altLang="en-US" dirty="0"/>
-              <a:t>的值可在</a:t>
-            </a:r>
-            <a:r>
-              <a:rPr lang="en-US" altLang="zh-CN" dirty="0"/>
-              <a:t>node.js</a:t>
-            </a:r>
-            <a:r>
-              <a:rPr lang="zh-CN" altLang="en-US" dirty="0"/>
-              <a:t>内查看，但是比较繁琐</a:t>
-            </a:r>
-            <a:endParaRPr lang="en-US" altLang="zh-CN" dirty="0"/>
-          </a:p>
-          <a:p>
-            <a:r>
-              <a:rPr lang="zh-CN" altLang="en-US" dirty="0"/>
-              <a:t>下载</a:t>
-            </a:r>
-            <a:r>
-              <a:rPr lang="en-US" altLang="zh-CN" dirty="0"/>
-              <a:t>React Developer Tools</a:t>
-            </a:r>
-          </a:p>
-          <a:p>
-            <a:r>
-              <a:rPr lang="en-US" altLang="zh-CN" dirty="0"/>
-              <a:t>yarn add global react-devtools@”4.11.0”</a:t>
-            </a:r>
-          </a:p>
-          <a:p>
-            <a:r>
-              <a:rPr lang="zh-CN" altLang="en-US" dirty="0"/>
-              <a:t>使用</a:t>
-            </a:r>
-            <a:r>
-              <a:rPr lang="en-US" altLang="zh-CN" dirty="0" err="1"/>
-              <a:t>npm</a:t>
-            </a:r>
-            <a:r>
-              <a:rPr lang="zh-CN" altLang="en-US" dirty="0"/>
-              <a:t>安装失败，不知道啥原因，</a:t>
-            </a:r>
-            <a:r>
-              <a:rPr lang="en-US" altLang="zh-CN" dirty="0"/>
-              <a:t>yarn</a:t>
-            </a:r>
-            <a:r>
-              <a:rPr lang="zh-CN" altLang="en-US" dirty="0"/>
-              <a:t>就行</a:t>
-            </a:r>
-            <a:endParaRPr lang="en-US" altLang="zh-CN" dirty="0"/>
-          </a:p>
-          <a:p>
-            <a:r>
-              <a:rPr lang="zh-CN" altLang="en-US" dirty="0"/>
-              <a:t>运行成功后也无法查看</a:t>
-            </a:r>
-            <a:r>
-              <a:rPr lang="en-US" altLang="zh-CN" dirty="0"/>
-              <a:t>console.log</a:t>
-            </a:r>
-          </a:p>
-          <a:p>
-            <a:r>
-              <a:rPr lang="zh-CN" altLang="en-US" dirty="0"/>
-              <a:t>暂未找到合适方法解决</a:t>
-            </a:r>
-            <a:endParaRPr lang="en-US" altLang="zh-CN" dirty="0"/>
-          </a:p>
-        </p:txBody>
-      </p:sp>
-    </p:spTree>
-    <p:extLst>
-      <p:ext uri="{BB962C8B-B14F-4D97-AF65-F5344CB8AC3E}">
-        <p14:creationId xmlns:p14="http://schemas.microsoft.com/office/powerpoint/2010/main" val="728009068"/>
-      </p:ext>
-    </p:extLst>
-  </p:cSld>
-  <p:clrMapOvr>
-    <a:masterClrMapping/>
-  </p:clrMapOvr>
-</p:sld>
-</file>
-
 <file path=ppt/slides/slide26.xml><?xml version="1.0" encoding="utf-8"?>
 <p:sld xmlns:a="http://schemas.openxmlformats.org/drawingml/2006/main" xmlns:r="http://schemas.openxmlformats.org/officeDocument/2006/relationships" xmlns:p="http://schemas.openxmlformats.org/presentationml/2006/main">
   <p:cSld>
@@ -9290,7 +9295,7 @@
           <p:cNvPr id="2" name="标题 1">
             <a:extLst>
               <a:ext uri="{FF2B5EF4-FFF2-40B4-BE49-F238E27FC236}">
-                <a16:creationId xmlns:a16="http://schemas.microsoft.com/office/drawing/2014/main" id="{682B9A38-9614-4EB9-AFAB-D357A16F004C}"/>
+                <a16:creationId xmlns:a16="http://schemas.microsoft.com/office/drawing/2014/main" id="{B12991C1-308E-4161-9EE8-A019F203A2A2}"/>
               </a:ext>
             </a:extLst>
           </p:cNvPr>
@@ -9308,7 +9313,7 @@
           <a:p>
             <a:r>
               <a:rPr lang="zh-CN" altLang="en-US" dirty="0"/>
-              <a:t>关于网络请求</a:t>
+              <a:t>关于调试</a:t>
             </a:r>
           </a:p>
         </p:txBody>
@@ -9318,7 +9323,7 @@
           <p:cNvPr id="3" name="内容占位符 2">
             <a:extLst>
               <a:ext uri="{FF2B5EF4-FFF2-40B4-BE49-F238E27FC236}">
-                <a16:creationId xmlns:a16="http://schemas.microsoft.com/office/drawing/2014/main" id="{69050C29-62B9-496C-AA45-C63EFB43CD1A}"/>
+                <a16:creationId xmlns:a16="http://schemas.microsoft.com/office/drawing/2014/main" id="{C14E61C1-6D5C-4809-B791-55BCEB2CD065}"/>
               </a:ext>
             </a:extLst>
           </p:cNvPr>
@@ -9335,31 +9340,109 @@
           <a:lstStyle/>
           <a:p>
             <a:r>
-              <a:rPr lang="zh-CN" altLang="en-US" dirty="0"/>
-              <a:t>官网推荐</a:t>
-            </a:r>
-            <a:r>
               <a:rPr lang="en-US" altLang="zh-CN" dirty="0"/>
-              <a:t>fetch</a:t>
-            </a:r>
-          </a:p>
-          <a:p>
-            <a:r>
-              <a:rPr lang="zh-CN" altLang="en-US" dirty="0"/>
-              <a:t>可使用</a:t>
+              <a:t>console.log</a:t>
+            </a:r>
+            <a:r>
+              <a:rPr lang="zh-CN" altLang="en-US" dirty="0"/>
+              <a:t>的值可在</a:t>
+            </a:r>
+            <a:r>
+              <a:rPr lang="en-US" altLang="zh-CN" dirty="0"/>
+              <a:t>node.js</a:t>
+            </a:r>
+            <a:r>
+              <a:rPr lang="zh-CN" altLang="en-US" dirty="0"/>
+              <a:t>内查看，但是并不直观（能够看到</a:t>
+            </a:r>
+            <a:r>
+              <a:rPr lang="en-US" altLang="zh-CN" dirty="0"/>
+              <a:t>object</a:t>
+            </a:r>
+            <a:r>
+              <a:rPr lang="zh-CN" altLang="en-US" dirty="0"/>
+              <a:t>的所有值，此处</a:t>
+            </a:r>
+            <a:r>
+              <a:rPr lang="en-US" altLang="zh-CN" dirty="0"/>
+              <a:t>node.js</a:t>
+            </a:r>
+            <a:r>
+              <a:rPr lang="zh-CN" altLang="en-US" dirty="0"/>
+              <a:t>即为</a:t>
+            </a:r>
+            <a:r>
+              <a:rPr lang="en-US" altLang="zh-CN" dirty="0"/>
+              <a:t>yarn android</a:t>
+            </a:r>
+            <a:r>
+              <a:rPr lang="zh-CN" altLang="en-US" dirty="0"/>
+              <a:t>后生成的那个即可）</a:t>
+            </a:r>
+            <a:endParaRPr lang="en-US" altLang="zh-CN" dirty="0"/>
+          </a:p>
+          <a:p>
+            <a:r>
+              <a:rPr lang="zh-CN" altLang="en-US" dirty="0"/>
+              <a:t>下载</a:t>
+            </a:r>
+            <a:r>
+              <a:rPr lang="en-US" altLang="zh-CN" dirty="0"/>
+              <a:t>React Developer Tools</a:t>
+            </a:r>
+          </a:p>
+          <a:p>
+            <a:r>
+              <a:rPr lang="en-US" altLang="zh-CN" dirty="0"/>
+              <a:t>yarn add global react-devtools@”4.11.0”</a:t>
+            </a:r>
+          </a:p>
+          <a:p>
+            <a:r>
+              <a:rPr lang="zh-CN" altLang="en-US" dirty="0"/>
+              <a:t>使用</a:t>
             </a:r>
             <a:r>
               <a:rPr lang="en-US" altLang="zh-CN" dirty="0" err="1"/>
-              <a:t>axios</a:t>
-            </a:r>
-            <a:endParaRPr lang="zh-CN" altLang="en-US" dirty="0"/>
+              <a:t>npm</a:t>
+            </a:r>
+            <a:r>
+              <a:rPr lang="zh-CN" altLang="en-US" dirty="0"/>
+              <a:t>安装失败，不知道啥原因，</a:t>
+            </a:r>
+            <a:r>
+              <a:rPr lang="en-US" altLang="zh-CN" dirty="0"/>
+              <a:t>yarn</a:t>
+            </a:r>
+            <a:r>
+              <a:rPr lang="zh-CN" altLang="en-US" dirty="0"/>
+              <a:t>就行</a:t>
+            </a:r>
+            <a:endParaRPr lang="en-US" altLang="zh-CN" dirty="0"/>
+          </a:p>
+          <a:p>
+            <a:r>
+              <a:rPr lang="zh-CN" altLang="en-US" dirty="0"/>
+              <a:t>运行成功后也无法查看</a:t>
+            </a:r>
+            <a:r>
+              <a:rPr lang="en-US" altLang="zh-CN" dirty="0"/>
+              <a:t>console.log</a:t>
+            </a:r>
+          </a:p>
+          <a:p>
+            <a:r>
+              <a:rPr lang="zh-CN" altLang="en-US" dirty="0"/>
+              <a:t>暂未找到合适方法解决</a:t>
+            </a:r>
+            <a:endParaRPr lang="en-US" altLang="zh-CN" dirty="0"/>
           </a:p>
         </p:txBody>
       </p:sp>
     </p:spTree>
     <p:extLst>
       <p:ext uri="{BB962C8B-B14F-4D97-AF65-F5344CB8AC3E}">
-        <p14:creationId xmlns:p14="http://schemas.microsoft.com/office/powerpoint/2010/main" val="1937224302"/>
+        <p14:creationId xmlns:p14="http://schemas.microsoft.com/office/powerpoint/2010/main" val="728009068"/>
       </p:ext>
     </p:extLst>
   </p:cSld>
@@ -9391,7 +9474,7 @@
           <p:cNvPr id="2" name="标题 1">
             <a:extLst>
               <a:ext uri="{FF2B5EF4-FFF2-40B4-BE49-F238E27FC236}">
-                <a16:creationId xmlns:a16="http://schemas.microsoft.com/office/drawing/2014/main" id="{462265A7-FD84-4913-8825-84062FA7DC80}"/>
+                <a16:creationId xmlns:a16="http://schemas.microsoft.com/office/drawing/2014/main" id="{682B9A38-9614-4EB9-AFAB-D357A16F004C}"/>
               </a:ext>
             </a:extLst>
           </p:cNvPr>
@@ -9409,7 +9492,7 @@
           <a:p>
             <a:r>
               <a:rPr lang="zh-CN" altLang="en-US" dirty="0"/>
-              <a:t>样式的封装与集成</a:t>
+              <a:t>关于网络请求</a:t>
             </a:r>
           </a:p>
         </p:txBody>
@@ -9419,7 +9502,7 @@
           <p:cNvPr id="3" name="内容占位符 2">
             <a:extLst>
               <a:ext uri="{FF2B5EF4-FFF2-40B4-BE49-F238E27FC236}">
-                <a16:creationId xmlns:a16="http://schemas.microsoft.com/office/drawing/2014/main" id="{60D3B77E-FD37-4184-BC68-848C9B3A66E5}"/>
+                <a16:creationId xmlns:a16="http://schemas.microsoft.com/office/drawing/2014/main" id="{69050C29-62B9-496C-AA45-C63EFB43CD1A}"/>
               </a:ext>
             </a:extLst>
           </p:cNvPr>
@@ -9437,84 +9520,22 @@
           <a:p>
             <a:r>
               <a:rPr lang="zh-CN" altLang="en-US" dirty="0"/>
-              <a:t>官网提出使用</a:t>
+              <a:t>官网推荐</a:t>
+            </a:r>
+            <a:r>
+              <a:rPr lang="en-US" altLang="zh-CN" dirty="0"/>
+              <a:t>fetch</a:t>
+            </a:r>
+          </a:p>
+          <a:p>
+            <a:r>
+              <a:rPr lang="zh-CN" altLang="en-US" dirty="0"/>
+              <a:t>可使用</a:t>
             </a:r>
             <a:r>
               <a:rPr lang="en-US" altLang="zh-CN" dirty="0" err="1"/>
-              <a:t>StyleSheet.create</a:t>
-            </a:r>
-            <a:r>
-              <a:rPr lang="zh-CN" altLang="en-US" dirty="0"/>
-              <a:t>来完成</a:t>
-            </a:r>
-            <a:endParaRPr lang="en-US" altLang="zh-CN" dirty="0"/>
-          </a:p>
-          <a:p>
-            <a:r>
-              <a:rPr lang="en-US" altLang="zh-CN" dirty="0"/>
-              <a:t>https://reactnative.cn/docs/style</a:t>
-            </a:r>
-          </a:p>
-          <a:p>
-            <a:r>
-              <a:rPr lang="zh-CN" altLang="en-US" dirty="0"/>
-              <a:t>此外，</a:t>
-            </a:r>
-            <a:r>
-              <a:rPr lang="en-US" altLang="zh-CN" dirty="0" err="1"/>
-              <a:t>ReactNativeElements</a:t>
-            </a:r>
-            <a:r>
-              <a:rPr lang="zh-CN" altLang="en-US" dirty="0"/>
-              <a:t>有通过</a:t>
-            </a:r>
-            <a:r>
-              <a:rPr lang="en-US" altLang="zh-CN" dirty="0"/>
-              <a:t>theme</a:t>
-            </a:r>
-            <a:r>
-              <a:rPr lang="zh-CN" altLang="en-US" dirty="0"/>
-              <a:t>的方式改写</a:t>
-            </a:r>
-            <a:r>
-              <a:rPr lang="en-US" altLang="zh-CN" dirty="0"/>
-              <a:t>style</a:t>
-            </a:r>
-          </a:p>
-          <a:p>
-            <a:r>
-              <a:rPr lang="en-US" altLang="zh-CN" dirty="0">
-                <a:hlinkClick r:id="rId2"/>
-              </a:rPr>
-              <a:t>https://reactnativeelements.com/docs/customization</a:t>
-            </a:r>
-            <a:endParaRPr lang="en-US" altLang="zh-CN" dirty="0"/>
-          </a:p>
-          <a:p>
-            <a:r>
-              <a:rPr lang="zh-CN" altLang="en-US" dirty="0"/>
-              <a:t>按照官网方式抽离</a:t>
-            </a:r>
-            <a:r>
-              <a:rPr lang="en-US" altLang="zh-CN" dirty="0"/>
-              <a:t>style</a:t>
-            </a:r>
-          </a:p>
-          <a:p>
-            <a:r>
-              <a:rPr lang="zh-CN" altLang="en-US" dirty="0"/>
-              <a:t>抽离为单独的</a:t>
-            </a:r>
-            <a:r>
-              <a:rPr lang="en-US" altLang="zh-CN" dirty="0" err="1"/>
-              <a:t>js</a:t>
-            </a:r>
-            <a:r>
-              <a:rPr lang="zh-CN" altLang="en-US" dirty="0"/>
-              <a:t>文件并引入</a:t>
-            </a:r>
-          </a:p>
-          <a:p>
+              <a:t>axios</a:t>
+            </a:r>
             <a:endParaRPr lang="zh-CN" altLang="en-US" dirty="0"/>
           </a:p>
         </p:txBody>
@@ -9522,7 +9543,7 @@
     </p:spTree>
     <p:extLst>
       <p:ext uri="{BB962C8B-B14F-4D97-AF65-F5344CB8AC3E}">
-        <p14:creationId xmlns:p14="http://schemas.microsoft.com/office/powerpoint/2010/main" val="1572682346"/>
+        <p14:creationId xmlns:p14="http://schemas.microsoft.com/office/powerpoint/2010/main" val="1937224302"/>
       </p:ext>
     </p:extLst>
   </p:cSld>
@@ -9554,7 +9575,7 @@
           <p:cNvPr id="2" name="标题 1">
             <a:extLst>
               <a:ext uri="{FF2B5EF4-FFF2-40B4-BE49-F238E27FC236}">
-                <a16:creationId xmlns:a16="http://schemas.microsoft.com/office/drawing/2014/main" id="{9B5433BA-66AA-4CC7-AE26-C3FB1E6DDAD3}"/>
+                <a16:creationId xmlns:a16="http://schemas.microsoft.com/office/drawing/2014/main" id="{462265A7-FD84-4913-8825-84062FA7DC80}"/>
               </a:ext>
             </a:extLst>
           </p:cNvPr>
@@ -9572,6 +9593,542 @@
           <a:p>
             <a:r>
               <a:rPr lang="zh-CN" altLang="en-US" dirty="0"/>
+              <a:t>样式的封装与集成</a:t>
+            </a:r>
+          </a:p>
+        </p:txBody>
+      </p:sp>
+      <p:sp>
+        <p:nvSpPr>
+          <p:cNvPr id="3" name="内容占位符 2">
+            <a:extLst>
+              <a:ext uri="{FF2B5EF4-FFF2-40B4-BE49-F238E27FC236}">
+                <a16:creationId xmlns:a16="http://schemas.microsoft.com/office/drawing/2014/main" id="{60D3B77E-FD37-4184-BC68-848C9B3A66E5}"/>
+              </a:ext>
+            </a:extLst>
+          </p:cNvPr>
+          <p:cNvSpPr>
+            <a:spLocks noGrp="1"/>
+          </p:cNvSpPr>
+          <p:nvPr>
+            <p:ph idx="1"/>
+          </p:nvPr>
+        </p:nvSpPr>
+        <p:spPr/>
+        <p:txBody>
+          <a:bodyPr/>
+          <a:lstStyle/>
+          <a:p>
+            <a:r>
+              <a:rPr lang="zh-CN" altLang="en-US" dirty="0"/>
+              <a:t>官网提出使用</a:t>
+            </a:r>
+            <a:r>
+              <a:rPr lang="en-US" altLang="zh-CN" dirty="0" err="1"/>
+              <a:t>StyleSheet.create</a:t>
+            </a:r>
+            <a:r>
+              <a:rPr lang="zh-CN" altLang="en-US" dirty="0"/>
+              <a:t>来完成</a:t>
+            </a:r>
+            <a:endParaRPr lang="en-US" altLang="zh-CN" dirty="0"/>
+          </a:p>
+          <a:p>
+            <a:r>
+              <a:rPr lang="en-US" altLang="zh-CN" dirty="0"/>
+              <a:t>https://reactnative.cn/docs/style</a:t>
+            </a:r>
+          </a:p>
+          <a:p>
+            <a:r>
+              <a:rPr lang="zh-CN" altLang="en-US" dirty="0"/>
+              <a:t>此外，</a:t>
+            </a:r>
+            <a:r>
+              <a:rPr lang="en-US" altLang="zh-CN" dirty="0" err="1"/>
+              <a:t>ReactNativeElements</a:t>
+            </a:r>
+            <a:r>
+              <a:rPr lang="zh-CN" altLang="en-US" dirty="0"/>
+              <a:t>有通过</a:t>
+            </a:r>
+            <a:r>
+              <a:rPr lang="en-US" altLang="zh-CN" dirty="0"/>
+              <a:t>theme</a:t>
+            </a:r>
+            <a:r>
+              <a:rPr lang="zh-CN" altLang="en-US" dirty="0"/>
+              <a:t>的方式改写</a:t>
+            </a:r>
+            <a:r>
+              <a:rPr lang="en-US" altLang="zh-CN" dirty="0"/>
+              <a:t>style</a:t>
+            </a:r>
+          </a:p>
+          <a:p>
+            <a:r>
+              <a:rPr lang="en-US" altLang="zh-CN" dirty="0">
+                <a:hlinkClick r:id="rId2"/>
+              </a:rPr>
+              <a:t>https://reactnativeelements.com/docs/customization</a:t>
+            </a:r>
+            <a:endParaRPr lang="en-US" altLang="zh-CN" dirty="0"/>
+          </a:p>
+          <a:p>
+            <a:r>
+              <a:rPr lang="zh-CN" altLang="en-US" dirty="0"/>
+              <a:t>按照官网方式抽离</a:t>
+            </a:r>
+            <a:r>
+              <a:rPr lang="en-US" altLang="zh-CN" dirty="0"/>
+              <a:t>style</a:t>
+            </a:r>
+          </a:p>
+          <a:p>
+            <a:r>
+              <a:rPr lang="zh-CN" altLang="en-US" dirty="0"/>
+              <a:t>抽离为单独的</a:t>
+            </a:r>
+            <a:r>
+              <a:rPr lang="en-US" altLang="zh-CN" dirty="0" err="1"/>
+              <a:t>js</a:t>
+            </a:r>
+            <a:r>
+              <a:rPr lang="zh-CN" altLang="en-US" dirty="0"/>
+              <a:t>文件并引入</a:t>
+            </a:r>
+          </a:p>
+          <a:p>
+            <a:endParaRPr lang="zh-CN" altLang="en-US" dirty="0"/>
+          </a:p>
+        </p:txBody>
+      </p:sp>
+    </p:spTree>
+    <p:extLst>
+      <p:ext uri="{BB962C8B-B14F-4D97-AF65-F5344CB8AC3E}">
+        <p14:creationId xmlns:p14="http://schemas.microsoft.com/office/powerpoint/2010/main" val="1572682346"/>
+      </p:ext>
+    </p:extLst>
+  </p:cSld>
+  <p:clrMapOvr>
+    <a:masterClrMapping/>
+  </p:clrMapOvr>
+</p:sld>
+</file>
+
+<file path=ppt/slides/slide29.xml><?xml version="1.0" encoding="utf-8"?>
+<p:sld xmlns:a="http://schemas.openxmlformats.org/drawingml/2006/main" xmlns:r="http://schemas.openxmlformats.org/officeDocument/2006/relationships" xmlns:p="http://schemas.openxmlformats.org/presentationml/2006/main">
+  <p:cSld>
+    <p:spTree>
+      <p:nvGrpSpPr>
+        <p:cNvPr id="1" name=""/>
+        <p:cNvGrpSpPr/>
+        <p:nvPr/>
+      </p:nvGrpSpPr>
+      <p:grpSpPr>
+        <a:xfrm>
+          <a:off x="0" y="0"/>
+          <a:ext cx="0" cy="0"/>
+          <a:chOff x="0" y="0"/>
+          <a:chExt cx="0" cy="0"/>
+        </a:xfrm>
+      </p:grpSpPr>
+      <p:sp>
+        <p:nvSpPr>
+          <p:cNvPr id="2" name="标题 1">
+            <a:extLst>
+              <a:ext uri="{FF2B5EF4-FFF2-40B4-BE49-F238E27FC236}">
+                <a16:creationId xmlns:a16="http://schemas.microsoft.com/office/drawing/2014/main" id="{D448B21A-12CC-4ABD-A998-3C18E322D93B}"/>
+              </a:ext>
+            </a:extLst>
+          </p:cNvPr>
+          <p:cNvSpPr>
+            <a:spLocks noGrp="1"/>
+          </p:cNvSpPr>
+          <p:nvPr>
+            <p:ph type="title"/>
+          </p:nvPr>
+        </p:nvSpPr>
+        <p:spPr/>
+        <p:txBody>
+          <a:bodyPr/>
+          <a:lstStyle/>
+          <a:p>
+            <a:r>
+              <a:rPr lang="zh-CN" altLang="en-US" dirty="0"/>
+              <a:t>样式的封装与集成</a:t>
+            </a:r>
+          </a:p>
+        </p:txBody>
+      </p:sp>
+      <p:pic>
+        <p:nvPicPr>
+          <p:cNvPr id="9" name="图片 8">
+            <a:extLst>
+              <a:ext uri="{FF2B5EF4-FFF2-40B4-BE49-F238E27FC236}">
+                <a16:creationId xmlns:a16="http://schemas.microsoft.com/office/drawing/2014/main" id="{A7429544-F79F-473E-A915-0B388224299F}"/>
+              </a:ext>
+            </a:extLst>
+          </p:cNvPr>
+          <p:cNvPicPr>
+            <a:picLocks noChangeAspect="1"/>
+          </p:cNvPicPr>
+          <p:nvPr/>
+        </p:nvPicPr>
+        <p:blipFill>
+          <a:blip r:embed="rId2"/>
+          <a:stretch>
+            <a:fillRect/>
+          </a:stretch>
+        </p:blipFill>
+        <p:spPr>
+          <a:xfrm>
+            <a:off x="347869" y="1467031"/>
+            <a:ext cx="10005520" cy="5390969"/>
+          </a:xfrm>
+          <a:prstGeom prst="rect">
+            <a:avLst/>
+          </a:prstGeom>
+        </p:spPr>
+      </p:pic>
+      <p:pic>
+        <p:nvPicPr>
+          <p:cNvPr id="12" name="图片 11">
+            <a:extLst>
+              <a:ext uri="{FF2B5EF4-FFF2-40B4-BE49-F238E27FC236}">
+                <a16:creationId xmlns:a16="http://schemas.microsoft.com/office/drawing/2014/main" id="{41A832C9-B593-4D0D-825F-2E9A8DA6A1F3}"/>
+              </a:ext>
+            </a:extLst>
+          </p:cNvPr>
+          <p:cNvPicPr>
+            <a:picLocks noChangeAspect="1"/>
+          </p:cNvPicPr>
+          <p:nvPr/>
+        </p:nvPicPr>
+        <p:blipFill>
+          <a:blip r:embed="rId3"/>
+          <a:stretch>
+            <a:fillRect/>
+          </a:stretch>
+        </p:blipFill>
+        <p:spPr>
+          <a:xfrm>
+            <a:off x="9581041" y="4308289"/>
+            <a:ext cx="2114286" cy="561905"/>
+          </a:xfrm>
+          <a:prstGeom prst="rect">
+            <a:avLst/>
+          </a:prstGeom>
+        </p:spPr>
+      </p:pic>
+    </p:spTree>
+    <p:extLst>
+      <p:ext uri="{BB962C8B-B14F-4D97-AF65-F5344CB8AC3E}">
+        <p14:creationId xmlns:p14="http://schemas.microsoft.com/office/powerpoint/2010/main" val="4043830519"/>
+      </p:ext>
+    </p:extLst>
+  </p:cSld>
+  <p:clrMapOvr>
+    <a:masterClrMapping/>
+  </p:clrMapOvr>
+</p:sld>
+</file>
+
+<file path=ppt/slides/slide3.xml><?xml version="1.0" encoding="utf-8"?>
+<p:sld xmlns:a="http://schemas.openxmlformats.org/drawingml/2006/main" xmlns:r="http://schemas.openxmlformats.org/officeDocument/2006/relationships" xmlns:p="http://schemas.openxmlformats.org/presentationml/2006/main">
+  <p:cSld>
+    <p:spTree>
+      <p:nvGrpSpPr>
+        <p:cNvPr id="1" name=""/>
+        <p:cNvGrpSpPr/>
+        <p:nvPr/>
+      </p:nvGrpSpPr>
+      <p:grpSpPr>
+        <a:xfrm>
+          <a:off x="0" y="0"/>
+          <a:ext cx="0" cy="0"/>
+          <a:chOff x="0" y="0"/>
+          <a:chExt cx="0" cy="0"/>
+        </a:xfrm>
+      </p:grpSpPr>
+      <p:sp>
+        <p:nvSpPr>
+          <p:cNvPr id="2" name="标题 1">
+            <a:extLst>
+              <a:ext uri="{FF2B5EF4-FFF2-40B4-BE49-F238E27FC236}">
+                <a16:creationId xmlns:a16="http://schemas.microsoft.com/office/drawing/2014/main" id="{719783F0-84B5-4A81-ABB8-6615CC4C530D}"/>
+              </a:ext>
+            </a:extLst>
+          </p:cNvPr>
+          <p:cNvSpPr>
+            <a:spLocks noGrp="1"/>
+          </p:cNvSpPr>
+          <p:nvPr>
+            <p:ph type="title"/>
+          </p:nvPr>
+        </p:nvSpPr>
+        <p:spPr/>
+        <p:txBody>
+          <a:bodyPr>
+            <a:normAutofit/>
+          </a:bodyPr>
+          <a:lstStyle/>
+          <a:p>
+            <a:r>
+              <a:rPr lang="zh-CN" altLang="en-US" dirty="0"/>
+              <a:t>关于</a:t>
+            </a:r>
+            <a:r>
+              <a:rPr lang="en-US" altLang="zh-CN" dirty="0"/>
+              <a:t>Android Studio</a:t>
+            </a:r>
+            <a:r>
+              <a:rPr lang="zh-CN" altLang="en-US" dirty="0"/>
+              <a:t>虚拟机</a:t>
+            </a:r>
+          </a:p>
+        </p:txBody>
+      </p:sp>
+      <p:sp>
+        <p:nvSpPr>
+          <p:cNvPr id="3" name="内容占位符 2">
+            <a:extLst>
+              <a:ext uri="{FF2B5EF4-FFF2-40B4-BE49-F238E27FC236}">
+                <a16:creationId xmlns:a16="http://schemas.microsoft.com/office/drawing/2014/main" id="{FA56909C-5FED-4D14-B01C-FBE1A2E6FBA7}"/>
+              </a:ext>
+            </a:extLst>
+          </p:cNvPr>
+          <p:cNvSpPr>
+            <a:spLocks noGrp="1"/>
+          </p:cNvSpPr>
+          <p:nvPr>
+            <p:ph idx="1"/>
+          </p:nvPr>
+        </p:nvSpPr>
+        <p:spPr/>
+        <p:txBody>
+          <a:bodyPr/>
+          <a:lstStyle/>
+          <a:p>
+            <a:r>
+              <a:rPr lang="zh-CN" altLang="en-US" dirty="0"/>
+              <a:t>有界面后请耐心等待直至其安装成功</a:t>
+            </a:r>
+            <a:endParaRPr lang="en-US" altLang="zh-CN" dirty="0"/>
+          </a:p>
+          <a:p>
+            <a:r>
+              <a:rPr lang="zh-CN" altLang="en-US" dirty="0"/>
+              <a:t>不要在一有桌面效果后就进行操作，输入</a:t>
+            </a:r>
+            <a:r>
+              <a:rPr lang="en-US" altLang="zh-CN" dirty="0"/>
+              <a:t>yarn android</a:t>
+            </a:r>
+            <a:r>
+              <a:rPr lang="zh-CN" altLang="en-US" dirty="0"/>
+              <a:t>等</a:t>
+            </a:r>
+          </a:p>
+        </p:txBody>
+      </p:sp>
+    </p:spTree>
+    <p:extLst>
+      <p:ext uri="{BB962C8B-B14F-4D97-AF65-F5344CB8AC3E}">
+        <p14:creationId xmlns:p14="http://schemas.microsoft.com/office/powerpoint/2010/main" val="1823470492"/>
+      </p:ext>
+    </p:extLst>
+  </p:cSld>
+  <p:clrMapOvr>
+    <a:masterClrMapping/>
+  </p:clrMapOvr>
+</p:sld>
+</file>
+
+<file path=ppt/slides/slide30.xml><?xml version="1.0" encoding="utf-8"?>
+<p:sld xmlns:a="http://schemas.openxmlformats.org/drawingml/2006/main" xmlns:r="http://schemas.openxmlformats.org/officeDocument/2006/relationships" xmlns:p="http://schemas.openxmlformats.org/presentationml/2006/main">
+  <p:cSld>
+    <p:spTree>
+      <p:nvGrpSpPr>
+        <p:cNvPr id="1" name=""/>
+        <p:cNvGrpSpPr/>
+        <p:nvPr/>
+      </p:nvGrpSpPr>
+      <p:grpSpPr>
+        <a:xfrm>
+          <a:off x="0" y="0"/>
+          <a:ext cx="0" cy="0"/>
+          <a:chOff x="0" y="0"/>
+          <a:chExt cx="0" cy="0"/>
+        </a:xfrm>
+      </p:grpSpPr>
+      <p:sp>
+        <p:nvSpPr>
+          <p:cNvPr id="2" name="标题 1">
+            <a:extLst>
+              <a:ext uri="{FF2B5EF4-FFF2-40B4-BE49-F238E27FC236}">
+                <a16:creationId xmlns:a16="http://schemas.microsoft.com/office/drawing/2014/main" id="{7ABA1B2A-8864-43BA-8C54-7C025410FF19}"/>
+              </a:ext>
+            </a:extLst>
+          </p:cNvPr>
+          <p:cNvSpPr>
+            <a:spLocks noGrp="1"/>
+          </p:cNvSpPr>
+          <p:nvPr>
+            <p:ph type="title"/>
+          </p:nvPr>
+        </p:nvSpPr>
+        <p:spPr/>
+        <p:txBody>
+          <a:bodyPr>
+            <a:normAutofit/>
+          </a:bodyPr>
+          <a:lstStyle/>
+          <a:p>
+            <a:r>
+              <a:rPr lang="zh-CN" altLang="en-US" sz="4800" b="1" dirty="0">
+                <a:solidFill>
+                  <a:srgbClr val="FF0000"/>
+                </a:solidFill>
+              </a:rPr>
+              <a:t>注：</a:t>
+            </a:r>
+          </a:p>
+        </p:txBody>
+      </p:sp>
+      <p:sp>
+        <p:nvSpPr>
+          <p:cNvPr id="3" name="内容占位符 2">
+            <a:extLst>
+              <a:ext uri="{FF2B5EF4-FFF2-40B4-BE49-F238E27FC236}">
+                <a16:creationId xmlns:a16="http://schemas.microsoft.com/office/drawing/2014/main" id="{0FFEF0E6-FDF8-47E4-A608-CA88979B27BD}"/>
+              </a:ext>
+            </a:extLst>
+          </p:cNvPr>
+          <p:cNvSpPr>
+            <a:spLocks noGrp="1"/>
+          </p:cNvSpPr>
+          <p:nvPr>
+            <p:ph idx="1"/>
+          </p:nvPr>
+        </p:nvSpPr>
+        <p:spPr/>
+        <p:txBody>
+          <a:bodyPr>
+            <a:normAutofit/>
+          </a:bodyPr>
+          <a:lstStyle/>
+          <a:p>
+            <a:r>
+              <a:rPr lang="zh-CN" altLang="en-US" sz="3200" b="1" dirty="0">
+                <a:solidFill>
+                  <a:srgbClr val="FF0000"/>
+                </a:solidFill>
+              </a:rPr>
+              <a:t>在以下过程中，请使用</a:t>
+            </a:r>
+            <a:r>
+              <a:rPr lang="en-US" altLang="zh-CN" sz="3200" b="1" dirty="0">
+                <a:solidFill>
+                  <a:srgbClr val="FF0000"/>
+                </a:solidFill>
+              </a:rPr>
+              <a:t>git</a:t>
+            </a:r>
+            <a:r>
+              <a:rPr lang="zh-CN" altLang="en-US" sz="3200" b="1" dirty="0">
+                <a:solidFill>
+                  <a:srgbClr val="FF0000"/>
+                </a:solidFill>
+              </a:rPr>
+              <a:t>版本管理工具不断对代码进行备份</a:t>
+            </a:r>
+            <a:endParaRPr lang="en-US" altLang="zh-CN" sz="3200" b="1" dirty="0">
+              <a:solidFill>
+                <a:srgbClr val="FF0000"/>
+              </a:solidFill>
+            </a:endParaRPr>
+          </a:p>
+          <a:p>
+            <a:r>
+              <a:rPr lang="zh-CN" altLang="en-US" sz="3200" b="1" dirty="0">
+                <a:solidFill>
+                  <a:srgbClr val="FF0000"/>
+                </a:solidFill>
+              </a:rPr>
+              <a:t>极有可能完成后续工作后，其他方法不能使用</a:t>
+            </a:r>
+            <a:endParaRPr lang="en-US" altLang="zh-CN" sz="3200" b="1" dirty="0">
+              <a:solidFill>
+                <a:srgbClr val="FF0000"/>
+              </a:solidFill>
+            </a:endParaRPr>
+          </a:p>
+          <a:p>
+            <a:r>
+              <a:rPr lang="zh-CN" altLang="en-US" sz="3200" b="1" dirty="0">
+                <a:solidFill>
+                  <a:srgbClr val="FF0000"/>
+                </a:solidFill>
+              </a:rPr>
+              <a:t>在上架操作和热更新操作前请完成以下所有内容的阅读</a:t>
+            </a:r>
+          </a:p>
+        </p:txBody>
+      </p:sp>
+    </p:spTree>
+    <p:extLst>
+      <p:ext uri="{BB962C8B-B14F-4D97-AF65-F5344CB8AC3E}">
+        <p14:creationId xmlns:p14="http://schemas.microsoft.com/office/powerpoint/2010/main" val="678113702"/>
+      </p:ext>
+    </p:extLst>
+  </p:cSld>
+  <p:clrMapOvr>
+    <a:masterClrMapping/>
+  </p:clrMapOvr>
+</p:sld>
+</file>
+
+<file path=ppt/slides/slide31.xml><?xml version="1.0" encoding="utf-8"?>
+<p:sld xmlns:a="http://schemas.openxmlformats.org/drawingml/2006/main" xmlns:r="http://schemas.openxmlformats.org/officeDocument/2006/relationships" xmlns:p="http://schemas.openxmlformats.org/presentationml/2006/main">
+  <p:cSld>
+    <p:spTree>
+      <p:nvGrpSpPr>
+        <p:cNvPr id="1" name=""/>
+        <p:cNvGrpSpPr/>
+        <p:nvPr/>
+      </p:nvGrpSpPr>
+      <p:grpSpPr>
+        <a:xfrm>
+          <a:off x="0" y="0"/>
+          <a:ext cx="0" cy="0"/>
+          <a:chOff x="0" y="0"/>
+          <a:chExt cx="0" cy="0"/>
+        </a:xfrm>
+      </p:grpSpPr>
+      <p:sp>
+        <p:nvSpPr>
+          <p:cNvPr id="2" name="标题 1">
+            <a:extLst>
+              <a:ext uri="{FF2B5EF4-FFF2-40B4-BE49-F238E27FC236}">
+                <a16:creationId xmlns:a16="http://schemas.microsoft.com/office/drawing/2014/main" id="{9ADE2561-00BB-4398-8475-62679D95CE68}"/>
+              </a:ext>
+            </a:extLst>
+          </p:cNvPr>
+          <p:cNvSpPr>
+            <a:spLocks noGrp="1"/>
+          </p:cNvSpPr>
+          <p:nvPr>
+            <p:ph type="title"/>
+          </p:nvPr>
+        </p:nvSpPr>
+        <p:spPr/>
+        <p:txBody>
+          <a:bodyPr/>
+          <a:lstStyle/>
+          <a:p>
+            <a:r>
+              <a:rPr lang="zh-CN" altLang="en-US" dirty="0"/>
               <a:t>发布</a:t>
             </a:r>
             <a:r>
@@ -9587,7 +10144,7 @@
           <p:cNvPr id="3" name="内容占位符 2">
             <a:extLst>
               <a:ext uri="{FF2B5EF4-FFF2-40B4-BE49-F238E27FC236}">
-                <a16:creationId xmlns:a16="http://schemas.microsoft.com/office/drawing/2014/main" id="{5CA14446-39AA-4584-A429-C49A31578332}"/>
+                <a16:creationId xmlns:a16="http://schemas.microsoft.com/office/drawing/2014/main" id="{F6F79C1B-AC7A-48CD-BB32-EA7E6D4B65E0}"/>
               </a:ext>
             </a:extLst>
           </p:cNvPr>
@@ -9605,15 +10162,15 @@
           <a:p>
             <a:r>
               <a:rPr lang="zh-CN" altLang="en-US" dirty="0"/>
-              <a:t>按照</a:t>
-            </a:r>
-            <a:r>
-              <a:rPr lang="en-US" altLang="zh-CN" dirty="0" err="1"/>
-              <a:t>ReactNative</a:t>
-            </a:r>
-            <a:r>
-              <a:rPr lang="zh-CN" altLang="en-US" dirty="0"/>
-              <a:t>官网指示</a:t>
+              <a:t>此处发布</a:t>
+            </a:r>
+            <a:r>
+              <a:rPr lang="en-US" altLang="zh-CN" dirty="0"/>
+              <a:t>APK</a:t>
+            </a:r>
+            <a:r>
+              <a:rPr lang="zh-CN" altLang="en-US" dirty="0"/>
+              <a:t>建议按照官网的方式来</a:t>
             </a:r>
             <a:endParaRPr lang="en-US" altLang="zh-CN" dirty="0"/>
           </a:p>
@@ -9627,6 +10184,145 @@
             <a:endParaRPr lang="en-US" altLang="zh-CN" dirty="0"/>
           </a:p>
           <a:p>
+            <a:r>
+              <a:rPr lang="zh-CN" altLang="en-US" dirty="0"/>
+              <a:t>网络上还有些直接操作</a:t>
+            </a:r>
+            <a:r>
+              <a:rPr lang="en-US" altLang="zh-CN" dirty="0"/>
+              <a:t>Android Studio</a:t>
+            </a:r>
+            <a:r>
+              <a:rPr lang="zh-CN" altLang="en-US" dirty="0"/>
+              <a:t>的方式生成密钥</a:t>
+            </a:r>
+            <a:r>
+              <a:rPr lang="en-US" altLang="zh-CN" dirty="0"/>
+              <a:t>/</a:t>
+            </a:r>
+            <a:r>
+              <a:rPr lang="zh-CN" altLang="en-US" dirty="0"/>
+              <a:t>密钥库的方式</a:t>
+            </a:r>
+            <a:endParaRPr lang="en-US" altLang="zh-CN" dirty="0"/>
+          </a:p>
+          <a:p>
+            <a:r>
+              <a:rPr lang="zh-CN" altLang="en-US" dirty="0"/>
+              <a:t>亲测生成不出来，不是很好用，不如输入命令行直接</a:t>
+            </a:r>
+            <a:endParaRPr lang="en-US" altLang="zh-CN" dirty="0"/>
+          </a:p>
+        </p:txBody>
+      </p:sp>
+    </p:spTree>
+    <p:extLst>
+      <p:ext uri="{BB962C8B-B14F-4D97-AF65-F5344CB8AC3E}">
+        <p14:creationId xmlns:p14="http://schemas.microsoft.com/office/powerpoint/2010/main" val="376480772"/>
+      </p:ext>
+    </p:extLst>
+  </p:cSld>
+  <p:clrMapOvr>
+    <a:masterClrMapping/>
+  </p:clrMapOvr>
+</p:sld>
+</file>
+
+<file path=ppt/slides/slide32.xml><?xml version="1.0" encoding="utf-8"?>
+<p:sld xmlns:a="http://schemas.openxmlformats.org/drawingml/2006/main" xmlns:r="http://schemas.openxmlformats.org/officeDocument/2006/relationships" xmlns:p="http://schemas.openxmlformats.org/presentationml/2006/main">
+  <p:cSld>
+    <p:spTree>
+      <p:nvGrpSpPr>
+        <p:cNvPr id="1" name=""/>
+        <p:cNvGrpSpPr/>
+        <p:nvPr/>
+      </p:nvGrpSpPr>
+      <p:grpSpPr>
+        <a:xfrm>
+          <a:off x="0" y="0"/>
+          <a:ext cx="0" cy="0"/>
+          <a:chOff x="0" y="0"/>
+          <a:chExt cx="0" cy="0"/>
+        </a:xfrm>
+      </p:grpSpPr>
+      <p:sp>
+        <p:nvSpPr>
+          <p:cNvPr id="2" name="标题 1">
+            <a:extLst>
+              <a:ext uri="{FF2B5EF4-FFF2-40B4-BE49-F238E27FC236}">
+                <a16:creationId xmlns:a16="http://schemas.microsoft.com/office/drawing/2014/main" id="{9B5433BA-66AA-4CC7-AE26-C3FB1E6DDAD3}"/>
+              </a:ext>
+            </a:extLst>
+          </p:cNvPr>
+          <p:cNvSpPr>
+            <a:spLocks noGrp="1"/>
+          </p:cNvSpPr>
+          <p:nvPr>
+            <p:ph type="title"/>
+          </p:nvPr>
+        </p:nvSpPr>
+        <p:spPr/>
+        <p:txBody>
+          <a:bodyPr/>
+          <a:lstStyle/>
+          <a:p>
+            <a:r>
+              <a:rPr lang="zh-CN" altLang="en-US" dirty="0"/>
+              <a:t>发布</a:t>
+            </a:r>
+            <a:r>
+              <a:rPr lang="en-US" altLang="zh-CN" dirty="0"/>
+              <a:t>APK</a:t>
+            </a:r>
+            <a:endParaRPr lang="zh-CN" altLang="en-US" dirty="0"/>
+          </a:p>
+        </p:txBody>
+      </p:sp>
+      <p:sp>
+        <p:nvSpPr>
+          <p:cNvPr id="3" name="内容占位符 2">
+            <a:extLst>
+              <a:ext uri="{FF2B5EF4-FFF2-40B4-BE49-F238E27FC236}">
+                <a16:creationId xmlns:a16="http://schemas.microsoft.com/office/drawing/2014/main" id="{5CA14446-39AA-4584-A429-C49A31578332}"/>
+              </a:ext>
+            </a:extLst>
+          </p:cNvPr>
+          <p:cNvSpPr>
+            <a:spLocks noGrp="1"/>
+          </p:cNvSpPr>
+          <p:nvPr>
+            <p:ph idx="1"/>
+          </p:nvPr>
+        </p:nvSpPr>
+        <p:spPr/>
+        <p:txBody>
+          <a:bodyPr/>
+          <a:lstStyle/>
+          <a:p>
+            <a:r>
+              <a:rPr lang="zh-CN" altLang="en-US" dirty="0"/>
+              <a:t>按照</a:t>
+            </a:r>
+            <a:r>
+              <a:rPr lang="en-US" altLang="zh-CN" dirty="0"/>
+              <a:t>ReactNative</a:t>
+            </a:r>
+            <a:r>
+              <a:rPr lang="zh-CN" altLang="en-US" dirty="0"/>
+              <a:t>官网指示</a:t>
+            </a:r>
+            <a:endParaRPr lang="en-US" altLang="zh-CN" dirty="0"/>
+          </a:p>
+          <a:p>
+            <a:r>
+              <a:rPr lang="en-US" altLang="zh-CN" dirty="0">
+                <a:hlinkClick r:id="rId2"/>
+              </a:rPr>
+              <a:t>https://www.react-native.cn/docs/signed-apk-android</a:t>
+            </a:r>
+            <a:endParaRPr lang="en-US" altLang="zh-CN" dirty="0"/>
+          </a:p>
+          <a:p>
             <a:endParaRPr lang="en-US" altLang="zh-CN" dirty="0"/>
           </a:p>
           <a:p>
@@ -9652,9 +10348,21 @@
             </a:r>
             <a:r>
               <a:rPr lang="zh-CN" altLang="en-US" dirty="0"/>
-              <a:t>开发者官网（上不去就科技）</a:t>
-            </a:r>
-            <a:endParaRPr lang="en-US" altLang="zh-CN" dirty="0"/>
+              <a:t>开发者官网</a:t>
+            </a:r>
+            <a:r>
+              <a:rPr lang="zh-CN" altLang="en-US" sz="3200" dirty="0">
+                <a:solidFill>
+                  <a:srgbClr val="FF0000"/>
+                </a:solidFill>
+              </a:rPr>
+              <a:t>（上不去就科技）</a:t>
+            </a:r>
+            <a:endParaRPr lang="en-US" altLang="zh-CN" sz="3200" dirty="0">
+              <a:solidFill>
+                <a:srgbClr val="FF0000"/>
+              </a:solidFill>
+            </a:endParaRPr>
           </a:p>
           <a:p>
             <a:r>
@@ -9713,7 +10421,7 @@
 </p:sld>
 </file>
 
-<file path=ppt/slides/slide29.xml><?xml version="1.0" encoding="utf-8"?>
+<file path=ppt/slides/slide33.xml><?xml version="1.0" encoding="utf-8"?>
 <p:sld xmlns:a="http://schemas.openxmlformats.org/drawingml/2006/main" xmlns:r="http://schemas.openxmlformats.org/officeDocument/2006/relationships" xmlns:p="http://schemas.openxmlformats.org/presentationml/2006/main">
   <p:cSld>
     <p:spTree>
@@ -9789,7 +10497,7 @@
               <a:t>严格按照</a:t>
             </a:r>
             <a:r>
-              <a:rPr lang="en-US" altLang="zh-CN" dirty="0" err="1"/>
+              <a:rPr lang="en-US" altLang="zh-CN" dirty="0"/>
               <a:t>ReactNative</a:t>
             </a:r>
             <a:r>
@@ -9957,7 +10665,1007 @@
 </p:sld>
 </file>
 
-<file path=ppt/slides/slide3.xml><?xml version="1.0" encoding="utf-8"?>
+<file path=ppt/slides/slide34.xml><?xml version="1.0" encoding="utf-8"?>
+<p:sld xmlns:a="http://schemas.openxmlformats.org/drawingml/2006/main" xmlns:r="http://schemas.openxmlformats.org/officeDocument/2006/relationships" xmlns:p="http://schemas.openxmlformats.org/presentationml/2006/main">
+  <p:cSld>
+    <p:spTree>
+      <p:nvGrpSpPr>
+        <p:cNvPr id="1" name=""/>
+        <p:cNvGrpSpPr/>
+        <p:nvPr/>
+      </p:nvGrpSpPr>
+      <p:grpSpPr>
+        <a:xfrm>
+          <a:off x="0" y="0"/>
+          <a:ext cx="0" cy="0"/>
+          <a:chOff x="0" y="0"/>
+          <a:chExt cx="0" cy="0"/>
+        </a:xfrm>
+      </p:grpSpPr>
+      <p:sp>
+        <p:nvSpPr>
+          <p:cNvPr id="2" name="标题 1">
+            <a:extLst>
+              <a:ext uri="{FF2B5EF4-FFF2-40B4-BE49-F238E27FC236}">
+                <a16:creationId xmlns:a16="http://schemas.microsoft.com/office/drawing/2014/main" id="{F74F70FD-D272-4BF6-8515-BFFC54347B0A}"/>
+              </a:ext>
+            </a:extLst>
+          </p:cNvPr>
+          <p:cNvSpPr>
+            <a:spLocks noGrp="1"/>
+          </p:cNvSpPr>
+          <p:nvPr>
+            <p:ph type="title"/>
+          </p:nvPr>
+        </p:nvSpPr>
+        <p:spPr/>
+        <p:txBody>
+          <a:bodyPr/>
+          <a:lstStyle/>
+          <a:p>
+            <a:r>
+              <a:rPr lang="zh-CN" altLang="en-US" dirty="0"/>
+              <a:t>发布</a:t>
+            </a:r>
+            <a:r>
+              <a:rPr lang="en-US" altLang="zh-CN" dirty="0"/>
+              <a:t>APK</a:t>
+            </a:r>
+            <a:endParaRPr lang="zh-CN" altLang="en-US" dirty="0"/>
+          </a:p>
+        </p:txBody>
+      </p:sp>
+      <p:sp>
+        <p:nvSpPr>
+          <p:cNvPr id="3" name="内容占位符 2">
+            <a:extLst>
+              <a:ext uri="{FF2B5EF4-FFF2-40B4-BE49-F238E27FC236}">
+                <a16:creationId xmlns:a16="http://schemas.microsoft.com/office/drawing/2014/main" id="{4FF984EF-6130-4C2C-9897-17A3F4C9A500}"/>
+              </a:ext>
+            </a:extLst>
+          </p:cNvPr>
+          <p:cNvSpPr>
+            <a:spLocks noGrp="1"/>
+          </p:cNvSpPr>
+          <p:nvPr>
+            <p:ph idx="1"/>
+          </p:nvPr>
+        </p:nvSpPr>
+        <p:spPr/>
+        <p:txBody>
+          <a:bodyPr/>
+          <a:lstStyle/>
+          <a:p>
+            <a:r>
+              <a:rPr lang="zh-CN" altLang="en-US" dirty="0"/>
+              <a:t>设置</a:t>
+            </a:r>
+            <a:r>
+              <a:rPr lang="en-US" altLang="zh-CN" dirty="0" err="1"/>
+              <a:t>gradle</a:t>
+            </a:r>
+            <a:endParaRPr lang="en-US" altLang="zh-CN" dirty="0"/>
+          </a:p>
+          <a:p>
+            <a:r>
+              <a:rPr lang="zh-CN" altLang="en-US" dirty="0"/>
+              <a:t>此处我在</a:t>
+            </a:r>
+            <a:r>
+              <a:rPr lang="en-US" altLang="zh-CN" dirty="0"/>
+              <a:t>/android/</a:t>
+            </a:r>
+            <a:r>
+              <a:rPr lang="en-US" altLang="zh-CN" dirty="0" err="1"/>
+              <a:t>gradle.properties</a:t>
+            </a:r>
+            <a:r>
+              <a:rPr lang="zh-CN" altLang="en-US" dirty="0"/>
+              <a:t>中修改</a:t>
+            </a:r>
+          </a:p>
+        </p:txBody>
+      </p:sp>
+      <p:pic>
+        <p:nvPicPr>
+          <p:cNvPr id="5" name="图片 4">
+            <a:extLst>
+              <a:ext uri="{FF2B5EF4-FFF2-40B4-BE49-F238E27FC236}">
+                <a16:creationId xmlns:a16="http://schemas.microsoft.com/office/drawing/2014/main" id="{3DD10716-804B-4156-B556-9FDCEA3BFCDA}"/>
+              </a:ext>
+            </a:extLst>
+          </p:cNvPr>
+          <p:cNvPicPr>
+            <a:picLocks noChangeAspect="1"/>
+          </p:cNvPicPr>
+          <p:nvPr/>
+        </p:nvPicPr>
+        <p:blipFill>
+          <a:blip r:embed="rId2"/>
+          <a:stretch>
+            <a:fillRect/>
+          </a:stretch>
+        </p:blipFill>
+        <p:spPr>
+          <a:xfrm>
+            <a:off x="3929845" y="2440111"/>
+            <a:ext cx="7914286" cy="3761905"/>
+          </a:xfrm>
+          <a:prstGeom prst="rect">
+            <a:avLst/>
+          </a:prstGeom>
+        </p:spPr>
+      </p:pic>
+    </p:spTree>
+    <p:extLst>
+      <p:ext uri="{BB962C8B-B14F-4D97-AF65-F5344CB8AC3E}">
+        <p14:creationId xmlns:p14="http://schemas.microsoft.com/office/powerpoint/2010/main" val="2669353636"/>
+      </p:ext>
+    </p:extLst>
+  </p:cSld>
+  <p:clrMapOvr>
+    <a:masterClrMapping/>
+  </p:clrMapOvr>
+</p:sld>
+</file>
+
+<file path=ppt/slides/slide35.xml><?xml version="1.0" encoding="utf-8"?>
+<p:sld xmlns:a="http://schemas.openxmlformats.org/drawingml/2006/main" xmlns:r="http://schemas.openxmlformats.org/officeDocument/2006/relationships" xmlns:p="http://schemas.openxmlformats.org/presentationml/2006/main">
+  <p:cSld>
+    <p:spTree>
+      <p:nvGrpSpPr>
+        <p:cNvPr id="1" name=""/>
+        <p:cNvGrpSpPr/>
+        <p:nvPr/>
+      </p:nvGrpSpPr>
+      <p:grpSpPr>
+        <a:xfrm>
+          <a:off x="0" y="0"/>
+          <a:ext cx="0" cy="0"/>
+          <a:chOff x="0" y="0"/>
+          <a:chExt cx="0" cy="0"/>
+        </a:xfrm>
+      </p:grpSpPr>
+      <p:sp>
+        <p:nvSpPr>
+          <p:cNvPr id="2" name="标题 1">
+            <a:extLst>
+              <a:ext uri="{FF2B5EF4-FFF2-40B4-BE49-F238E27FC236}">
+                <a16:creationId xmlns:a16="http://schemas.microsoft.com/office/drawing/2014/main" id="{67108576-F24E-4757-A7E4-9BB6797D89DA}"/>
+              </a:ext>
+            </a:extLst>
+          </p:cNvPr>
+          <p:cNvSpPr>
+            <a:spLocks noGrp="1"/>
+          </p:cNvSpPr>
+          <p:nvPr>
+            <p:ph type="title"/>
+          </p:nvPr>
+        </p:nvSpPr>
+        <p:spPr/>
+        <p:txBody>
+          <a:bodyPr/>
+          <a:lstStyle/>
+          <a:p>
+            <a:r>
+              <a:rPr lang="zh-CN" altLang="en-US" dirty="0"/>
+              <a:t>发布</a:t>
+            </a:r>
+            <a:r>
+              <a:rPr lang="en-US" altLang="zh-CN" dirty="0"/>
+              <a:t>APK</a:t>
+            </a:r>
+            <a:endParaRPr lang="zh-CN" altLang="en-US" dirty="0"/>
+          </a:p>
+        </p:txBody>
+      </p:sp>
+      <p:sp>
+        <p:nvSpPr>
+          <p:cNvPr id="3" name="内容占位符 2">
+            <a:extLst>
+              <a:ext uri="{FF2B5EF4-FFF2-40B4-BE49-F238E27FC236}">
+                <a16:creationId xmlns:a16="http://schemas.microsoft.com/office/drawing/2014/main" id="{3390603D-3ECF-4270-96BB-C0B217CCF1CA}"/>
+              </a:ext>
+            </a:extLst>
+          </p:cNvPr>
+          <p:cNvSpPr>
+            <a:spLocks noGrp="1"/>
+          </p:cNvSpPr>
+          <p:nvPr>
+            <p:ph idx="1"/>
+          </p:nvPr>
+        </p:nvSpPr>
+        <p:spPr/>
+        <p:txBody>
+          <a:bodyPr/>
+          <a:lstStyle/>
+          <a:p>
+            <a:r>
+              <a:rPr lang="zh-CN" altLang="en-US" dirty="0"/>
+              <a:t>把签名配置加入到项目的 </a:t>
+            </a:r>
+            <a:r>
+              <a:rPr lang="en-US" altLang="zh-CN" dirty="0" err="1"/>
+              <a:t>gradle</a:t>
+            </a:r>
+            <a:r>
+              <a:rPr lang="en-US" altLang="zh-CN" dirty="0"/>
+              <a:t> </a:t>
+            </a:r>
+            <a:r>
+              <a:rPr lang="zh-CN" altLang="en-US" dirty="0"/>
+              <a:t>配置中</a:t>
+            </a:r>
+            <a:endParaRPr lang="en-US" altLang="zh-CN" dirty="0"/>
+          </a:p>
+          <a:p>
+            <a:r>
+              <a:rPr lang="zh-CN" altLang="en-US" dirty="0"/>
+              <a:t>此处从</a:t>
+            </a:r>
+            <a:r>
+              <a:rPr lang="en-US" altLang="zh-CN" dirty="0"/>
+              <a:t>Android Studio</a:t>
+            </a:r>
+            <a:r>
+              <a:rPr lang="zh-CN" altLang="en-US" dirty="0"/>
+              <a:t>中</a:t>
+            </a:r>
+            <a:endParaRPr lang="en-US" altLang="zh-CN" dirty="0"/>
+          </a:p>
+          <a:p>
+            <a:pPr marL="0" indent="0">
+              <a:buNone/>
+            </a:pPr>
+            <a:r>
+              <a:rPr lang="zh-CN" altLang="en-US" dirty="0"/>
+              <a:t>  观察会得到两个</a:t>
+            </a:r>
+            <a:r>
+              <a:rPr lang="en-US" altLang="zh-CN" dirty="0" err="1"/>
+              <a:t>build.gradle</a:t>
+            </a:r>
+            <a:endParaRPr lang="en-US" altLang="zh-CN" dirty="0"/>
+          </a:p>
+          <a:p>
+            <a:pPr marL="0" indent="0">
+              <a:buNone/>
+            </a:pPr>
+            <a:r>
+              <a:rPr lang="en-US" altLang="zh-CN" dirty="0"/>
+              <a:t>  </a:t>
+            </a:r>
+            <a:r>
+              <a:rPr lang="zh-CN" altLang="en-US" dirty="0"/>
+              <a:t>文件，直接从相应目录下进</a:t>
+            </a:r>
+            <a:endParaRPr lang="en-US" altLang="zh-CN" dirty="0"/>
+          </a:p>
+          <a:p>
+            <a:pPr marL="0" indent="0">
+              <a:buNone/>
+            </a:pPr>
+            <a:r>
+              <a:rPr lang="en-US" altLang="zh-CN" dirty="0"/>
+              <a:t>  </a:t>
+            </a:r>
+            <a:r>
+              <a:rPr lang="zh-CN" altLang="en-US" dirty="0"/>
+              <a:t>入即可找到，按照要求修改</a:t>
+            </a:r>
+          </a:p>
+        </p:txBody>
+      </p:sp>
+      <p:pic>
+        <p:nvPicPr>
+          <p:cNvPr id="7" name="图片 6">
+            <a:extLst>
+              <a:ext uri="{FF2B5EF4-FFF2-40B4-BE49-F238E27FC236}">
+                <a16:creationId xmlns:a16="http://schemas.microsoft.com/office/drawing/2014/main" id="{02812A0C-911B-4285-82B5-C22C9D65EB81}"/>
+              </a:ext>
+            </a:extLst>
+          </p:cNvPr>
+          <p:cNvPicPr>
+            <a:picLocks noChangeAspect="1"/>
+          </p:cNvPicPr>
+          <p:nvPr/>
+        </p:nvPicPr>
+        <p:blipFill>
+          <a:blip r:embed="rId2"/>
+          <a:stretch>
+            <a:fillRect/>
+          </a:stretch>
+        </p:blipFill>
+        <p:spPr>
+          <a:xfrm>
+            <a:off x="5039139" y="2109382"/>
+            <a:ext cx="6742044" cy="4483666"/>
+          </a:xfrm>
+          <a:prstGeom prst="rect">
+            <a:avLst/>
+          </a:prstGeom>
+        </p:spPr>
+      </p:pic>
+    </p:spTree>
+    <p:extLst>
+      <p:ext uri="{BB962C8B-B14F-4D97-AF65-F5344CB8AC3E}">
+        <p14:creationId xmlns:p14="http://schemas.microsoft.com/office/powerpoint/2010/main" val="1126071854"/>
+      </p:ext>
+    </p:extLst>
+  </p:cSld>
+  <p:clrMapOvr>
+    <a:masterClrMapping/>
+  </p:clrMapOvr>
+</p:sld>
+</file>
+
+<file path=ppt/slides/slide36.xml><?xml version="1.0" encoding="utf-8"?>
+<p:sld xmlns:a="http://schemas.openxmlformats.org/drawingml/2006/main" xmlns:r="http://schemas.openxmlformats.org/officeDocument/2006/relationships" xmlns:p="http://schemas.openxmlformats.org/presentationml/2006/main">
+  <p:cSld>
+    <p:spTree>
+      <p:nvGrpSpPr>
+        <p:cNvPr id="1" name=""/>
+        <p:cNvGrpSpPr/>
+        <p:nvPr/>
+      </p:nvGrpSpPr>
+      <p:grpSpPr>
+        <a:xfrm>
+          <a:off x="0" y="0"/>
+          <a:ext cx="0" cy="0"/>
+          <a:chOff x="0" y="0"/>
+          <a:chExt cx="0" cy="0"/>
+        </a:xfrm>
+      </p:grpSpPr>
+      <p:sp>
+        <p:nvSpPr>
+          <p:cNvPr id="2" name="标题 1">
+            <a:extLst>
+              <a:ext uri="{FF2B5EF4-FFF2-40B4-BE49-F238E27FC236}">
+                <a16:creationId xmlns:a16="http://schemas.microsoft.com/office/drawing/2014/main" id="{96164DE6-6DE5-4FCB-91F8-FD29B3A550EE}"/>
+              </a:ext>
+            </a:extLst>
+          </p:cNvPr>
+          <p:cNvSpPr>
+            <a:spLocks noGrp="1"/>
+          </p:cNvSpPr>
+          <p:nvPr>
+            <p:ph type="title"/>
+          </p:nvPr>
+        </p:nvSpPr>
+        <p:spPr/>
+        <p:txBody>
+          <a:bodyPr/>
+          <a:lstStyle/>
+          <a:p>
+            <a:r>
+              <a:rPr lang="zh-CN" altLang="en-US" dirty="0"/>
+              <a:t>发布</a:t>
+            </a:r>
+            <a:r>
+              <a:rPr lang="en-US" altLang="zh-CN" dirty="0"/>
+              <a:t>APK</a:t>
+            </a:r>
+            <a:endParaRPr lang="zh-CN" altLang="en-US" dirty="0"/>
+          </a:p>
+        </p:txBody>
+      </p:sp>
+      <p:sp>
+        <p:nvSpPr>
+          <p:cNvPr id="3" name="内容占位符 2">
+            <a:extLst>
+              <a:ext uri="{FF2B5EF4-FFF2-40B4-BE49-F238E27FC236}">
+                <a16:creationId xmlns:a16="http://schemas.microsoft.com/office/drawing/2014/main" id="{37EE9E28-CA31-4B25-8FCC-A078627753E9}"/>
+              </a:ext>
+            </a:extLst>
+          </p:cNvPr>
+          <p:cNvSpPr>
+            <a:spLocks noGrp="1"/>
+          </p:cNvSpPr>
+          <p:nvPr>
+            <p:ph idx="1"/>
+          </p:nvPr>
+        </p:nvSpPr>
+        <p:spPr/>
+        <p:txBody>
+          <a:bodyPr/>
+          <a:lstStyle/>
+          <a:p>
+            <a:r>
+              <a:rPr lang="zh-CN" altLang="en-US" dirty="0"/>
+              <a:t>生成发布</a:t>
+            </a:r>
+            <a:r>
+              <a:rPr lang="en-US" altLang="zh-CN" dirty="0"/>
+              <a:t>APK</a:t>
+            </a:r>
+            <a:r>
+              <a:rPr lang="zh-CN" altLang="en-US" dirty="0"/>
+              <a:t>包，此处过程较长，请耐心等待</a:t>
+            </a:r>
+            <a:endParaRPr lang="en-US" altLang="zh-CN" dirty="0"/>
+          </a:p>
+          <a:p>
+            <a:r>
+              <a:rPr lang="zh-CN" altLang="en-US" dirty="0"/>
+              <a:t>如果发现他不动了，还可以在命令行里敲回车（也不知道这步有啥用）</a:t>
+            </a:r>
+            <a:endParaRPr lang="en-US" altLang="zh-CN" dirty="0"/>
+          </a:p>
+          <a:p>
+            <a:endParaRPr lang="zh-CN" altLang="en-US" dirty="0"/>
+          </a:p>
+        </p:txBody>
+      </p:sp>
+      <p:pic>
+        <p:nvPicPr>
+          <p:cNvPr id="5" name="图片 4">
+            <a:extLst>
+              <a:ext uri="{FF2B5EF4-FFF2-40B4-BE49-F238E27FC236}">
+                <a16:creationId xmlns:a16="http://schemas.microsoft.com/office/drawing/2014/main" id="{AA2CEB86-5EE1-4F30-B913-E0D4E132B700}"/>
+              </a:ext>
+            </a:extLst>
+          </p:cNvPr>
+          <p:cNvPicPr>
+            <a:picLocks noChangeAspect="1"/>
+          </p:cNvPicPr>
+          <p:nvPr/>
+        </p:nvPicPr>
+        <p:blipFill>
+          <a:blip r:embed="rId2"/>
+          <a:stretch>
+            <a:fillRect/>
+          </a:stretch>
+        </p:blipFill>
+        <p:spPr>
+          <a:xfrm>
+            <a:off x="2174050" y="2874114"/>
+            <a:ext cx="7780952" cy="1914286"/>
+          </a:xfrm>
+          <a:prstGeom prst="rect">
+            <a:avLst/>
+          </a:prstGeom>
+        </p:spPr>
+      </p:pic>
+      <p:pic>
+        <p:nvPicPr>
+          <p:cNvPr id="7" name="图片 6">
+            <a:extLst>
+              <a:ext uri="{FF2B5EF4-FFF2-40B4-BE49-F238E27FC236}">
+                <a16:creationId xmlns:a16="http://schemas.microsoft.com/office/drawing/2014/main" id="{7D1FF995-8B11-436F-805C-D9DBDD541E41}"/>
+              </a:ext>
+            </a:extLst>
+          </p:cNvPr>
+          <p:cNvPicPr>
+            <a:picLocks noChangeAspect="1"/>
+          </p:cNvPicPr>
+          <p:nvPr/>
+        </p:nvPicPr>
+        <p:blipFill>
+          <a:blip r:embed="rId3"/>
+          <a:stretch>
+            <a:fillRect/>
+          </a:stretch>
+        </p:blipFill>
+        <p:spPr>
+          <a:xfrm>
+            <a:off x="4707383" y="5397501"/>
+            <a:ext cx="2714286" cy="371429"/>
+          </a:xfrm>
+          <a:prstGeom prst="rect">
+            <a:avLst/>
+          </a:prstGeom>
+        </p:spPr>
+      </p:pic>
+    </p:spTree>
+    <p:extLst>
+      <p:ext uri="{BB962C8B-B14F-4D97-AF65-F5344CB8AC3E}">
+        <p14:creationId xmlns:p14="http://schemas.microsoft.com/office/powerpoint/2010/main" val="3851107929"/>
+      </p:ext>
+    </p:extLst>
+  </p:cSld>
+  <p:clrMapOvr>
+    <a:masterClrMapping/>
+  </p:clrMapOvr>
+</p:sld>
+</file>
+
+<file path=ppt/slides/slide37.xml><?xml version="1.0" encoding="utf-8"?>
+<p:sld xmlns:a="http://schemas.openxmlformats.org/drawingml/2006/main" xmlns:r="http://schemas.openxmlformats.org/officeDocument/2006/relationships" xmlns:p="http://schemas.openxmlformats.org/presentationml/2006/main">
+  <p:cSld>
+    <p:spTree>
+      <p:nvGrpSpPr>
+        <p:cNvPr id="1" name=""/>
+        <p:cNvGrpSpPr/>
+        <p:nvPr/>
+      </p:nvGrpSpPr>
+      <p:grpSpPr>
+        <a:xfrm>
+          <a:off x="0" y="0"/>
+          <a:ext cx="0" cy="0"/>
+          <a:chOff x="0" y="0"/>
+          <a:chExt cx="0" cy="0"/>
+        </a:xfrm>
+      </p:grpSpPr>
+      <p:sp>
+        <p:nvSpPr>
+          <p:cNvPr id="2" name="标题 1">
+            <a:extLst>
+              <a:ext uri="{FF2B5EF4-FFF2-40B4-BE49-F238E27FC236}">
+                <a16:creationId xmlns:a16="http://schemas.microsoft.com/office/drawing/2014/main" id="{476B913D-8128-47E1-8117-7D8900AFB8AA}"/>
+              </a:ext>
+            </a:extLst>
+          </p:cNvPr>
+          <p:cNvSpPr>
+            <a:spLocks noGrp="1"/>
+          </p:cNvSpPr>
+          <p:nvPr>
+            <p:ph type="title"/>
+          </p:nvPr>
+        </p:nvSpPr>
+        <p:spPr/>
+        <p:txBody>
+          <a:bodyPr/>
+          <a:lstStyle/>
+          <a:p>
+            <a:r>
+              <a:rPr lang="zh-CN" altLang="en-US" dirty="0"/>
+              <a:t>发布</a:t>
+            </a:r>
+            <a:r>
+              <a:rPr lang="en-US" altLang="zh-CN" dirty="0"/>
+              <a:t>APK</a:t>
+            </a:r>
+            <a:endParaRPr lang="zh-CN" altLang="en-US" dirty="0"/>
+          </a:p>
+        </p:txBody>
+      </p:sp>
+      <p:sp>
+        <p:nvSpPr>
+          <p:cNvPr id="3" name="内容占位符 2">
+            <a:extLst>
+              <a:ext uri="{FF2B5EF4-FFF2-40B4-BE49-F238E27FC236}">
+                <a16:creationId xmlns:a16="http://schemas.microsoft.com/office/drawing/2014/main" id="{54A4D985-5F1D-4091-9B4A-0EC8F631B52A}"/>
+              </a:ext>
+            </a:extLst>
+          </p:cNvPr>
+          <p:cNvSpPr>
+            <a:spLocks noGrp="1"/>
+          </p:cNvSpPr>
+          <p:nvPr>
+            <p:ph idx="1"/>
+          </p:nvPr>
+        </p:nvSpPr>
+        <p:spPr/>
+        <p:txBody>
+          <a:bodyPr/>
+          <a:lstStyle/>
+          <a:p>
+            <a:r>
+              <a:rPr lang="zh-CN" altLang="en-US" dirty="0"/>
+              <a:t>将</a:t>
+            </a:r>
+            <a:r>
+              <a:rPr lang="en-US" altLang="zh-CN" dirty="0"/>
+              <a:t>APK</a:t>
+            </a:r>
+            <a:r>
+              <a:rPr lang="zh-CN" altLang="en-US" dirty="0"/>
+              <a:t>下载至手机，发现能够正常安装与运行，只是会提示安全问题，需要进一步发布</a:t>
+            </a:r>
+          </a:p>
+        </p:txBody>
+      </p:sp>
+      <p:pic>
+        <p:nvPicPr>
+          <p:cNvPr id="7" name="图片 6">
+            <a:extLst>
+              <a:ext uri="{FF2B5EF4-FFF2-40B4-BE49-F238E27FC236}">
+                <a16:creationId xmlns:a16="http://schemas.microsoft.com/office/drawing/2014/main" id="{C04EC27A-2C3B-4E5D-A8B7-3C83A6F859DA}"/>
+              </a:ext>
+            </a:extLst>
+          </p:cNvPr>
+          <p:cNvPicPr>
+            <a:picLocks noChangeAspect="1"/>
+          </p:cNvPicPr>
+          <p:nvPr/>
+        </p:nvPicPr>
+        <p:blipFill>
+          <a:blip r:embed="rId2"/>
+          <a:stretch>
+            <a:fillRect/>
+          </a:stretch>
+        </p:blipFill>
+        <p:spPr>
+          <a:xfrm>
+            <a:off x="1501052" y="3429000"/>
+            <a:ext cx="8858146" cy="744566"/>
+          </a:xfrm>
+          <a:prstGeom prst="rect">
+            <a:avLst/>
+          </a:prstGeom>
+        </p:spPr>
+      </p:pic>
+    </p:spTree>
+    <p:extLst>
+      <p:ext uri="{BB962C8B-B14F-4D97-AF65-F5344CB8AC3E}">
+        <p14:creationId xmlns:p14="http://schemas.microsoft.com/office/powerpoint/2010/main" val="3551791226"/>
+      </p:ext>
+    </p:extLst>
+  </p:cSld>
+  <p:clrMapOvr>
+    <a:masterClrMapping/>
+  </p:clrMapOvr>
+</p:sld>
+</file>
+
+<file path=ppt/slides/slide38.xml><?xml version="1.0" encoding="utf-8"?>
+<p:sld xmlns:a="http://schemas.openxmlformats.org/drawingml/2006/main" xmlns:r="http://schemas.openxmlformats.org/officeDocument/2006/relationships" xmlns:p="http://schemas.openxmlformats.org/presentationml/2006/main">
+  <p:cSld>
+    <p:spTree>
+      <p:nvGrpSpPr>
+        <p:cNvPr id="1" name=""/>
+        <p:cNvGrpSpPr/>
+        <p:nvPr/>
+      </p:nvGrpSpPr>
+      <p:grpSpPr>
+        <a:xfrm>
+          <a:off x="0" y="0"/>
+          <a:ext cx="0" cy="0"/>
+          <a:chOff x="0" y="0"/>
+          <a:chExt cx="0" cy="0"/>
+        </a:xfrm>
+      </p:grpSpPr>
+      <p:sp>
+        <p:nvSpPr>
+          <p:cNvPr id="2" name="标题 1">
+            <a:extLst>
+              <a:ext uri="{FF2B5EF4-FFF2-40B4-BE49-F238E27FC236}">
+                <a16:creationId xmlns:a16="http://schemas.microsoft.com/office/drawing/2014/main" id="{AA9076B8-A762-468E-BE11-10160373FD74}"/>
+              </a:ext>
+            </a:extLst>
+          </p:cNvPr>
+          <p:cNvSpPr>
+            <a:spLocks noGrp="1"/>
+          </p:cNvSpPr>
+          <p:nvPr>
+            <p:ph type="title"/>
+          </p:nvPr>
+        </p:nvSpPr>
+        <p:spPr/>
+        <p:txBody>
+          <a:bodyPr>
+            <a:normAutofit/>
+          </a:bodyPr>
+          <a:lstStyle/>
+          <a:p>
+            <a:r>
+              <a:rPr lang="zh-CN" altLang="en-US" b="1" i="0" dirty="0">
+                <a:solidFill>
+                  <a:srgbClr val="1C1E21"/>
+                </a:solidFill>
+                <a:effectLst/>
+                <a:latin typeface="system-ui"/>
+              </a:rPr>
+              <a:t>测试应用的发行版本</a:t>
+            </a:r>
+            <a:endParaRPr lang="zh-CN" altLang="en-US" dirty="0"/>
+          </a:p>
+        </p:txBody>
+      </p:sp>
+      <p:sp>
+        <p:nvSpPr>
+          <p:cNvPr id="3" name="内容占位符 2">
+            <a:extLst>
+              <a:ext uri="{FF2B5EF4-FFF2-40B4-BE49-F238E27FC236}">
+                <a16:creationId xmlns:a16="http://schemas.microsoft.com/office/drawing/2014/main" id="{C1795318-3E88-4CB4-8961-4D10871A9A19}"/>
+              </a:ext>
+            </a:extLst>
+          </p:cNvPr>
+          <p:cNvSpPr>
+            <a:spLocks noGrp="1"/>
+          </p:cNvSpPr>
+          <p:nvPr>
+            <p:ph idx="1"/>
+          </p:nvPr>
+        </p:nvSpPr>
+        <p:spPr/>
+        <p:txBody>
+          <a:bodyPr/>
+          <a:lstStyle/>
+          <a:p>
+            <a:r>
+              <a:rPr lang="zh-CN" altLang="en-US" dirty="0"/>
+              <a:t>此处含义为在模拟机上运行</a:t>
+            </a:r>
+            <a:r>
+              <a:rPr lang="en-US" altLang="zh-CN" dirty="0" err="1"/>
+              <a:t>apk</a:t>
+            </a:r>
+            <a:r>
+              <a:rPr lang="zh-CN" altLang="en-US" dirty="0"/>
+              <a:t>程序</a:t>
+            </a:r>
+            <a:endParaRPr lang="en-US" altLang="zh-CN" dirty="0"/>
+          </a:p>
+          <a:p>
+            <a:r>
+              <a:rPr lang="zh-CN" altLang="en-US" dirty="0"/>
+              <a:t>运行完成后不需要</a:t>
+            </a:r>
+            <a:r>
+              <a:rPr lang="en-US" altLang="zh-CN" dirty="0" err="1"/>
+              <a:t>cmd</a:t>
+            </a:r>
+            <a:r>
+              <a:rPr lang="zh-CN" altLang="en-US" dirty="0"/>
+              <a:t>和</a:t>
+            </a:r>
+            <a:r>
+              <a:rPr lang="en-US" altLang="zh-CN" dirty="0"/>
+              <a:t>node.js</a:t>
+            </a:r>
+            <a:r>
+              <a:rPr lang="zh-CN" altLang="en-US" dirty="0"/>
+              <a:t>的两个窗口，用官方话说即为离线运行</a:t>
+            </a:r>
+            <a:endParaRPr lang="en-US" altLang="zh-CN" dirty="0"/>
+          </a:p>
+          <a:p>
+            <a:r>
+              <a:rPr lang="zh-CN" altLang="en-US" dirty="0"/>
+              <a:t>采用官网方法或输入命令：</a:t>
+            </a:r>
+            <a:r>
+              <a:rPr lang="en-US" altLang="zh-CN" dirty="0"/>
+              <a:t>yarn android --variant=release</a:t>
+            </a:r>
+          </a:p>
+          <a:p>
+            <a:r>
+              <a:rPr lang="zh-CN" altLang="en-US" dirty="0"/>
+              <a:t>或将</a:t>
+            </a:r>
+            <a:r>
+              <a:rPr lang="en-US" altLang="zh-CN" dirty="0" err="1"/>
+              <a:t>apk</a:t>
+            </a:r>
+            <a:r>
+              <a:rPr lang="zh-CN" altLang="en-US" dirty="0"/>
+              <a:t>文件拖入模拟机中运行</a:t>
+            </a:r>
+            <a:endParaRPr lang="en-US" altLang="zh-CN" dirty="0"/>
+          </a:p>
+          <a:p>
+            <a:endParaRPr lang="zh-CN" altLang="en-US" dirty="0"/>
+          </a:p>
+        </p:txBody>
+      </p:sp>
+      <p:pic>
+        <p:nvPicPr>
+          <p:cNvPr id="5" name="图片 4">
+            <a:extLst>
+              <a:ext uri="{FF2B5EF4-FFF2-40B4-BE49-F238E27FC236}">
+                <a16:creationId xmlns:a16="http://schemas.microsoft.com/office/drawing/2014/main" id="{FCC6E6D3-9E8E-4285-9CEA-C8252ED3FC5C}"/>
+              </a:ext>
+            </a:extLst>
+          </p:cNvPr>
+          <p:cNvPicPr>
+            <a:picLocks noChangeAspect="1"/>
+          </p:cNvPicPr>
+          <p:nvPr/>
+        </p:nvPicPr>
+        <p:blipFill>
+          <a:blip r:embed="rId2"/>
+          <a:stretch>
+            <a:fillRect/>
+          </a:stretch>
+        </p:blipFill>
+        <p:spPr>
+          <a:xfrm>
+            <a:off x="2200762" y="3653717"/>
+            <a:ext cx="7790476" cy="1923810"/>
+          </a:xfrm>
+          <a:prstGeom prst="rect">
+            <a:avLst/>
+          </a:prstGeom>
+        </p:spPr>
+      </p:pic>
+    </p:spTree>
+    <p:extLst>
+      <p:ext uri="{BB962C8B-B14F-4D97-AF65-F5344CB8AC3E}">
+        <p14:creationId xmlns:p14="http://schemas.microsoft.com/office/powerpoint/2010/main" val="2691475680"/>
+      </p:ext>
+    </p:extLst>
+  </p:cSld>
+  <p:clrMapOvr>
+    <a:masterClrMapping/>
+  </p:clrMapOvr>
+</p:sld>
+</file>
+
+<file path=ppt/slides/slide39.xml><?xml version="1.0" encoding="utf-8"?>
+<p:sld xmlns:a="http://schemas.openxmlformats.org/drawingml/2006/main" xmlns:r="http://schemas.openxmlformats.org/officeDocument/2006/relationships" xmlns:p="http://schemas.openxmlformats.org/presentationml/2006/main">
+  <p:cSld>
+    <p:spTree>
+      <p:nvGrpSpPr>
+        <p:cNvPr id="1" name=""/>
+        <p:cNvGrpSpPr/>
+        <p:nvPr/>
+      </p:nvGrpSpPr>
+      <p:grpSpPr>
+        <a:xfrm>
+          <a:off x="0" y="0"/>
+          <a:ext cx="0" cy="0"/>
+          <a:chOff x="0" y="0"/>
+          <a:chExt cx="0" cy="0"/>
+        </a:xfrm>
+      </p:grpSpPr>
+      <p:sp>
+        <p:nvSpPr>
+          <p:cNvPr id="2" name="标题 1">
+            <a:extLst>
+              <a:ext uri="{FF2B5EF4-FFF2-40B4-BE49-F238E27FC236}">
+                <a16:creationId xmlns:a16="http://schemas.microsoft.com/office/drawing/2014/main" id="{5B4ADA46-B8FD-46DF-A365-8D5DFB8B1D05}"/>
+              </a:ext>
+            </a:extLst>
+          </p:cNvPr>
+          <p:cNvSpPr>
+            <a:spLocks noGrp="1"/>
+          </p:cNvSpPr>
+          <p:nvPr>
+            <p:ph type="title"/>
+          </p:nvPr>
+        </p:nvSpPr>
+        <p:spPr/>
+        <p:txBody>
+          <a:bodyPr/>
+          <a:lstStyle/>
+          <a:p>
+            <a:r>
+              <a:rPr lang="zh-CN" altLang="en-US" b="1" i="0" dirty="0">
+                <a:solidFill>
+                  <a:srgbClr val="1C1E21"/>
+                </a:solidFill>
+                <a:effectLst/>
+                <a:latin typeface="system-ui"/>
+              </a:rPr>
+              <a:t>测试应用的发行版本</a:t>
+            </a:r>
+            <a:endParaRPr lang="zh-CN" altLang="en-US" dirty="0"/>
+          </a:p>
+        </p:txBody>
+      </p:sp>
+      <p:sp>
+        <p:nvSpPr>
+          <p:cNvPr id="3" name="内容占位符 2">
+            <a:extLst>
+              <a:ext uri="{FF2B5EF4-FFF2-40B4-BE49-F238E27FC236}">
+                <a16:creationId xmlns:a16="http://schemas.microsoft.com/office/drawing/2014/main" id="{4BBB56E3-AB74-46DE-8987-2F8C327DFF20}"/>
+              </a:ext>
+            </a:extLst>
+          </p:cNvPr>
+          <p:cNvSpPr>
+            <a:spLocks noGrp="1"/>
+          </p:cNvSpPr>
+          <p:nvPr>
+            <p:ph idx="1"/>
+          </p:nvPr>
+        </p:nvSpPr>
+        <p:spPr/>
+        <p:txBody>
+          <a:bodyPr/>
+          <a:lstStyle/>
+          <a:p>
+            <a:r>
+              <a:rPr lang="zh-CN" altLang="en-US" dirty="0"/>
+              <a:t>由于之前模拟机一直通过</a:t>
+            </a:r>
+            <a:r>
+              <a:rPr lang="en-US" altLang="zh-CN" dirty="0"/>
+              <a:t>yarn android</a:t>
+            </a:r>
+            <a:r>
+              <a:rPr lang="zh-CN" altLang="en-US" dirty="0"/>
+              <a:t>方式运行项目</a:t>
+            </a:r>
+            <a:endParaRPr lang="en-US" altLang="zh-CN" dirty="0"/>
+          </a:p>
+          <a:p>
+            <a:r>
+              <a:rPr lang="zh-CN" altLang="en-US" dirty="0"/>
+              <a:t>因而导致输入命令和鼠标将</a:t>
+            </a:r>
+            <a:r>
+              <a:rPr lang="en-US" altLang="zh-CN" dirty="0" err="1"/>
+              <a:t>apk</a:t>
+            </a:r>
+            <a:r>
+              <a:rPr lang="zh-CN" altLang="en-US" dirty="0"/>
+              <a:t>拖入都不行</a:t>
+            </a:r>
+            <a:endParaRPr lang="en-US" altLang="zh-CN" dirty="0"/>
+          </a:p>
+          <a:p>
+            <a:r>
+              <a:rPr lang="zh-CN" altLang="en-US" dirty="0"/>
+              <a:t>并且报错主要内容为：</a:t>
+            </a:r>
+            <a:r>
+              <a:rPr lang="en-US" altLang="zh-CN" dirty="0"/>
+              <a:t>Package com signatures do not match previously installed version</a:t>
+            </a:r>
+          </a:p>
+          <a:p>
+            <a:r>
+              <a:rPr lang="zh-CN" altLang="en-US" dirty="0"/>
+              <a:t>（若是在命令行中输入，此处报错会在</a:t>
+            </a:r>
+            <a:r>
+              <a:rPr lang="en-US" altLang="zh-CN" dirty="0"/>
+              <a:t>build</a:t>
+            </a:r>
+            <a:r>
+              <a:rPr lang="zh-CN" altLang="en-US" dirty="0"/>
+              <a:t>到</a:t>
+            </a:r>
+            <a:r>
+              <a:rPr lang="en-US" altLang="zh-CN" dirty="0"/>
+              <a:t>99%</a:t>
+            </a:r>
+            <a:r>
+              <a:rPr lang="zh-CN" altLang="en-US" dirty="0"/>
+              <a:t>时触发，十分搞人心态，请耐心等待）</a:t>
+            </a:r>
+            <a:endParaRPr lang="en-US" altLang="zh-CN" dirty="0"/>
+          </a:p>
+          <a:p>
+            <a:r>
+              <a:rPr lang="zh-CN" altLang="en-US" dirty="0"/>
+              <a:t>方法：</a:t>
+            </a:r>
+            <a:endParaRPr lang="en-US" altLang="zh-CN" dirty="0"/>
+          </a:p>
+          <a:p>
+            <a:r>
+              <a:rPr lang="zh-CN" altLang="en-US" dirty="0"/>
+              <a:t>重启电脑后开个新模拟器即可</a:t>
+            </a:r>
+            <a:endParaRPr lang="en-US" altLang="zh-CN" dirty="0"/>
+          </a:p>
+          <a:p>
+            <a:r>
+              <a:rPr lang="zh-CN" altLang="en-US" dirty="0"/>
+              <a:t>其实直接将</a:t>
+            </a:r>
+            <a:r>
+              <a:rPr lang="en-US" altLang="zh-CN" dirty="0" err="1"/>
+              <a:t>apk</a:t>
+            </a:r>
+            <a:r>
+              <a:rPr lang="zh-CN" altLang="en-US" dirty="0"/>
+              <a:t>拖入真机，如果运行成功则表示没有什么大问题</a:t>
+            </a:r>
+            <a:endParaRPr lang="en-US" altLang="zh-CN" dirty="0"/>
+          </a:p>
+          <a:p>
+            <a:endParaRPr lang="zh-CN" altLang="en-US" dirty="0"/>
+          </a:p>
+        </p:txBody>
+      </p:sp>
+    </p:spTree>
+    <p:extLst>
+      <p:ext uri="{BB962C8B-B14F-4D97-AF65-F5344CB8AC3E}">
+        <p14:creationId xmlns:p14="http://schemas.microsoft.com/office/powerpoint/2010/main" val="2267312100"/>
+      </p:ext>
+    </p:extLst>
+  </p:cSld>
+  <p:clrMapOvr>
+    <a:masterClrMapping/>
+  </p:clrMapOvr>
+</p:sld>
+</file>
+
+<file path=ppt/slides/slide4.xml><?xml version="1.0" encoding="utf-8"?>
 <p:sld xmlns:a="http://schemas.openxmlformats.org/drawingml/2006/main" xmlns:r="http://schemas.openxmlformats.org/officeDocument/2006/relationships" xmlns:p="http://schemas.openxmlformats.org/presentationml/2006/main">
   <p:cSld>
     <p:spTree>
@@ -10178,984 +11886,7 @@
 </p:sld>
 </file>
 
-<file path=ppt/slides/slide30.xml><?xml version="1.0" encoding="utf-8"?>
-<p:sld xmlns:a="http://schemas.openxmlformats.org/drawingml/2006/main" xmlns:r="http://schemas.openxmlformats.org/officeDocument/2006/relationships" xmlns:p="http://schemas.openxmlformats.org/presentationml/2006/main">
-  <p:cSld>
-    <p:spTree>
-      <p:nvGrpSpPr>
-        <p:cNvPr id="1" name=""/>
-        <p:cNvGrpSpPr/>
-        <p:nvPr/>
-      </p:nvGrpSpPr>
-      <p:grpSpPr>
-        <a:xfrm>
-          <a:off x="0" y="0"/>
-          <a:ext cx="0" cy="0"/>
-          <a:chOff x="0" y="0"/>
-          <a:chExt cx="0" cy="0"/>
-        </a:xfrm>
-      </p:grpSpPr>
-      <p:sp>
-        <p:nvSpPr>
-          <p:cNvPr id="2" name="标题 1">
-            <a:extLst>
-              <a:ext uri="{FF2B5EF4-FFF2-40B4-BE49-F238E27FC236}">
-                <a16:creationId xmlns:a16="http://schemas.microsoft.com/office/drawing/2014/main" id="{F74F70FD-D272-4BF6-8515-BFFC54347B0A}"/>
-              </a:ext>
-            </a:extLst>
-          </p:cNvPr>
-          <p:cNvSpPr>
-            <a:spLocks noGrp="1"/>
-          </p:cNvSpPr>
-          <p:nvPr>
-            <p:ph type="title"/>
-          </p:nvPr>
-        </p:nvSpPr>
-        <p:spPr/>
-        <p:txBody>
-          <a:bodyPr/>
-          <a:lstStyle/>
-          <a:p>
-            <a:r>
-              <a:rPr lang="zh-CN" altLang="en-US" dirty="0"/>
-              <a:t>发布</a:t>
-            </a:r>
-            <a:r>
-              <a:rPr lang="en-US" altLang="zh-CN" dirty="0"/>
-              <a:t>APK</a:t>
-            </a:r>
-            <a:endParaRPr lang="zh-CN" altLang="en-US" dirty="0"/>
-          </a:p>
-        </p:txBody>
-      </p:sp>
-      <p:sp>
-        <p:nvSpPr>
-          <p:cNvPr id="3" name="内容占位符 2">
-            <a:extLst>
-              <a:ext uri="{FF2B5EF4-FFF2-40B4-BE49-F238E27FC236}">
-                <a16:creationId xmlns:a16="http://schemas.microsoft.com/office/drawing/2014/main" id="{4FF984EF-6130-4C2C-9897-17A3F4C9A500}"/>
-              </a:ext>
-            </a:extLst>
-          </p:cNvPr>
-          <p:cNvSpPr>
-            <a:spLocks noGrp="1"/>
-          </p:cNvSpPr>
-          <p:nvPr>
-            <p:ph idx="1"/>
-          </p:nvPr>
-        </p:nvSpPr>
-        <p:spPr/>
-        <p:txBody>
-          <a:bodyPr/>
-          <a:lstStyle/>
-          <a:p>
-            <a:r>
-              <a:rPr lang="zh-CN" altLang="en-US" dirty="0"/>
-              <a:t>设置</a:t>
-            </a:r>
-            <a:r>
-              <a:rPr lang="en-US" altLang="zh-CN" dirty="0" err="1"/>
-              <a:t>gradle</a:t>
-            </a:r>
-            <a:endParaRPr lang="en-US" altLang="zh-CN" dirty="0"/>
-          </a:p>
-          <a:p>
-            <a:r>
-              <a:rPr lang="zh-CN" altLang="en-US" dirty="0"/>
-              <a:t>此处我在</a:t>
-            </a:r>
-            <a:r>
-              <a:rPr lang="en-US" altLang="zh-CN" dirty="0"/>
-              <a:t>/android/</a:t>
-            </a:r>
-            <a:r>
-              <a:rPr lang="en-US" altLang="zh-CN" dirty="0" err="1"/>
-              <a:t>gradle.properties</a:t>
-            </a:r>
-            <a:r>
-              <a:rPr lang="zh-CN" altLang="en-US" dirty="0"/>
-              <a:t>中修改</a:t>
-            </a:r>
-          </a:p>
-        </p:txBody>
-      </p:sp>
-      <p:pic>
-        <p:nvPicPr>
-          <p:cNvPr id="5" name="图片 4">
-            <a:extLst>
-              <a:ext uri="{FF2B5EF4-FFF2-40B4-BE49-F238E27FC236}">
-                <a16:creationId xmlns:a16="http://schemas.microsoft.com/office/drawing/2014/main" id="{3DD10716-804B-4156-B556-9FDCEA3BFCDA}"/>
-              </a:ext>
-            </a:extLst>
-          </p:cNvPr>
-          <p:cNvPicPr>
-            <a:picLocks noChangeAspect="1"/>
-          </p:cNvPicPr>
-          <p:nvPr/>
-        </p:nvPicPr>
-        <p:blipFill>
-          <a:blip r:embed="rId2"/>
-          <a:stretch>
-            <a:fillRect/>
-          </a:stretch>
-        </p:blipFill>
-        <p:spPr>
-          <a:xfrm>
-            <a:off x="3929845" y="2440111"/>
-            <a:ext cx="7914286" cy="3761905"/>
-          </a:xfrm>
-          <a:prstGeom prst="rect">
-            <a:avLst/>
-          </a:prstGeom>
-        </p:spPr>
-      </p:pic>
-    </p:spTree>
-    <p:extLst>
-      <p:ext uri="{BB962C8B-B14F-4D97-AF65-F5344CB8AC3E}">
-        <p14:creationId xmlns:p14="http://schemas.microsoft.com/office/powerpoint/2010/main" val="2669353636"/>
-      </p:ext>
-    </p:extLst>
-  </p:cSld>
-  <p:clrMapOvr>
-    <a:masterClrMapping/>
-  </p:clrMapOvr>
-</p:sld>
-</file>
-
-<file path=ppt/slides/slide31.xml><?xml version="1.0" encoding="utf-8"?>
-<p:sld xmlns:a="http://schemas.openxmlformats.org/drawingml/2006/main" xmlns:r="http://schemas.openxmlformats.org/officeDocument/2006/relationships" xmlns:p="http://schemas.openxmlformats.org/presentationml/2006/main">
-  <p:cSld>
-    <p:spTree>
-      <p:nvGrpSpPr>
-        <p:cNvPr id="1" name=""/>
-        <p:cNvGrpSpPr/>
-        <p:nvPr/>
-      </p:nvGrpSpPr>
-      <p:grpSpPr>
-        <a:xfrm>
-          <a:off x="0" y="0"/>
-          <a:ext cx="0" cy="0"/>
-          <a:chOff x="0" y="0"/>
-          <a:chExt cx="0" cy="0"/>
-        </a:xfrm>
-      </p:grpSpPr>
-      <p:sp>
-        <p:nvSpPr>
-          <p:cNvPr id="2" name="标题 1">
-            <a:extLst>
-              <a:ext uri="{FF2B5EF4-FFF2-40B4-BE49-F238E27FC236}">
-                <a16:creationId xmlns:a16="http://schemas.microsoft.com/office/drawing/2014/main" id="{67108576-F24E-4757-A7E4-9BB6797D89DA}"/>
-              </a:ext>
-            </a:extLst>
-          </p:cNvPr>
-          <p:cNvSpPr>
-            <a:spLocks noGrp="1"/>
-          </p:cNvSpPr>
-          <p:nvPr>
-            <p:ph type="title"/>
-          </p:nvPr>
-        </p:nvSpPr>
-        <p:spPr/>
-        <p:txBody>
-          <a:bodyPr/>
-          <a:lstStyle/>
-          <a:p>
-            <a:r>
-              <a:rPr lang="zh-CN" altLang="en-US" dirty="0"/>
-              <a:t>发布</a:t>
-            </a:r>
-            <a:r>
-              <a:rPr lang="en-US" altLang="zh-CN" dirty="0"/>
-              <a:t>APK</a:t>
-            </a:r>
-            <a:endParaRPr lang="zh-CN" altLang="en-US" dirty="0"/>
-          </a:p>
-        </p:txBody>
-      </p:sp>
-      <p:sp>
-        <p:nvSpPr>
-          <p:cNvPr id="3" name="内容占位符 2">
-            <a:extLst>
-              <a:ext uri="{FF2B5EF4-FFF2-40B4-BE49-F238E27FC236}">
-                <a16:creationId xmlns:a16="http://schemas.microsoft.com/office/drawing/2014/main" id="{3390603D-3ECF-4270-96BB-C0B217CCF1CA}"/>
-              </a:ext>
-            </a:extLst>
-          </p:cNvPr>
-          <p:cNvSpPr>
-            <a:spLocks noGrp="1"/>
-          </p:cNvSpPr>
-          <p:nvPr>
-            <p:ph idx="1"/>
-          </p:nvPr>
-        </p:nvSpPr>
-        <p:spPr/>
-        <p:txBody>
-          <a:bodyPr/>
-          <a:lstStyle/>
-          <a:p>
-            <a:r>
-              <a:rPr lang="zh-CN" altLang="en-US" dirty="0"/>
-              <a:t>把签名配置加入到项目的 </a:t>
-            </a:r>
-            <a:r>
-              <a:rPr lang="en-US" altLang="zh-CN" dirty="0" err="1"/>
-              <a:t>gradle</a:t>
-            </a:r>
-            <a:r>
-              <a:rPr lang="en-US" altLang="zh-CN" dirty="0"/>
-              <a:t> </a:t>
-            </a:r>
-            <a:r>
-              <a:rPr lang="zh-CN" altLang="en-US" dirty="0"/>
-              <a:t>配置中</a:t>
-            </a:r>
-            <a:endParaRPr lang="en-US" altLang="zh-CN" dirty="0"/>
-          </a:p>
-          <a:p>
-            <a:r>
-              <a:rPr lang="zh-CN" altLang="en-US" dirty="0"/>
-              <a:t>此处从</a:t>
-            </a:r>
-            <a:r>
-              <a:rPr lang="en-US" altLang="zh-CN" dirty="0"/>
-              <a:t>Android Studio</a:t>
-            </a:r>
-            <a:r>
-              <a:rPr lang="zh-CN" altLang="en-US" dirty="0"/>
-              <a:t>中</a:t>
-            </a:r>
-            <a:endParaRPr lang="en-US" altLang="zh-CN" dirty="0"/>
-          </a:p>
-          <a:p>
-            <a:pPr marL="0" indent="0">
-              <a:buNone/>
-            </a:pPr>
-            <a:r>
-              <a:rPr lang="zh-CN" altLang="en-US" dirty="0"/>
-              <a:t>  观察会得到两个</a:t>
-            </a:r>
-            <a:r>
-              <a:rPr lang="en-US" altLang="zh-CN" dirty="0" err="1"/>
-              <a:t>build.gradle</a:t>
-            </a:r>
-            <a:endParaRPr lang="en-US" altLang="zh-CN" dirty="0"/>
-          </a:p>
-          <a:p>
-            <a:pPr marL="0" indent="0">
-              <a:buNone/>
-            </a:pPr>
-            <a:r>
-              <a:rPr lang="en-US" altLang="zh-CN" dirty="0"/>
-              <a:t>  </a:t>
-            </a:r>
-            <a:r>
-              <a:rPr lang="zh-CN" altLang="en-US" dirty="0"/>
-              <a:t>文件，直接从相应目录下进</a:t>
-            </a:r>
-            <a:endParaRPr lang="en-US" altLang="zh-CN" dirty="0"/>
-          </a:p>
-          <a:p>
-            <a:pPr marL="0" indent="0">
-              <a:buNone/>
-            </a:pPr>
-            <a:r>
-              <a:rPr lang="en-US" altLang="zh-CN" dirty="0"/>
-              <a:t>  </a:t>
-            </a:r>
-            <a:r>
-              <a:rPr lang="zh-CN" altLang="en-US" dirty="0"/>
-              <a:t>入即可找到，按照要求修改</a:t>
-            </a:r>
-          </a:p>
-        </p:txBody>
-      </p:sp>
-      <p:pic>
-        <p:nvPicPr>
-          <p:cNvPr id="7" name="图片 6">
-            <a:extLst>
-              <a:ext uri="{FF2B5EF4-FFF2-40B4-BE49-F238E27FC236}">
-                <a16:creationId xmlns:a16="http://schemas.microsoft.com/office/drawing/2014/main" id="{02812A0C-911B-4285-82B5-C22C9D65EB81}"/>
-              </a:ext>
-            </a:extLst>
-          </p:cNvPr>
-          <p:cNvPicPr>
-            <a:picLocks noChangeAspect="1"/>
-          </p:cNvPicPr>
-          <p:nvPr/>
-        </p:nvPicPr>
-        <p:blipFill>
-          <a:blip r:embed="rId2"/>
-          <a:stretch>
-            <a:fillRect/>
-          </a:stretch>
-        </p:blipFill>
-        <p:spPr>
-          <a:xfrm>
-            <a:off x="5039139" y="2109382"/>
-            <a:ext cx="6742044" cy="4483666"/>
-          </a:xfrm>
-          <a:prstGeom prst="rect">
-            <a:avLst/>
-          </a:prstGeom>
-        </p:spPr>
-      </p:pic>
-    </p:spTree>
-    <p:extLst>
-      <p:ext uri="{BB962C8B-B14F-4D97-AF65-F5344CB8AC3E}">
-        <p14:creationId xmlns:p14="http://schemas.microsoft.com/office/powerpoint/2010/main" val="1126071854"/>
-      </p:ext>
-    </p:extLst>
-  </p:cSld>
-  <p:clrMapOvr>
-    <a:masterClrMapping/>
-  </p:clrMapOvr>
-</p:sld>
-</file>
-
-<file path=ppt/slides/slide32.xml><?xml version="1.0" encoding="utf-8"?>
-<p:sld xmlns:a="http://schemas.openxmlformats.org/drawingml/2006/main" xmlns:r="http://schemas.openxmlformats.org/officeDocument/2006/relationships" xmlns:p="http://schemas.openxmlformats.org/presentationml/2006/main">
-  <p:cSld>
-    <p:spTree>
-      <p:nvGrpSpPr>
-        <p:cNvPr id="1" name=""/>
-        <p:cNvGrpSpPr/>
-        <p:nvPr/>
-      </p:nvGrpSpPr>
-      <p:grpSpPr>
-        <a:xfrm>
-          <a:off x="0" y="0"/>
-          <a:ext cx="0" cy="0"/>
-          <a:chOff x="0" y="0"/>
-          <a:chExt cx="0" cy="0"/>
-        </a:xfrm>
-      </p:grpSpPr>
-      <p:sp>
-        <p:nvSpPr>
-          <p:cNvPr id="2" name="标题 1">
-            <a:extLst>
-              <a:ext uri="{FF2B5EF4-FFF2-40B4-BE49-F238E27FC236}">
-                <a16:creationId xmlns:a16="http://schemas.microsoft.com/office/drawing/2014/main" id="{96164DE6-6DE5-4FCB-91F8-FD29B3A550EE}"/>
-              </a:ext>
-            </a:extLst>
-          </p:cNvPr>
-          <p:cNvSpPr>
-            <a:spLocks noGrp="1"/>
-          </p:cNvSpPr>
-          <p:nvPr>
-            <p:ph type="title"/>
-          </p:nvPr>
-        </p:nvSpPr>
-        <p:spPr/>
-        <p:txBody>
-          <a:bodyPr/>
-          <a:lstStyle/>
-          <a:p>
-            <a:r>
-              <a:rPr lang="zh-CN" altLang="en-US" dirty="0"/>
-              <a:t>发布</a:t>
-            </a:r>
-            <a:r>
-              <a:rPr lang="en-US" altLang="zh-CN" dirty="0"/>
-              <a:t>APK</a:t>
-            </a:r>
-            <a:endParaRPr lang="zh-CN" altLang="en-US" dirty="0"/>
-          </a:p>
-        </p:txBody>
-      </p:sp>
-      <p:sp>
-        <p:nvSpPr>
-          <p:cNvPr id="3" name="内容占位符 2">
-            <a:extLst>
-              <a:ext uri="{FF2B5EF4-FFF2-40B4-BE49-F238E27FC236}">
-                <a16:creationId xmlns:a16="http://schemas.microsoft.com/office/drawing/2014/main" id="{37EE9E28-CA31-4B25-8FCC-A078627753E9}"/>
-              </a:ext>
-            </a:extLst>
-          </p:cNvPr>
-          <p:cNvSpPr>
-            <a:spLocks noGrp="1"/>
-          </p:cNvSpPr>
-          <p:nvPr>
-            <p:ph idx="1"/>
-          </p:nvPr>
-        </p:nvSpPr>
-        <p:spPr/>
-        <p:txBody>
-          <a:bodyPr/>
-          <a:lstStyle/>
-          <a:p>
-            <a:r>
-              <a:rPr lang="zh-CN" altLang="en-US" dirty="0"/>
-              <a:t>生成发布</a:t>
-            </a:r>
-            <a:r>
-              <a:rPr lang="en-US" altLang="zh-CN" dirty="0"/>
-              <a:t>APK</a:t>
-            </a:r>
-            <a:r>
-              <a:rPr lang="zh-CN" altLang="en-US" dirty="0"/>
-              <a:t>包，此处过程较长，请耐心等待</a:t>
-            </a:r>
-            <a:endParaRPr lang="en-US" altLang="zh-CN" dirty="0"/>
-          </a:p>
-          <a:p>
-            <a:r>
-              <a:rPr lang="zh-CN" altLang="en-US" dirty="0"/>
-              <a:t>如果发现他不动了，还可以在命令行里敲回车（也不知道这步有啥用）</a:t>
-            </a:r>
-            <a:endParaRPr lang="en-US" altLang="zh-CN" dirty="0"/>
-          </a:p>
-          <a:p>
-            <a:endParaRPr lang="zh-CN" altLang="en-US" dirty="0"/>
-          </a:p>
-        </p:txBody>
-      </p:sp>
-      <p:pic>
-        <p:nvPicPr>
-          <p:cNvPr id="5" name="图片 4">
-            <a:extLst>
-              <a:ext uri="{FF2B5EF4-FFF2-40B4-BE49-F238E27FC236}">
-                <a16:creationId xmlns:a16="http://schemas.microsoft.com/office/drawing/2014/main" id="{AA2CEB86-5EE1-4F30-B913-E0D4E132B700}"/>
-              </a:ext>
-            </a:extLst>
-          </p:cNvPr>
-          <p:cNvPicPr>
-            <a:picLocks noChangeAspect="1"/>
-          </p:cNvPicPr>
-          <p:nvPr/>
-        </p:nvPicPr>
-        <p:blipFill>
-          <a:blip r:embed="rId2"/>
-          <a:stretch>
-            <a:fillRect/>
-          </a:stretch>
-        </p:blipFill>
-        <p:spPr>
-          <a:xfrm>
-            <a:off x="3904153" y="3081458"/>
-            <a:ext cx="7780952" cy="1914286"/>
-          </a:xfrm>
-          <a:prstGeom prst="rect">
-            <a:avLst/>
-          </a:prstGeom>
-        </p:spPr>
-      </p:pic>
-      <p:pic>
-        <p:nvPicPr>
-          <p:cNvPr id="7" name="图片 6">
-            <a:extLst>
-              <a:ext uri="{FF2B5EF4-FFF2-40B4-BE49-F238E27FC236}">
-                <a16:creationId xmlns:a16="http://schemas.microsoft.com/office/drawing/2014/main" id="{7D1FF995-8B11-436F-805C-D9DBDD541E41}"/>
-              </a:ext>
-            </a:extLst>
-          </p:cNvPr>
-          <p:cNvPicPr>
-            <a:picLocks noChangeAspect="1"/>
-          </p:cNvPicPr>
-          <p:nvPr/>
-        </p:nvPicPr>
-        <p:blipFill>
-          <a:blip r:embed="rId3"/>
-          <a:stretch>
-            <a:fillRect/>
-          </a:stretch>
-        </p:blipFill>
-        <p:spPr>
-          <a:xfrm>
-            <a:off x="3919513" y="5346537"/>
-            <a:ext cx="2714286" cy="371429"/>
-          </a:xfrm>
-          <a:prstGeom prst="rect">
-            <a:avLst/>
-          </a:prstGeom>
-        </p:spPr>
-      </p:pic>
-    </p:spTree>
-    <p:extLst>
-      <p:ext uri="{BB962C8B-B14F-4D97-AF65-F5344CB8AC3E}">
-        <p14:creationId xmlns:p14="http://schemas.microsoft.com/office/powerpoint/2010/main" val="3851107929"/>
-      </p:ext>
-    </p:extLst>
-  </p:cSld>
-  <p:clrMapOvr>
-    <a:masterClrMapping/>
-  </p:clrMapOvr>
-</p:sld>
-</file>
-
-<file path=ppt/slides/slide33.xml><?xml version="1.0" encoding="utf-8"?>
-<p:sld xmlns:a="http://schemas.openxmlformats.org/drawingml/2006/main" xmlns:r="http://schemas.openxmlformats.org/officeDocument/2006/relationships" xmlns:p="http://schemas.openxmlformats.org/presentationml/2006/main">
-  <p:cSld>
-    <p:spTree>
-      <p:nvGrpSpPr>
-        <p:cNvPr id="1" name=""/>
-        <p:cNvGrpSpPr/>
-        <p:nvPr/>
-      </p:nvGrpSpPr>
-      <p:grpSpPr>
-        <a:xfrm>
-          <a:off x="0" y="0"/>
-          <a:ext cx="0" cy="0"/>
-          <a:chOff x="0" y="0"/>
-          <a:chExt cx="0" cy="0"/>
-        </a:xfrm>
-      </p:grpSpPr>
-      <p:sp>
-        <p:nvSpPr>
-          <p:cNvPr id="2" name="标题 1">
-            <a:extLst>
-              <a:ext uri="{FF2B5EF4-FFF2-40B4-BE49-F238E27FC236}">
-                <a16:creationId xmlns:a16="http://schemas.microsoft.com/office/drawing/2014/main" id="{476B913D-8128-47E1-8117-7D8900AFB8AA}"/>
-              </a:ext>
-            </a:extLst>
-          </p:cNvPr>
-          <p:cNvSpPr>
-            <a:spLocks noGrp="1"/>
-          </p:cNvSpPr>
-          <p:nvPr>
-            <p:ph type="title"/>
-          </p:nvPr>
-        </p:nvSpPr>
-        <p:spPr/>
-        <p:txBody>
-          <a:bodyPr/>
-          <a:lstStyle/>
-          <a:p>
-            <a:r>
-              <a:rPr lang="zh-CN" altLang="en-US" dirty="0"/>
-              <a:t>发布</a:t>
-            </a:r>
-            <a:r>
-              <a:rPr lang="en-US" altLang="zh-CN" dirty="0"/>
-              <a:t>APK</a:t>
-            </a:r>
-            <a:endParaRPr lang="zh-CN" altLang="en-US" dirty="0"/>
-          </a:p>
-        </p:txBody>
-      </p:sp>
-      <p:sp>
-        <p:nvSpPr>
-          <p:cNvPr id="3" name="内容占位符 2">
-            <a:extLst>
-              <a:ext uri="{FF2B5EF4-FFF2-40B4-BE49-F238E27FC236}">
-                <a16:creationId xmlns:a16="http://schemas.microsoft.com/office/drawing/2014/main" id="{54A4D985-5F1D-4091-9B4A-0EC8F631B52A}"/>
-              </a:ext>
-            </a:extLst>
-          </p:cNvPr>
-          <p:cNvSpPr>
-            <a:spLocks noGrp="1"/>
-          </p:cNvSpPr>
-          <p:nvPr>
-            <p:ph idx="1"/>
-          </p:nvPr>
-        </p:nvSpPr>
-        <p:spPr/>
-        <p:txBody>
-          <a:bodyPr/>
-          <a:lstStyle/>
-          <a:p>
-            <a:r>
-              <a:rPr lang="zh-CN" altLang="en-US" dirty="0"/>
-              <a:t>将</a:t>
-            </a:r>
-            <a:r>
-              <a:rPr lang="en-US" altLang="zh-CN" dirty="0"/>
-              <a:t>APK</a:t>
-            </a:r>
-            <a:r>
-              <a:rPr lang="zh-CN" altLang="en-US" dirty="0"/>
-              <a:t>下载至手机，发现能够正常安装与运行，只是会提示安全问题，需要进一步发布</a:t>
-            </a:r>
-          </a:p>
-        </p:txBody>
-      </p:sp>
-      <p:pic>
-        <p:nvPicPr>
-          <p:cNvPr id="7" name="图片 6">
-            <a:extLst>
-              <a:ext uri="{FF2B5EF4-FFF2-40B4-BE49-F238E27FC236}">
-                <a16:creationId xmlns:a16="http://schemas.microsoft.com/office/drawing/2014/main" id="{C04EC27A-2C3B-4E5D-A8B7-3C83A6F859DA}"/>
-              </a:ext>
-            </a:extLst>
-          </p:cNvPr>
-          <p:cNvPicPr>
-            <a:picLocks noChangeAspect="1"/>
-          </p:cNvPicPr>
-          <p:nvPr/>
-        </p:nvPicPr>
-        <p:blipFill>
-          <a:blip r:embed="rId2"/>
-          <a:stretch>
-            <a:fillRect/>
-          </a:stretch>
-        </p:blipFill>
-        <p:spPr>
-          <a:xfrm>
-            <a:off x="1501052" y="3429000"/>
-            <a:ext cx="8858146" cy="744566"/>
-          </a:xfrm>
-          <a:prstGeom prst="rect">
-            <a:avLst/>
-          </a:prstGeom>
-        </p:spPr>
-      </p:pic>
-    </p:spTree>
-    <p:extLst>
-      <p:ext uri="{BB962C8B-B14F-4D97-AF65-F5344CB8AC3E}">
-        <p14:creationId xmlns:p14="http://schemas.microsoft.com/office/powerpoint/2010/main" val="3551791226"/>
-      </p:ext>
-    </p:extLst>
-  </p:cSld>
-  <p:clrMapOvr>
-    <a:masterClrMapping/>
-  </p:clrMapOvr>
-</p:sld>
-</file>
-
-<file path=ppt/slides/slide34.xml><?xml version="1.0" encoding="utf-8"?>
-<p:sld xmlns:a="http://schemas.openxmlformats.org/drawingml/2006/main" xmlns:r="http://schemas.openxmlformats.org/officeDocument/2006/relationships" xmlns:p="http://schemas.openxmlformats.org/presentationml/2006/main">
-  <p:cSld>
-    <p:spTree>
-      <p:nvGrpSpPr>
-        <p:cNvPr id="1" name=""/>
-        <p:cNvGrpSpPr/>
-        <p:nvPr/>
-      </p:nvGrpSpPr>
-      <p:grpSpPr>
-        <a:xfrm>
-          <a:off x="0" y="0"/>
-          <a:ext cx="0" cy="0"/>
-          <a:chOff x="0" y="0"/>
-          <a:chExt cx="0" cy="0"/>
-        </a:xfrm>
-      </p:grpSpPr>
-      <p:sp>
-        <p:nvSpPr>
-          <p:cNvPr id="2" name="标题 1">
-            <a:extLst>
-              <a:ext uri="{FF2B5EF4-FFF2-40B4-BE49-F238E27FC236}">
-                <a16:creationId xmlns:a16="http://schemas.microsoft.com/office/drawing/2014/main" id="{AA9076B8-A762-468E-BE11-10160373FD74}"/>
-              </a:ext>
-            </a:extLst>
-          </p:cNvPr>
-          <p:cNvSpPr>
-            <a:spLocks noGrp="1"/>
-          </p:cNvSpPr>
-          <p:nvPr>
-            <p:ph type="title"/>
-          </p:nvPr>
-        </p:nvSpPr>
-        <p:spPr/>
-        <p:txBody>
-          <a:bodyPr>
-            <a:normAutofit/>
-          </a:bodyPr>
-          <a:lstStyle/>
-          <a:p>
-            <a:r>
-              <a:rPr lang="zh-CN" altLang="en-US" b="1" i="0" dirty="0">
-                <a:solidFill>
-                  <a:srgbClr val="1C1E21"/>
-                </a:solidFill>
-                <a:effectLst/>
-                <a:latin typeface="system-ui"/>
-              </a:rPr>
-              <a:t>测试应用的发行版本</a:t>
-            </a:r>
-            <a:endParaRPr lang="zh-CN" altLang="en-US" dirty="0"/>
-          </a:p>
-        </p:txBody>
-      </p:sp>
-      <p:sp>
-        <p:nvSpPr>
-          <p:cNvPr id="3" name="内容占位符 2">
-            <a:extLst>
-              <a:ext uri="{FF2B5EF4-FFF2-40B4-BE49-F238E27FC236}">
-                <a16:creationId xmlns:a16="http://schemas.microsoft.com/office/drawing/2014/main" id="{C1795318-3E88-4CB4-8961-4D10871A9A19}"/>
-              </a:ext>
-            </a:extLst>
-          </p:cNvPr>
-          <p:cNvSpPr>
-            <a:spLocks noGrp="1"/>
-          </p:cNvSpPr>
-          <p:nvPr>
-            <p:ph idx="1"/>
-          </p:nvPr>
-        </p:nvSpPr>
-        <p:spPr/>
-        <p:txBody>
-          <a:bodyPr/>
-          <a:lstStyle/>
-          <a:p>
-            <a:r>
-              <a:rPr lang="zh-CN" altLang="en-US" dirty="0"/>
-              <a:t>此处含义为在模拟机上运行</a:t>
-            </a:r>
-            <a:r>
-              <a:rPr lang="en-US" altLang="zh-CN" dirty="0" err="1"/>
-              <a:t>apk</a:t>
-            </a:r>
-            <a:r>
-              <a:rPr lang="zh-CN" altLang="en-US" dirty="0"/>
-              <a:t>程序</a:t>
-            </a:r>
-            <a:endParaRPr lang="en-US" altLang="zh-CN" dirty="0"/>
-          </a:p>
-          <a:p>
-            <a:r>
-              <a:rPr lang="zh-CN" altLang="en-US" dirty="0"/>
-              <a:t>采用官网方法或输入命令：</a:t>
-            </a:r>
-            <a:r>
-              <a:rPr lang="en-US" altLang="zh-CN" dirty="0"/>
-              <a:t>yarn android --variant=release</a:t>
-            </a:r>
-          </a:p>
-          <a:p>
-            <a:r>
-              <a:rPr lang="zh-CN" altLang="en-US" dirty="0"/>
-              <a:t>或将</a:t>
-            </a:r>
-            <a:r>
-              <a:rPr lang="en-US" altLang="zh-CN" dirty="0" err="1"/>
-              <a:t>apk</a:t>
-            </a:r>
-            <a:r>
-              <a:rPr lang="zh-CN" altLang="en-US" dirty="0"/>
-              <a:t>文件拖入模拟机中运行</a:t>
-            </a:r>
-            <a:endParaRPr lang="en-US" altLang="zh-CN" dirty="0"/>
-          </a:p>
-          <a:p>
-            <a:endParaRPr lang="zh-CN" altLang="en-US" dirty="0"/>
-          </a:p>
-        </p:txBody>
-      </p:sp>
-      <p:pic>
-        <p:nvPicPr>
-          <p:cNvPr id="5" name="图片 4">
-            <a:extLst>
-              <a:ext uri="{FF2B5EF4-FFF2-40B4-BE49-F238E27FC236}">
-                <a16:creationId xmlns:a16="http://schemas.microsoft.com/office/drawing/2014/main" id="{FCC6E6D3-9E8E-4285-9CEA-C8252ED3FC5C}"/>
-              </a:ext>
-            </a:extLst>
-          </p:cNvPr>
-          <p:cNvPicPr>
-            <a:picLocks noChangeAspect="1"/>
-          </p:cNvPicPr>
-          <p:nvPr/>
-        </p:nvPicPr>
-        <p:blipFill>
-          <a:blip r:embed="rId2"/>
-          <a:stretch>
-            <a:fillRect/>
-          </a:stretch>
-        </p:blipFill>
-        <p:spPr>
-          <a:xfrm>
-            <a:off x="3990707" y="4435596"/>
-            <a:ext cx="7790476" cy="1923810"/>
-          </a:xfrm>
-          <a:prstGeom prst="rect">
-            <a:avLst/>
-          </a:prstGeom>
-        </p:spPr>
-      </p:pic>
-    </p:spTree>
-    <p:extLst>
-      <p:ext uri="{BB962C8B-B14F-4D97-AF65-F5344CB8AC3E}">
-        <p14:creationId xmlns:p14="http://schemas.microsoft.com/office/powerpoint/2010/main" val="2691475680"/>
-      </p:ext>
-    </p:extLst>
-  </p:cSld>
-  <p:clrMapOvr>
-    <a:masterClrMapping/>
-  </p:clrMapOvr>
-</p:sld>
-</file>
-
-<file path=ppt/slides/slide35.xml><?xml version="1.0" encoding="utf-8"?>
-<p:sld xmlns:a="http://schemas.openxmlformats.org/drawingml/2006/main" xmlns:r="http://schemas.openxmlformats.org/officeDocument/2006/relationships" xmlns:p="http://schemas.openxmlformats.org/presentationml/2006/main">
-  <p:cSld>
-    <p:spTree>
-      <p:nvGrpSpPr>
-        <p:cNvPr id="1" name=""/>
-        <p:cNvGrpSpPr/>
-        <p:nvPr/>
-      </p:nvGrpSpPr>
-      <p:grpSpPr>
-        <a:xfrm>
-          <a:off x="0" y="0"/>
-          <a:ext cx="0" cy="0"/>
-          <a:chOff x="0" y="0"/>
-          <a:chExt cx="0" cy="0"/>
-        </a:xfrm>
-      </p:grpSpPr>
-      <p:sp>
-        <p:nvSpPr>
-          <p:cNvPr id="2" name="标题 1">
-            <a:extLst>
-              <a:ext uri="{FF2B5EF4-FFF2-40B4-BE49-F238E27FC236}">
-                <a16:creationId xmlns:a16="http://schemas.microsoft.com/office/drawing/2014/main" id="{5B4ADA46-B8FD-46DF-A365-8D5DFB8B1D05}"/>
-              </a:ext>
-            </a:extLst>
-          </p:cNvPr>
-          <p:cNvSpPr>
-            <a:spLocks noGrp="1"/>
-          </p:cNvSpPr>
-          <p:nvPr>
-            <p:ph type="title"/>
-          </p:nvPr>
-        </p:nvSpPr>
-        <p:spPr/>
-        <p:txBody>
-          <a:bodyPr/>
-          <a:lstStyle/>
-          <a:p>
-            <a:r>
-              <a:rPr lang="zh-CN" altLang="en-US" b="1" i="0" dirty="0">
-                <a:solidFill>
-                  <a:srgbClr val="1C1E21"/>
-                </a:solidFill>
-                <a:effectLst/>
-                <a:latin typeface="system-ui"/>
-              </a:rPr>
-              <a:t>测试应用的发行版本</a:t>
-            </a:r>
-            <a:endParaRPr lang="zh-CN" altLang="en-US" dirty="0"/>
-          </a:p>
-        </p:txBody>
-      </p:sp>
-      <p:sp>
-        <p:nvSpPr>
-          <p:cNvPr id="3" name="内容占位符 2">
-            <a:extLst>
-              <a:ext uri="{FF2B5EF4-FFF2-40B4-BE49-F238E27FC236}">
-                <a16:creationId xmlns:a16="http://schemas.microsoft.com/office/drawing/2014/main" id="{4BBB56E3-AB74-46DE-8987-2F8C327DFF20}"/>
-              </a:ext>
-            </a:extLst>
-          </p:cNvPr>
-          <p:cNvSpPr>
-            <a:spLocks noGrp="1"/>
-          </p:cNvSpPr>
-          <p:nvPr>
-            <p:ph idx="1"/>
-          </p:nvPr>
-        </p:nvSpPr>
-        <p:spPr/>
-        <p:txBody>
-          <a:bodyPr/>
-          <a:lstStyle/>
-          <a:p>
-            <a:r>
-              <a:rPr lang="zh-CN" altLang="en-US" dirty="0"/>
-              <a:t>由于之前模拟机一直通过</a:t>
-            </a:r>
-            <a:r>
-              <a:rPr lang="en-US" altLang="zh-CN" dirty="0"/>
-              <a:t>yarn android</a:t>
-            </a:r>
-            <a:r>
-              <a:rPr lang="zh-CN" altLang="en-US" dirty="0"/>
-              <a:t>方式运行项目</a:t>
-            </a:r>
-            <a:endParaRPr lang="en-US" altLang="zh-CN" dirty="0"/>
-          </a:p>
-          <a:p>
-            <a:r>
-              <a:rPr lang="zh-CN" altLang="en-US" dirty="0"/>
-              <a:t>因而导致输入命令和鼠标将</a:t>
-            </a:r>
-            <a:r>
-              <a:rPr lang="en-US" altLang="zh-CN" dirty="0" err="1"/>
-              <a:t>apk</a:t>
-            </a:r>
-            <a:r>
-              <a:rPr lang="zh-CN" altLang="en-US" dirty="0"/>
-              <a:t>拖入都不行</a:t>
-            </a:r>
-            <a:endParaRPr lang="en-US" altLang="zh-CN" dirty="0"/>
-          </a:p>
-          <a:p>
-            <a:r>
-              <a:rPr lang="zh-CN" altLang="en-US" dirty="0"/>
-              <a:t>并且报错主要内容为：</a:t>
-            </a:r>
-            <a:r>
-              <a:rPr lang="en-US" altLang="zh-CN" dirty="0"/>
-              <a:t>Package com signatures do not match previously installed version</a:t>
-            </a:r>
-          </a:p>
-          <a:p>
-            <a:r>
-              <a:rPr lang="zh-CN" altLang="en-US" dirty="0"/>
-              <a:t>（若是在命令行中输入，此处报错会在</a:t>
-            </a:r>
-            <a:r>
-              <a:rPr lang="en-US" altLang="zh-CN" dirty="0"/>
-              <a:t>build</a:t>
-            </a:r>
-            <a:r>
-              <a:rPr lang="zh-CN" altLang="en-US" dirty="0"/>
-              <a:t>到</a:t>
-            </a:r>
-            <a:r>
-              <a:rPr lang="en-US" altLang="zh-CN" dirty="0"/>
-              <a:t>99%</a:t>
-            </a:r>
-            <a:r>
-              <a:rPr lang="zh-CN" altLang="en-US" dirty="0"/>
-              <a:t>时触发，十分搞人心态，请耐心等待）</a:t>
-            </a:r>
-            <a:endParaRPr lang="en-US" altLang="zh-CN" dirty="0"/>
-          </a:p>
-          <a:p>
-            <a:r>
-              <a:rPr lang="zh-CN" altLang="en-US" dirty="0"/>
-              <a:t>方法：</a:t>
-            </a:r>
-            <a:endParaRPr lang="en-US" altLang="zh-CN" dirty="0"/>
-          </a:p>
-          <a:p>
-            <a:r>
-              <a:rPr lang="zh-CN" altLang="en-US" dirty="0"/>
-              <a:t>重启电脑后开个新模拟器即可</a:t>
-            </a:r>
-            <a:endParaRPr lang="en-US" altLang="zh-CN" dirty="0"/>
-          </a:p>
-          <a:p>
-            <a:r>
-              <a:rPr lang="zh-CN" altLang="en-US" dirty="0"/>
-              <a:t>其实直接将</a:t>
-            </a:r>
-            <a:r>
-              <a:rPr lang="en-US" altLang="zh-CN" dirty="0" err="1"/>
-              <a:t>apk</a:t>
-            </a:r>
-            <a:r>
-              <a:rPr lang="zh-CN" altLang="en-US" dirty="0"/>
-              <a:t>拖入真机，如果运行成功则表示没有什么大问题</a:t>
-            </a:r>
-            <a:endParaRPr lang="en-US" altLang="zh-CN" dirty="0"/>
-          </a:p>
-          <a:p>
-            <a:endParaRPr lang="zh-CN" altLang="en-US" dirty="0"/>
-          </a:p>
-        </p:txBody>
-      </p:sp>
-    </p:spTree>
-    <p:extLst>
-      <p:ext uri="{BB962C8B-B14F-4D97-AF65-F5344CB8AC3E}">
-        <p14:creationId xmlns:p14="http://schemas.microsoft.com/office/powerpoint/2010/main" val="2267312100"/>
-      </p:ext>
-    </p:extLst>
-  </p:cSld>
-  <p:clrMapOvr>
-    <a:masterClrMapping/>
-  </p:clrMapOvr>
-</p:sld>
-</file>
-
-<file path=ppt/slides/slide36.xml><?xml version="1.0" encoding="utf-8"?>
+<file path=ppt/slides/slide40.xml><?xml version="1.0" encoding="utf-8"?>
 <p:sld xmlns:a="http://schemas.openxmlformats.org/drawingml/2006/main" xmlns:r="http://schemas.openxmlformats.org/officeDocument/2006/relationships" xmlns:p="http://schemas.openxmlformats.org/presentationml/2006/main">
   <p:cSld>
     <p:spTree>
@@ -11330,7 +12061,7 @@
 </p:sld>
 </file>
 
-<file path=ppt/slides/slide4.xml><?xml version="1.0" encoding="utf-8"?>
+<file path=ppt/slides/slide41.xml><?xml version="1.0" encoding="utf-8"?>
 <p:sld xmlns:a="http://schemas.openxmlformats.org/drawingml/2006/main" xmlns:r="http://schemas.openxmlformats.org/officeDocument/2006/relationships" xmlns:p="http://schemas.openxmlformats.org/presentationml/2006/main">
   <p:cSld>
     <p:spTree>
@@ -11352,6 +12083,1469 @@
           <p:cNvPr id="2" name="标题 1">
             <a:extLst>
               <a:ext uri="{FF2B5EF4-FFF2-40B4-BE49-F238E27FC236}">
+                <a16:creationId xmlns:a16="http://schemas.microsoft.com/office/drawing/2014/main" id="{B8F7D24E-C87E-4136-B069-74A11CA55FA2}"/>
+              </a:ext>
+            </a:extLst>
+          </p:cNvPr>
+          <p:cNvSpPr>
+            <a:spLocks noGrp="1"/>
+          </p:cNvSpPr>
+          <p:nvPr>
+            <p:ph type="title"/>
+          </p:nvPr>
+        </p:nvSpPr>
+        <p:spPr/>
+        <p:txBody>
+          <a:bodyPr/>
+          <a:lstStyle/>
+          <a:p>
+            <a:r>
+              <a:rPr lang="en-US" altLang="zh-CN" dirty="0"/>
+              <a:t>ReactNative</a:t>
+            </a:r>
+            <a:r>
+              <a:rPr lang="zh-CN" altLang="en-US" dirty="0"/>
+              <a:t>热更新</a:t>
+            </a:r>
+          </a:p>
+        </p:txBody>
+      </p:sp>
+      <p:sp>
+        <p:nvSpPr>
+          <p:cNvPr id="3" name="内容占位符 2">
+            <a:extLst>
+              <a:ext uri="{FF2B5EF4-FFF2-40B4-BE49-F238E27FC236}">
+                <a16:creationId xmlns:a16="http://schemas.microsoft.com/office/drawing/2014/main" id="{4AEFB9D7-842F-4C6D-A4E4-01E7AFA6B913}"/>
+              </a:ext>
+            </a:extLst>
+          </p:cNvPr>
+          <p:cNvSpPr>
+            <a:spLocks noGrp="1"/>
+          </p:cNvSpPr>
+          <p:nvPr>
+            <p:ph idx="1"/>
+          </p:nvPr>
+        </p:nvSpPr>
+        <p:spPr/>
+        <p:txBody>
+          <a:bodyPr/>
+          <a:lstStyle/>
+          <a:p>
+            <a:pPr>
+              <a:spcAft>
+                <a:spcPts val="600"/>
+              </a:spcAft>
+            </a:pPr>
+            <a:r>
+              <a:rPr lang="en-US" altLang="zh-CN" dirty="0"/>
+              <a:t>ReactNative</a:t>
+            </a:r>
+            <a:r>
+              <a:rPr lang="zh-CN" altLang="en-US" dirty="0"/>
+              <a:t>热更新</a:t>
+            </a:r>
+            <a:r>
+              <a:rPr lang="en-US" altLang="zh-CN" dirty="0"/>
+              <a:t>/</a:t>
+            </a:r>
+            <a:r>
+              <a:rPr lang="zh-CN" altLang="en-US" dirty="0"/>
+              <a:t>热修复是指一套，能够在用户不去应用商城下载</a:t>
+            </a:r>
+            <a:r>
+              <a:rPr lang="en-US" altLang="zh-CN" dirty="0"/>
+              <a:t>APP</a:t>
+            </a:r>
+            <a:r>
+              <a:rPr lang="zh-CN" altLang="en-US" dirty="0"/>
+              <a:t>的情况下，在自身的界面直接有新版本更新的弹窗提示</a:t>
+            </a:r>
+            <a:endParaRPr lang="en-US" altLang="zh-CN" dirty="0"/>
+          </a:p>
+          <a:p>
+            <a:pPr>
+              <a:spcAft>
+                <a:spcPts val="600"/>
+              </a:spcAft>
+            </a:pPr>
+            <a:r>
+              <a:rPr lang="zh-CN" altLang="en-US" dirty="0"/>
+              <a:t>点击更新后重启</a:t>
+            </a:r>
+            <a:r>
+              <a:rPr lang="en-US" altLang="zh-CN" dirty="0"/>
+              <a:t>App</a:t>
+            </a:r>
+            <a:r>
+              <a:rPr lang="zh-CN" altLang="en-US" dirty="0"/>
+              <a:t>直接能够看到新的效果</a:t>
+            </a:r>
+            <a:endParaRPr lang="en-US" altLang="zh-CN" dirty="0"/>
+          </a:p>
+          <a:p>
+            <a:pPr>
+              <a:spcAft>
+                <a:spcPts val="600"/>
+              </a:spcAft>
+            </a:pPr>
+            <a:r>
+              <a:rPr lang="zh-CN" altLang="en-US" dirty="0"/>
+              <a:t>此处推荐的</a:t>
+            </a:r>
+            <a:r>
+              <a:rPr lang="en-US" altLang="zh-CN" dirty="0"/>
+              <a:t>ReactNative</a:t>
+            </a:r>
+            <a:r>
+              <a:rPr lang="zh-CN" altLang="en-US" dirty="0"/>
+              <a:t>热更新的技术栈为</a:t>
+            </a:r>
+            <a:r>
+              <a:rPr lang="en-US" altLang="zh-CN" dirty="0" err="1"/>
+              <a:t>codepush</a:t>
+            </a:r>
+            <a:r>
+              <a:rPr lang="zh-CN" altLang="en-US" dirty="0"/>
+              <a:t>，这是一套微软提供的用于</a:t>
+            </a:r>
+            <a:r>
+              <a:rPr lang="en-US" altLang="zh-CN" dirty="0"/>
+              <a:t>ReactNative</a:t>
+            </a:r>
+            <a:r>
+              <a:rPr lang="zh-CN" altLang="en-US" dirty="0"/>
+              <a:t>热更新的技术栈</a:t>
+            </a:r>
+            <a:endParaRPr lang="en-US" altLang="zh-CN" dirty="0"/>
+          </a:p>
+          <a:p>
+            <a:pPr>
+              <a:spcAft>
+                <a:spcPts val="600"/>
+              </a:spcAft>
+            </a:pPr>
+            <a:r>
+              <a:rPr lang="zh-CN" altLang="en-US" dirty="0"/>
+              <a:t>官网地址：</a:t>
+            </a:r>
+            <a:r>
+              <a:rPr lang="en-US" altLang="zh-CN" dirty="0">
+                <a:hlinkClick r:id="rId2"/>
+              </a:rPr>
+              <a:t>http://code-push.cn/</a:t>
+            </a:r>
+            <a:endParaRPr lang="en-US" altLang="zh-CN" dirty="0"/>
+          </a:p>
+          <a:p>
+            <a:pPr>
+              <a:spcAft>
+                <a:spcPts val="600"/>
+              </a:spcAft>
+            </a:pPr>
+            <a:r>
+              <a:rPr lang="zh-CN" altLang="en-US" dirty="0"/>
+              <a:t>详细操作地址：</a:t>
+            </a:r>
+            <a:r>
+              <a:rPr lang="en-US" altLang="zh-CN" dirty="0">
+                <a:hlinkClick r:id="rId3"/>
+              </a:rPr>
+              <a:t>http://code-push.cn/docs/1600.htm</a:t>
+            </a:r>
+            <a:endParaRPr lang="en-US" altLang="zh-CN" dirty="0"/>
+          </a:p>
+          <a:p>
+            <a:pPr>
+              <a:spcAft>
+                <a:spcPts val="600"/>
+              </a:spcAft>
+            </a:pPr>
+            <a:r>
+              <a:rPr lang="zh-CN" altLang="en-US" dirty="0"/>
+              <a:t>按照上方的操作地址完成操作即可</a:t>
+            </a:r>
+          </a:p>
+        </p:txBody>
+      </p:sp>
+    </p:spTree>
+    <p:extLst>
+      <p:ext uri="{BB962C8B-B14F-4D97-AF65-F5344CB8AC3E}">
+        <p14:creationId xmlns:p14="http://schemas.microsoft.com/office/powerpoint/2010/main" val="153088434"/>
+      </p:ext>
+    </p:extLst>
+  </p:cSld>
+  <p:clrMapOvr>
+    <a:masterClrMapping/>
+  </p:clrMapOvr>
+</p:sld>
+</file>
+
+<file path=ppt/slides/slide42.xml><?xml version="1.0" encoding="utf-8"?>
+<p:sld xmlns:a="http://schemas.openxmlformats.org/drawingml/2006/main" xmlns:r="http://schemas.openxmlformats.org/officeDocument/2006/relationships" xmlns:p="http://schemas.openxmlformats.org/presentationml/2006/main">
+  <p:cSld>
+    <p:spTree>
+      <p:nvGrpSpPr>
+        <p:cNvPr id="1" name=""/>
+        <p:cNvGrpSpPr/>
+        <p:nvPr/>
+      </p:nvGrpSpPr>
+      <p:grpSpPr>
+        <a:xfrm>
+          <a:off x="0" y="0"/>
+          <a:ext cx="0" cy="0"/>
+          <a:chOff x="0" y="0"/>
+          <a:chExt cx="0" cy="0"/>
+        </a:xfrm>
+      </p:grpSpPr>
+      <p:sp>
+        <p:nvSpPr>
+          <p:cNvPr id="2" name="标题 1">
+            <a:extLst>
+              <a:ext uri="{FF2B5EF4-FFF2-40B4-BE49-F238E27FC236}">
+                <a16:creationId xmlns:a16="http://schemas.microsoft.com/office/drawing/2014/main" id="{B8F7D24E-C87E-4136-B069-74A11CA55FA2}"/>
+              </a:ext>
+            </a:extLst>
+          </p:cNvPr>
+          <p:cNvSpPr>
+            <a:spLocks noGrp="1"/>
+          </p:cNvSpPr>
+          <p:nvPr>
+            <p:ph type="title"/>
+          </p:nvPr>
+        </p:nvSpPr>
+        <p:spPr/>
+        <p:txBody>
+          <a:bodyPr/>
+          <a:lstStyle/>
+          <a:p>
+            <a:r>
+              <a:rPr lang="en-US" altLang="zh-CN" dirty="0"/>
+              <a:t>ReactNative</a:t>
+            </a:r>
+            <a:r>
+              <a:rPr lang="zh-CN" altLang="en-US" dirty="0"/>
+              <a:t>热更新</a:t>
+            </a:r>
+          </a:p>
+        </p:txBody>
+      </p:sp>
+      <p:sp>
+        <p:nvSpPr>
+          <p:cNvPr id="3" name="内容占位符 2">
+            <a:extLst>
+              <a:ext uri="{FF2B5EF4-FFF2-40B4-BE49-F238E27FC236}">
+                <a16:creationId xmlns:a16="http://schemas.microsoft.com/office/drawing/2014/main" id="{4AEFB9D7-842F-4C6D-A4E4-01E7AFA6B913}"/>
+              </a:ext>
+            </a:extLst>
+          </p:cNvPr>
+          <p:cNvSpPr>
+            <a:spLocks noGrp="1"/>
+          </p:cNvSpPr>
+          <p:nvPr>
+            <p:ph idx="1"/>
+          </p:nvPr>
+        </p:nvSpPr>
+        <p:spPr/>
+        <p:txBody>
+          <a:bodyPr/>
+          <a:lstStyle/>
+          <a:p>
+            <a:r>
+              <a:rPr lang="zh-CN" altLang="en-US" dirty="0"/>
+              <a:t>开启全新项目进行操作：</a:t>
+            </a:r>
+            <a:endParaRPr lang="en-US" altLang="zh-CN" dirty="0"/>
+          </a:p>
+          <a:p>
+            <a:r>
+              <a:rPr lang="en-US" altLang="zh-CN" dirty="0" err="1"/>
+              <a:t>npx</a:t>
+            </a:r>
+            <a:r>
+              <a:rPr lang="en-US" altLang="zh-CN" dirty="0"/>
+              <a:t> react-native </a:t>
+            </a:r>
+            <a:r>
+              <a:rPr lang="en-US" altLang="zh-CN" dirty="0" err="1"/>
+              <a:t>init</a:t>
+            </a:r>
+            <a:r>
+              <a:rPr lang="en-US" altLang="zh-CN" dirty="0"/>
+              <a:t> myApp2</a:t>
+            </a:r>
+          </a:p>
+          <a:p>
+            <a:r>
+              <a:rPr lang="zh-CN" altLang="en-US" dirty="0"/>
+              <a:t>在官网中控制台注册账号并创建应用</a:t>
+            </a:r>
+            <a:endParaRPr lang="en-US" altLang="zh-CN" dirty="0"/>
+          </a:p>
+          <a:p>
+            <a:endParaRPr lang="zh-CN" altLang="en-US" dirty="0"/>
+          </a:p>
+        </p:txBody>
+      </p:sp>
+      <p:pic>
+        <p:nvPicPr>
+          <p:cNvPr id="5" name="图片 4">
+            <a:extLst>
+              <a:ext uri="{FF2B5EF4-FFF2-40B4-BE49-F238E27FC236}">
+                <a16:creationId xmlns:a16="http://schemas.microsoft.com/office/drawing/2014/main" id="{8B9C5D57-7662-4062-B63B-591807178DEA}"/>
+              </a:ext>
+            </a:extLst>
+          </p:cNvPr>
+          <p:cNvPicPr>
+            <a:picLocks noChangeAspect="1"/>
+          </p:cNvPicPr>
+          <p:nvPr/>
+        </p:nvPicPr>
+        <p:blipFill>
+          <a:blip r:embed="rId2"/>
+          <a:stretch>
+            <a:fillRect/>
+          </a:stretch>
+        </p:blipFill>
+        <p:spPr>
+          <a:xfrm>
+            <a:off x="947530" y="3225026"/>
+            <a:ext cx="10296939" cy="3258045"/>
+          </a:xfrm>
+          <a:prstGeom prst="rect">
+            <a:avLst/>
+          </a:prstGeom>
+        </p:spPr>
+      </p:pic>
+    </p:spTree>
+    <p:extLst>
+      <p:ext uri="{BB962C8B-B14F-4D97-AF65-F5344CB8AC3E}">
+        <p14:creationId xmlns:p14="http://schemas.microsoft.com/office/powerpoint/2010/main" val="1889575001"/>
+      </p:ext>
+    </p:extLst>
+  </p:cSld>
+  <p:clrMapOvr>
+    <a:masterClrMapping/>
+  </p:clrMapOvr>
+</p:sld>
+</file>
+
+<file path=ppt/slides/slide43.xml><?xml version="1.0" encoding="utf-8"?>
+<p:sld xmlns:a="http://schemas.openxmlformats.org/drawingml/2006/main" xmlns:r="http://schemas.openxmlformats.org/officeDocument/2006/relationships" xmlns:p="http://schemas.openxmlformats.org/presentationml/2006/main">
+  <p:cSld>
+    <p:spTree>
+      <p:nvGrpSpPr>
+        <p:cNvPr id="1" name=""/>
+        <p:cNvGrpSpPr/>
+        <p:nvPr/>
+      </p:nvGrpSpPr>
+      <p:grpSpPr>
+        <a:xfrm>
+          <a:off x="0" y="0"/>
+          <a:ext cx="0" cy="0"/>
+          <a:chOff x="0" y="0"/>
+          <a:chExt cx="0" cy="0"/>
+        </a:xfrm>
+      </p:grpSpPr>
+      <p:sp>
+        <p:nvSpPr>
+          <p:cNvPr id="2" name="标题 1">
+            <a:extLst>
+              <a:ext uri="{FF2B5EF4-FFF2-40B4-BE49-F238E27FC236}">
+                <a16:creationId xmlns:a16="http://schemas.microsoft.com/office/drawing/2014/main" id="{B8F7D24E-C87E-4136-B069-74A11CA55FA2}"/>
+              </a:ext>
+            </a:extLst>
+          </p:cNvPr>
+          <p:cNvSpPr>
+            <a:spLocks noGrp="1"/>
+          </p:cNvSpPr>
+          <p:nvPr>
+            <p:ph type="title"/>
+          </p:nvPr>
+        </p:nvSpPr>
+        <p:spPr/>
+        <p:txBody>
+          <a:bodyPr/>
+          <a:lstStyle/>
+          <a:p>
+            <a:r>
+              <a:rPr lang="en-US" altLang="zh-CN" dirty="0"/>
+              <a:t>ReactNative</a:t>
+            </a:r>
+            <a:r>
+              <a:rPr lang="zh-CN" altLang="en-US" dirty="0"/>
+              <a:t>热更新</a:t>
+            </a:r>
+          </a:p>
+        </p:txBody>
+      </p:sp>
+      <p:sp>
+        <p:nvSpPr>
+          <p:cNvPr id="3" name="内容占位符 2">
+            <a:extLst>
+              <a:ext uri="{FF2B5EF4-FFF2-40B4-BE49-F238E27FC236}">
+                <a16:creationId xmlns:a16="http://schemas.microsoft.com/office/drawing/2014/main" id="{4AEFB9D7-842F-4C6D-A4E4-01E7AFA6B913}"/>
+              </a:ext>
+            </a:extLst>
+          </p:cNvPr>
+          <p:cNvSpPr>
+            <a:spLocks noGrp="1"/>
+          </p:cNvSpPr>
+          <p:nvPr>
+            <p:ph idx="1"/>
+          </p:nvPr>
+        </p:nvSpPr>
+        <p:spPr/>
+        <p:txBody>
+          <a:bodyPr/>
+          <a:lstStyle/>
+          <a:p>
+            <a:r>
+              <a:rPr lang="zh-CN" altLang="en-US" dirty="0"/>
+              <a:t>下载</a:t>
+            </a:r>
+            <a:r>
+              <a:rPr lang="en-US" altLang="zh-CN" dirty="0" err="1"/>
+              <a:t>cpcn</a:t>
+            </a:r>
+            <a:r>
+              <a:rPr lang="en-US" altLang="zh-CN" dirty="0"/>
+              <a:t>-client</a:t>
+            </a:r>
+            <a:r>
+              <a:rPr lang="zh-CN" altLang="en-US" dirty="0"/>
+              <a:t>桌面工具（</a:t>
+            </a:r>
+            <a:r>
+              <a:rPr lang="en-US" altLang="zh-CN" dirty="0"/>
+              <a:t>Windows</a:t>
+            </a:r>
+            <a:r>
+              <a:rPr lang="zh-CN" altLang="en-US" dirty="0"/>
+              <a:t>）</a:t>
+            </a:r>
+            <a:endParaRPr lang="en-US" altLang="zh-CN" dirty="0"/>
+          </a:p>
+          <a:p>
+            <a:r>
+              <a:rPr lang="zh-CN" altLang="en-US" dirty="0"/>
+              <a:t>网址：</a:t>
+            </a:r>
+            <a:r>
+              <a:rPr lang="en-US" altLang="zh-CN" dirty="0">
+                <a:hlinkClick r:id="rId2"/>
+              </a:rPr>
+              <a:t>http://code-push.cn/docs/1010.htm</a:t>
+            </a:r>
+            <a:endParaRPr lang="en-US" altLang="zh-CN" dirty="0"/>
+          </a:p>
+          <a:p>
+            <a:r>
+              <a:rPr lang="zh-CN" altLang="en-US" dirty="0"/>
+              <a:t>点开网址后仅下载</a:t>
+            </a:r>
+            <a:r>
+              <a:rPr lang="en-US" altLang="zh-CN" dirty="0"/>
+              <a:t>exe</a:t>
+            </a:r>
+            <a:r>
+              <a:rPr lang="zh-CN" altLang="en-US" dirty="0"/>
+              <a:t>文件即可</a:t>
+            </a:r>
+          </a:p>
+        </p:txBody>
+      </p:sp>
+      <p:pic>
+        <p:nvPicPr>
+          <p:cNvPr id="5" name="图片 4">
+            <a:extLst>
+              <a:ext uri="{FF2B5EF4-FFF2-40B4-BE49-F238E27FC236}">
+                <a16:creationId xmlns:a16="http://schemas.microsoft.com/office/drawing/2014/main" id="{806AFF76-8F8C-4459-921C-40A018705837}"/>
+              </a:ext>
+            </a:extLst>
+          </p:cNvPr>
+          <p:cNvPicPr>
+            <a:picLocks noChangeAspect="1"/>
+          </p:cNvPicPr>
+          <p:nvPr/>
+        </p:nvPicPr>
+        <p:blipFill>
+          <a:blip r:embed="rId3"/>
+          <a:stretch>
+            <a:fillRect/>
+          </a:stretch>
+        </p:blipFill>
+        <p:spPr>
+          <a:xfrm>
+            <a:off x="1676400" y="3182920"/>
+            <a:ext cx="8839200" cy="3300151"/>
+          </a:xfrm>
+          <a:prstGeom prst="rect">
+            <a:avLst/>
+          </a:prstGeom>
+        </p:spPr>
+      </p:pic>
+    </p:spTree>
+    <p:extLst>
+      <p:ext uri="{BB962C8B-B14F-4D97-AF65-F5344CB8AC3E}">
+        <p14:creationId xmlns:p14="http://schemas.microsoft.com/office/powerpoint/2010/main" val="416226971"/>
+      </p:ext>
+    </p:extLst>
+  </p:cSld>
+  <p:clrMapOvr>
+    <a:masterClrMapping/>
+  </p:clrMapOvr>
+</p:sld>
+</file>
+
+<file path=ppt/slides/slide44.xml><?xml version="1.0" encoding="utf-8"?>
+<p:sld xmlns:a="http://schemas.openxmlformats.org/drawingml/2006/main" xmlns:r="http://schemas.openxmlformats.org/officeDocument/2006/relationships" xmlns:p="http://schemas.openxmlformats.org/presentationml/2006/main">
+  <p:cSld>
+    <p:spTree>
+      <p:nvGrpSpPr>
+        <p:cNvPr id="1" name=""/>
+        <p:cNvGrpSpPr/>
+        <p:nvPr/>
+      </p:nvGrpSpPr>
+      <p:grpSpPr>
+        <a:xfrm>
+          <a:off x="0" y="0"/>
+          <a:ext cx="0" cy="0"/>
+          <a:chOff x="0" y="0"/>
+          <a:chExt cx="0" cy="0"/>
+        </a:xfrm>
+      </p:grpSpPr>
+      <p:sp>
+        <p:nvSpPr>
+          <p:cNvPr id="2" name="标题 1">
+            <a:extLst>
+              <a:ext uri="{FF2B5EF4-FFF2-40B4-BE49-F238E27FC236}">
+                <a16:creationId xmlns:a16="http://schemas.microsoft.com/office/drawing/2014/main" id="{B8F7D24E-C87E-4136-B069-74A11CA55FA2}"/>
+              </a:ext>
+            </a:extLst>
+          </p:cNvPr>
+          <p:cNvSpPr>
+            <a:spLocks noGrp="1"/>
+          </p:cNvSpPr>
+          <p:nvPr>
+            <p:ph type="title"/>
+          </p:nvPr>
+        </p:nvSpPr>
+        <p:spPr/>
+        <p:txBody>
+          <a:bodyPr/>
+          <a:lstStyle/>
+          <a:p>
+            <a:r>
+              <a:rPr lang="en-US" altLang="zh-CN" dirty="0"/>
+              <a:t>ReactNative</a:t>
+            </a:r>
+            <a:r>
+              <a:rPr lang="zh-CN" altLang="en-US" dirty="0"/>
+              <a:t>热更新</a:t>
+            </a:r>
+          </a:p>
+        </p:txBody>
+      </p:sp>
+      <p:sp>
+        <p:nvSpPr>
+          <p:cNvPr id="3" name="内容占位符 2">
+            <a:extLst>
+              <a:ext uri="{FF2B5EF4-FFF2-40B4-BE49-F238E27FC236}">
+                <a16:creationId xmlns:a16="http://schemas.microsoft.com/office/drawing/2014/main" id="{4AEFB9D7-842F-4C6D-A4E4-01E7AFA6B913}"/>
+              </a:ext>
+            </a:extLst>
+          </p:cNvPr>
+          <p:cNvSpPr>
+            <a:spLocks noGrp="1"/>
+          </p:cNvSpPr>
+          <p:nvPr>
+            <p:ph idx="1"/>
+          </p:nvPr>
+        </p:nvSpPr>
+        <p:spPr/>
+        <p:txBody>
+          <a:bodyPr/>
+          <a:lstStyle/>
+          <a:p>
+            <a:r>
+              <a:rPr lang="zh-CN" altLang="en-US" dirty="0"/>
+              <a:t>安装</a:t>
+            </a:r>
+            <a:r>
+              <a:rPr lang="en-US" altLang="zh-CN" dirty="0" err="1"/>
+              <a:t>cpcn</a:t>
+            </a:r>
+            <a:r>
+              <a:rPr lang="en-US" altLang="zh-CN" dirty="0"/>
+              <a:t>-client</a:t>
+            </a:r>
+          </a:p>
+          <a:p>
+            <a:r>
+              <a:rPr lang="zh-CN" altLang="en-US" dirty="0"/>
+              <a:t>首次点开</a:t>
+            </a:r>
+            <a:r>
+              <a:rPr lang="en-US" altLang="zh-CN" dirty="0"/>
+              <a:t>exe</a:t>
+            </a:r>
+            <a:r>
+              <a:rPr lang="zh-CN" altLang="en-US" dirty="0"/>
+              <a:t>安装程序会出现</a:t>
+            </a:r>
+            <a:r>
+              <a:rPr lang="en-US" altLang="zh-CN" dirty="0"/>
+              <a:t>windows</a:t>
+            </a:r>
+            <a:r>
+              <a:rPr lang="zh-CN" altLang="en-US" dirty="0"/>
+              <a:t>警告，找一下然后继续安装就行，若没有则无所谓</a:t>
+            </a:r>
+            <a:endParaRPr lang="en-US" altLang="zh-CN" dirty="0"/>
+          </a:p>
+          <a:p>
+            <a:r>
+              <a:rPr lang="zh-CN" altLang="en-US" dirty="0"/>
+              <a:t>一直点击下一步</a:t>
+            </a:r>
+            <a:endParaRPr lang="en-US" altLang="zh-CN" dirty="0"/>
+          </a:p>
+          <a:p>
+            <a:r>
+              <a:rPr lang="zh-CN" altLang="en-US" dirty="0"/>
+              <a:t>安装好后登录</a:t>
+            </a:r>
+            <a:endParaRPr lang="en-US" altLang="zh-CN" dirty="0"/>
+          </a:p>
+        </p:txBody>
+      </p:sp>
+      <p:pic>
+        <p:nvPicPr>
+          <p:cNvPr id="5" name="图片 4">
+            <a:extLst>
+              <a:ext uri="{FF2B5EF4-FFF2-40B4-BE49-F238E27FC236}">
+                <a16:creationId xmlns:a16="http://schemas.microsoft.com/office/drawing/2014/main" id="{EABBD186-44EE-4368-8137-444C3A9D665C}"/>
+              </a:ext>
+            </a:extLst>
+          </p:cNvPr>
+          <p:cNvPicPr>
+            <a:picLocks noChangeAspect="1"/>
+          </p:cNvPicPr>
+          <p:nvPr/>
+        </p:nvPicPr>
+        <p:blipFill>
+          <a:blip r:embed="rId2"/>
+          <a:stretch>
+            <a:fillRect/>
+          </a:stretch>
+        </p:blipFill>
+        <p:spPr>
+          <a:xfrm>
+            <a:off x="4731026" y="2494141"/>
+            <a:ext cx="6155450" cy="4215811"/>
+          </a:xfrm>
+          <a:prstGeom prst="rect">
+            <a:avLst/>
+          </a:prstGeom>
+        </p:spPr>
+      </p:pic>
+    </p:spTree>
+    <p:extLst>
+      <p:ext uri="{BB962C8B-B14F-4D97-AF65-F5344CB8AC3E}">
+        <p14:creationId xmlns:p14="http://schemas.microsoft.com/office/powerpoint/2010/main" val="458048131"/>
+      </p:ext>
+    </p:extLst>
+  </p:cSld>
+  <p:clrMapOvr>
+    <a:masterClrMapping/>
+  </p:clrMapOvr>
+</p:sld>
+</file>
+
+<file path=ppt/slides/slide45.xml><?xml version="1.0" encoding="utf-8"?>
+<p:sld xmlns:a="http://schemas.openxmlformats.org/drawingml/2006/main" xmlns:r="http://schemas.openxmlformats.org/officeDocument/2006/relationships" xmlns:p="http://schemas.openxmlformats.org/presentationml/2006/main">
+  <p:cSld>
+    <p:spTree>
+      <p:nvGrpSpPr>
+        <p:cNvPr id="1" name=""/>
+        <p:cNvGrpSpPr/>
+        <p:nvPr/>
+      </p:nvGrpSpPr>
+      <p:grpSpPr>
+        <a:xfrm>
+          <a:off x="0" y="0"/>
+          <a:ext cx="0" cy="0"/>
+          <a:chOff x="0" y="0"/>
+          <a:chExt cx="0" cy="0"/>
+        </a:xfrm>
+      </p:grpSpPr>
+      <p:sp>
+        <p:nvSpPr>
+          <p:cNvPr id="2" name="标题 1">
+            <a:extLst>
+              <a:ext uri="{FF2B5EF4-FFF2-40B4-BE49-F238E27FC236}">
+                <a16:creationId xmlns:a16="http://schemas.microsoft.com/office/drawing/2014/main" id="{B8F7D24E-C87E-4136-B069-74A11CA55FA2}"/>
+              </a:ext>
+            </a:extLst>
+          </p:cNvPr>
+          <p:cNvSpPr>
+            <a:spLocks noGrp="1"/>
+          </p:cNvSpPr>
+          <p:nvPr>
+            <p:ph type="title"/>
+          </p:nvPr>
+        </p:nvSpPr>
+        <p:spPr/>
+        <p:txBody>
+          <a:bodyPr/>
+          <a:lstStyle/>
+          <a:p>
+            <a:r>
+              <a:rPr lang="en-US" altLang="zh-CN" dirty="0"/>
+              <a:t>ReactNative</a:t>
+            </a:r>
+            <a:r>
+              <a:rPr lang="zh-CN" altLang="en-US" dirty="0"/>
+              <a:t>热更新</a:t>
+            </a:r>
+          </a:p>
+        </p:txBody>
+      </p:sp>
+      <p:sp>
+        <p:nvSpPr>
+          <p:cNvPr id="3" name="内容占位符 2">
+            <a:extLst>
+              <a:ext uri="{FF2B5EF4-FFF2-40B4-BE49-F238E27FC236}">
+                <a16:creationId xmlns:a16="http://schemas.microsoft.com/office/drawing/2014/main" id="{4AEFB9D7-842F-4C6D-A4E4-01E7AFA6B913}"/>
+              </a:ext>
+            </a:extLst>
+          </p:cNvPr>
+          <p:cNvSpPr>
+            <a:spLocks noGrp="1"/>
+          </p:cNvSpPr>
+          <p:nvPr>
+            <p:ph idx="1"/>
+          </p:nvPr>
+        </p:nvSpPr>
+        <p:spPr/>
+        <p:txBody>
+          <a:bodyPr/>
+          <a:lstStyle/>
+          <a:p>
+            <a:r>
+              <a:rPr lang="zh-CN" altLang="en-US" dirty="0"/>
+              <a:t>点击右侧操作</a:t>
+            </a:r>
+            <a:endParaRPr lang="en-US" altLang="zh-CN" dirty="0"/>
+          </a:p>
+          <a:p>
+            <a:r>
+              <a:rPr lang="zh-CN" altLang="en-US" dirty="0"/>
+              <a:t>选择好项目目录</a:t>
+            </a:r>
+            <a:endParaRPr lang="en-US" altLang="zh-CN" dirty="0"/>
+          </a:p>
+          <a:p>
+            <a:r>
+              <a:rPr lang="zh-CN" altLang="en-US" dirty="0"/>
+              <a:t>然后和点击</a:t>
+            </a:r>
+            <a:r>
+              <a:rPr lang="en-US" altLang="zh-CN" dirty="0"/>
+              <a:t>install</a:t>
+            </a:r>
+            <a:endParaRPr lang="zh-CN" altLang="en-US" dirty="0"/>
+          </a:p>
+        </p:txBody>
+      </p:sp>
+      <p:pic>
+        <p:nvPicPr>
+          <p:cNvPr id="5" name="图片 4">
+            <a:extLst>
+              <a:ext uri="{FF2B5EF4-FFF2-40B4-BE49-F238E27FC236}">
+                <a16:creationId xmlns:a16="http://schemas.microsoft.com/office/drawing/2014/main" id="{10E785F7-28B6-49D6-ADA2-E792416B6FA6}"/>
+              </a:ext>
+            </a:extLst>
+          </p:cNvPr>
+          <p:cNvPicPr>
+            <a:picLocks noChangeAspect="1"/>
+          </p:cNvPicPr>
+          <p:nvPr/>
+        </p:nvPicPr>
+        <p:blipFill>
+          <a:blip r:embed="rId2"/>
+          <a:stretch>
+            <a:fillRect/>
+          </a:stretch>
+        </p:blipFill>
+        <p:spPr>
+          <a:xfrm>
+            <a:off x="4373310" y="1627319"/>
+            <a:ext cx="7089820" cy="4855752"/>
+          </a:xfrm>
+          <a:prstGeom prst="rect">
+            <a:avLst/>
+          </a:prstGeom>
+        </p:spPr>
+      </p:pic>
+    </p:spTree>
+    <p:extLst>
+      <p:ext uri="{BB962C8B-B14F-4D97-AF65-F5344CB8AC3E}">
+        <p14:creationId xmlns:p14="http://schemas.microsoft.com/office/powerpoint/2010/main" val="3896304832"/>
+      </p:ext>
+    </p:extLst>
+  </p:cSld>
+  <p:clrMapOvr>
+    <a:masterClrMapping/>
+  </p:clrMapOvr>
+</p:sld>
+</file>
+
+<file path=ppt/slides/slide46.xml><?xml version="1.0" encoding="utf-8"?>
+<p:sld xmlns:a="http://schemas.openxmlformats.org/drawingml/2006/main" xmlns:r="http://schemas.openxmlformats.org/officeDocument/2006/relationships" xmlns:p="http://schemas.openxmlformats.org/presentationml/2006/main">
+  <p:cSld>
+    <p:spTree>
+      <p:nvGrpSpPr>
+        <p:cNvPr id="1" name=""/>
+        <p:cNvGrpSpPr/>
+        <p:nvPr/>
+      </p:nvGrpSpPr>
+      <p:grpSpPr>
+        <a:xfrm>
+          <a:off x="0" y="0"/>
+          <a:ext cx="0" cy="0"/>
+          <a:chOff x="0" y="0"/>
+          <a:chExt cx="0" cy="0"/>
+        </a:xfrm>
+      </p:grpSpPr>
+      <p:sp>
+        <p:nvSpPr>
+          <p:cNvPr id="2" name="标题 1">
+            <a:extLst>
+              <a:ext uri="{FF2B5EF4-FFF2-40B4-BE49-F238E27FC236}">
+                <a16:creationId xmlns:a16="http://schemas.microsoft.com/office/drawing/2014/main" id="{66EA3FC7-5769-4FD1-9C7F-D6E7668E763F}"/>
+              </a:ext>
+            </a:extLst>
+          </p:cNvPr>
+          <p:cNvSpPr>
+            <a:spLocks noGrp="1"/>
+          </p:cNvSpPr>
+          <p:nvPr>
+            <p:ph type="title"/>
+          </p:nvPr>
+        </p:nvSpPr>
+        <p:spPr/>
+        <p:txBody>
+          <a:bodyPr/>
+          <a:lstStyle/>
+          <a:p>
+            <a:r>
+              <a:rPr lang="en-US" altLang="zh-CN" dirty="0"/>
+              <a:t>ReactNative</a:t>
+            </a:r>
+            <a:r>
+              <a:rPr lang="zh-CN" altLang="en-US" dirty="0"/>
+              <a:t>热更新</a:t>
+            </a:r>
+          </a:p>
+        </p:txBody>
+      </p:sp>
+      <p:sp>
+        <p:nvSpPr>
+          <p:cNvPr id="3" name="内容占位符 2">
+            <a:extLst>
+              <a:ext uri="{FF2B5EF4-FFF2-40B4-BE49-F238E27FC236}">
+                <a16:creationId xmlns:a16="http://schemas.microsoft.com/office/drawing/2014/main" id="{0F8894E1-5B8D-4033-8D81-0303741B89F2}"/>
+              </a:ext>
+            </a:extLst>
+          </p:cNvPr>
+          <p:cNvSpPr>
+            <a:spLocks noGrp="1"/>
+          </p:cNvSpPr>
+          <p:nvPr>
+            <p:ph idx="1"/>
+          </p:nvPr>
+        </p:nvSpPr>
+        <p:spPr/>
+        <p:txBody>
+          <a:bodyPr/>
+          <a:lstStyle/>
+          <a:p>
+            <a:r>
+              <a:rPr lang="zh-CN" altLang="en-US" dirty="0"/>
+              <a:t>在</a:t>
+            </a:r>
+            <a:r>
+              <a:rPr lang="en-US" altLang="zh-CN" dirty="0"/>
+              <a:t>APP.js</a:t>
+            </a:r>
+            <a:r>
+              <a:rPr lang="zh-CN" altLang="en-US" dirty="0"/>
+              <a:t>中编写代码</a:t>
+            </a:r>
+            <a:endParaRPr lang="en-US" altLang="zh-CN" dirty="0"/>
+          </a:p>
+          <a:p>
+            <a:r>
+              <a:rPr lang="zh-CN" altLang="en-US" dirty="0"/>
+              <a:t>代码位置：</a:t>
+            </a:r>
+            <a:endParaRPr lang="en-US" altLang="zh-CN" dirty="0"/>
+          </a:p>
+          <a:p>
+            <a:r>
+              <a:rPr lang="en-US" altLang="zh-CN" dirty="0">
+                <a:hlinkClick r:id="rId2"/>
+              </a:rPr>
+              <a:t>http://code-push.cn/docs/1600.htm</a:t>
+            </a:r>
+            <a:endParaRPr lang="en-US" altLang="zh-CN" dirty="0"/>
+          </a:p>
+          <a:p>
+            <a:r>
+              <a:rPr lang="zh-CN" altLang="en-US" dirty="0"/>
+              <a:t>代码难度不大</a:t>
+            </a:r>
+            <a:endParaRPr lang="en-US" altLang="zh-CN" dirty="0"/>
+          </a:p>
+          <a:p>
+            <a:r>
+              <a:rPr lang="zh-CN" altLang="en-US" dirty="0"/>
+              <a:t>其中可以自定义更新按钮以及更新过程等等</a:t>
+            </a:r>
+            <a:endParaRPr lang="en-US" altLang="zh-CN" dirty="0"/>
+          </a:p>
+          <a:p>
+            <a:r>
+              <a:rPr lang="zh-CN" altLang="en-US" dirty="0"/>
+              <a:t>建议直接</a:t>
+            </a:r>
+            <a:r>
+              <a:rPr lang="en-US" altLang="zh-CN" dirty="0"/>
+              <a:t>copy</a:t>
+            </a:r>
+            <a:r>
+              <a:rPr lang="zh-CN" altLang="en-US" dirty="0"/>
+              <a:t>（写函数组件写失败了，不知道为啥）</a:t>
+            </a:r>
+            <a:endParaRPr lang="en-US" altLang="zh-CN" dirty="0"/>
+          </a:p>
+        </p:txBody>
+      </p:sp>
+    </p:spTree>
+    <p:extLst>
+      <p:ext uri="{BB962C8B-B14F-4D97-AF65-F5344CB8AC3E}">
+        <p14:creationId xmlns:p14="http://schemas.microsoft.com/office/powerpoint/2010/main" val="2253023755"/>
+      </p:ext>
+    </p:extLst>
+  </p:cSld>
+  <p:clrMapOvr>
+    <a:masterClrMapping/>
+  </p:clrMapOvr>
+</p:sld>
+</file>
+
+<file path=ppt/slides/slide47.xml><?xml version="1.0" encoding="utf-8"?>
+<p:sld xmlns:a="http://schemas.openxmlformats.org/drawingml/2006/main" xmlns:r="http://schemas.openxmlformats.org/officeDocument/2006/relationships" xmlns:p="http://schemas.openxmlformats.org/presentationml/2006/main">
+  <p:cSld>
+    <p:spTree>
+      <p:nvGrpSpPr>
+        <p:cNvPr id="1" name=""/>
+        <p:cNvGrpSpPr/>
+        <p:nvPr/>
+      </p:nvGrpSpPr>
+      <p:grpSpPr>
+        <a:xfrm>
+          <a:off x="0" y="0"/>
+          <a:ext cx="0" cy="0"/>
+          <a:chOff x="0" y="0"/>
+          <a:chExt cx="0" cy="0"/>
+        </a:xfrm>
+      </p:grpSpPr>
+      <p:sp>
+        <p:nvSpPr>
+          <p:cNvPr id="2" name="标题 1">
+            <a:extLst>
+              <a:ext uri="{FF2B5EF4-FFF2-40B4-BE49-F238E27FC236}">
+                <a16:creationId xmlns:a16="http://schemas.microsoft.com/office/drawing/2014/main" id="{66EA3FC7-5769-4FD1-9C7F-D6E7668E763F}"/>
+              </a:ext>
+            </a:extLst>
+          </p:cNvPr>
+          <p:cNvSpPr>
+            <a:spLocks noGrp="1"/>
+          </p:cNvSpPr>
+          <p:nvPr>
+            <p:ph type="title"/>
+          </p:nvPr>
+        </p:nvSpPr>
+        <p:spPr/>
+        <p:txBody>
+          <a:bodyPr/>
+          <a:lstStyle/>
+          <a:p>
+            <a:r>
+              <a:rPr lang="en-US" altLang="zh-CN" dirty="0"/>
+              <a:t>ReactNative</a:t>
+            </a:r>
+            <a:r>
+              <a:rPr lang="zh-CN" altLang="en-US" dirty="0"/>
+              <a:t>热更新</a:t>
+            </a:r>
+          </a:p>
+        </p:txBody>
+      </p:sp>
+      <p:sp>
+        <p:nvSpPr>
+          <p:cNvPr id="3" name="内容占位符 2">
+            <a:extLst>
+              <a:ext uri="{FF2B5EF4-FFF2-40B4-BE49-F238E27FC236}">
+                <a16:creationId xmlns:a16="http://schemas.microsoft.com/office/drawing/2014/main" id="{0F8894E1-5B8D-4033-8D81-0303741B89F2}"/>
+              </a:ext>
+            </a:extLst>
+          </p:cNvPr>
+          <p:cNvSpPr>
+            <a:spLocks noGrp="1"/>
+          </p:cNvSpPr>
+          <p:nvPr>
+            <p:ph idx="1"/>
+          </p:nvPr>
+        </p:nvSpPr>
+        <p:spPr/>
+        <p:txBody>
+          <a:bodyPr/>
+          <a:lstStyle/>
+          <a:p>
+            <a:r>
+              <a:rPr lang="zh-CN" altLang="en-US" dirty="0"/>
+              <a:t>生成</a:t>
+            </a:r>
+            <a:r>
+              <a:rPr lang="en-US" altLang="zh-CN" dirty="0" err="1"/>
+              <a:t>apk</a:t>
+            </a:r>
+            <a:endParaRPr lang="en-US" altLang="zh-CN" dirty="0"/>
+          </a:p>
+          <a:p>
+            <a:r>
+              <a:rPr lang="zh-CN" altLang="en-US" dirty="0"/>
+              <a:t>此处不需要任何签名等内容即可生成</a:t>
+            </a:r>
+            <a:r>
+              <a:rPr lang="en-US" altLang="zh-CN" dirty="0"/>
+              <a:t>APK</a:t>
+            </a:r>
+            <a:r>
+              <a:rPr lang="zh-CN" altLang="en-US" dirty="0"/>
+              <a:t>文件</a:t>
+            </a:r>
+            <a:endParaRPr lang="en-US" altLang="zh-CN" dirty="0"/>
+          </a:p>
+          <a:p>
+            <a:r>
+              <a:rPr lang="zh-CN" altLang="en-US" dirty="0"/>
+              <a:t>请耐心等待</a:t>
+            </a:r>
+            <a:endParaRPr lang="en-US" altLang="zh-CN" dirty="0"/>
+          </a:p>
+          <a:p>
+            <a:r>
+              <a:rPr lang="zh-CN" altLang="en-US" dirty="0"/>
+              <a:t>生成好的文件在：</a:t>
+            </a:r>
+            <a:endParaRPr lang="en-US" altLang="zh-CN" dirty="0"/>
+          </a:p>
+          <a:p>
+            <a:r>
+              <a:rPr lang="en-US" altLang="zh-CN" dirty="0"/>
+              <a:t> </a:t>
+            </a:r>
+          </a:p>
+          <a:p>
+            <a:r>
+              <a:rPr lang="zh-CN" altLang="en-US" dirty="0"/>
+              <a:t>将</a:t>
+            </a:r>
+            <a:r>
+              <a:rPr lang="en-US" altLang="zh-CN" dirty="0"/>
+              <a:t>APK</a:t>
+            </a:r>
+            <a:r>
+              <a:rPr lang="zh-CN" altLang="en-US" dirty="0"/>
+              <a:t>传至手机</a:t>
+            </a:r>
+            <a:endParaRPr lang="en-US" altLang="zh-CN" dirty="0"/>
+          </a:p>
+          <a:p>
+            <a:r>
+              <a:rPr lang="zh-CN" altLang="en-US" dirty="0"/>
+              <a:t>在</a:t>
+            </a:r>
+            <a:r>
+              <a:rPr lang="en-US" altLang="zh-CN" dirty="0" err="1"/>
+              <a:t>AndroidStudio</a:t>
+            </a:r>
+            <a:r>
+              <a:rPr lang="zh-CN" altLang="en-US" dirty="0"/>
+              <a:t>模拟器中无法生效</a:t>
+            </a:r>
+            <a:endParaRPr lang="en-US" altLang="zh-CN" dirty="0"/>
+          </a:p>
+          <a:p>
+            <a:endParaRPr lang="en-US" altLang="zh-CN" dirty="0"/>
+          </a:p>
+          <a:p>
+            <a:endParaRPr lang="en-US" altLang="zh-CN" dirty="0"/>
+          </a:p>
+        </p:txBody>
+      </p:sp>
+      <p:pic>
+        <p:nvPicPr>
+          <p:cNvPr id="5" name="图片 4">
+            <a:extLst>
+              <a:ext uri="{FF2B5EF4-FFF2-40B4-BE49-F238E27FC236}">
+                <a16:creationId xmlns:a16="http://schemas.microsoft.com/office/drawing/2014/main" id="{37DA9F55-8AFB-40AF-BD28-F602F24EF9C7}"/>
+              </a:ext>
+            </a:extLst>
+          </p:cNvPr>
+          <p:cNvPicPr>
+            <a:picLocks noChangeAspect="1"/>
+          </p:cNvPicPr>
+          <p:nvPr/>
+        </p:nvPicPr>
+        <p:blipFill>
+          <a:blip r:embed="rId2"/>
+          <a:stretch>
+            <a:fillRect/>
+          </a:stretch>
+        </p:blipFill>
+        <p:spPr>
+          <a:xfrm>
+            <a:off x="6096000" y="2839808"/>
+            <a:ext cx="5881312" cy="3881666"/>
+          </a:xfrm>
+          <a:prstGeom prst="rect">
+            <a:avLst/>
+          </a:prstGeom>
+        </p:spPr>
+      </p:pic>
+      <p:pic>
+        <p:nvPicPr>
+          <p:cNvPr id="7" name="图片 6">
+            <a:extLst>
+              <a:ext uri="{FF2B5EF4-FFF2-40B4-BE49-F238E27FC236}">
+                <a16:creationId xmlns:a16="http://schemas.microsoft.com/office/drawing/2014/main" id="{6B714560-52E2-4DBD-8EBF-7F0DA6F87054}"/>
+              </a:ext>
+            </a:extLst>
+          </p:cNvPr>
+          <p:cNvPicPr>
+            <a:picLocks noChangeAspect="1"/>
+          </p:cNvPicPr>
+          <p:nvPr/>
+        </p:nvPicPr>
+        <p:blipFill>
+          <a:blip r:embed="rId3"/>
+          <a:stretch>
+            <a:fillRect/>
+          </a:stretch>
+        </p:blipFill>
+        <p:spPr>
+          <a:xfrm>
+            <a:off x="634756" y="3429000"/>
+            <a:ext cx="5461244" cy="524527"/>
+          </a:xfrm>
+          <a:prstGeom prst="rect">
+            <a:avLst/>
+          </a:prstGeom>
+        </p:spPr>
+      </p:pic>
+    </p:spTree>
+    <p:extLst>
+      <p:ext uri="{BB962C8B-B14F-4D97-AF65-F5344CB8AC3E}">
+        <p14:creationId xmlns:p14="http://schemas.microsoft.com/office/powerpoint/2010/main" val="1575908673"/>
+      </p:ext>
+    </p:extLst>
+  </p:cSld>
+  <p:clrMapOvr>
+    <a:masterClrMapping/>
+  </p:clrMapOvr>
+</p:sld>
+</file>
+
+<file path=ppt/slides/slide48.xml><?xml version="1.0" encoding="utf-8"?>
+<p:sld xmlns:a="http://schemas.openxmlformats.org/drawingml/2006/main" xmlns:r="http://schemas.openxmlformats.org/officeDocument/2006/relationships" xmlns:p="http://schemas.openxmlformats.org/presentationml/2006/main">
+  <p:cSld>
+    <p:spTree>
+      <p:nvGrpSpPr>
+        <p:cNvPr id="1" name=""/>
+        <p:cNvGrpSpPr/>
+        <p:nvPr/>
+      </p:nvGrpSpPr>
+      <p:grpSpPr>
+        <a:xfrm>
+          <a:off x="0" y="0"/>
+          <a:ext cx="0" cy="0"/>
+          <a:chOff x="0" y="0"/>
+          <a:chExt cx="0" cy="0"/>
+        </a:xfrm>
+      </p:grpSpPr>
+      <p:sp>
+        <p:nvSpPr>
+          <p:cNvPr id="2" name="标题 1">
+            <a:extLst>
+              <a:ext uri="{FF2B5EF4-FFF2-40B4-BE49-F238E27FC236}">
+                <a16:creationId xmlns:a16="http://schemas.microsoft.com/office/drawing/2014/main" id="{9729BFF1-27FB-4BB0-9394-588C1E9D9D7F}"/>
+              </a:ext>
+            </a:extLst>
+          </p:cNvPr>
+          <p:cNvSpPr>
+            <a:spLocks noGrp="1"/>
+          </p:cNvSpPr>
+          <p:nvPr>
+            <p:ph type="title"/>
+          </p:nvPr>
+        </p:nvSpPr>
+        <p:spPr/>
+        <p:txBody>
+          <a:bodyPr/>
+          <a:lstStyle/>
+          <a:p>
+            <a:r>
+              <a:rPr lang="en-US" altLang="zh-CN" dirty="0"/>
+              <a:t>ReactNative</a:t>
+            </a:r>
+            <a:r>
+              <a:rPr lang="zh-CN" altLang="en-US" dirty="0"/>
+              <a:t>热更新</a:t>
+            </a:r>
+          </a:p>
+        </p:txBody>
+      </p:sp>
+      <p:sp>
+        <p:nvSpPr>
+          <p:cNvPr id="3" name="内容占位符 2">
+            <a:extLst>
+              <a:ext uri="{FF2B5EF4-FFF2-40B4-BE49-F238E27FC236}">
+                <a16:creationId xmlns:a16="http://schemas.microsoft.com/office/drawing/2014/main" id="{E8B2A16B-420B-4D08-9983-212C8DB5F429}"/>
+              </a:ext>
+            </a:extLst>
+          </p:cNvPr>
+          <p:cNvSpPr>
+            <a:spLocks noGrp="1"/>
+          </p:cNvSpPr>
+          <p:nvPr>
+            <p:ph idx="1"/>
+          </p:nvPr>
+        </p:nvSpPr>
+        <p:spPr/>
+        <p:txBody>
+          <a:bodyPr/>
+          <a:lstStyle/>
+          <a:p>
+            <a:r>
+              <a:rPr lang="zh-CN" altLang="en-US" dirty="0"/>
+              <a:t>安卓模拟器中无法生效：</a:t>
+            </a:r>
+          </a:p>
+        </p:txBody>
+      </p:sp>
+      <p:pic>
+        <p:nvPicPr>
+          <p:cNvPr id="5" name="图片 4">
+            <a:extLst>
+              <a:ext uri="{FF2B5EF4-FFF2-40B4-BE49-F238E27FC236}">
+                <a16:creationId xmlns:a16="http://schemas.microsoft.com/office/drawing/2014/main" id="{5019186F-ABAC-4936-BD9E-3408419B4AB8}"/>
+              </a:ext>
+            </a:extLst>
+          </p:cNvPr>
+          <p:cNvPicPr>
+            <a:picLocks noChangeAspect="1"/>
+          </p:cNvPicPr>
+          <p:nvPr/>
+        </p:nvPicPr>
+        <p:blipFill>
+          <a:blip r:embed="rId2"/>
+          <a:stretch>
+            <a:fillRect/>
+          </a:stretch>
+        </p:blipFill>
+        <p:spPr>
+          <a:xfrm>
+            <a:off x="6628802" y="1635452"/>
+            <a:ext cx="5152381" cy="4847619"/>
+          </a:xfrm>
+          <a:prstGeom prst="rect">
+            <a:avLst/>
+          </a:prstGeom>
+        </p:spPr>
+      </p:pic>
+    </p:spTree>
+    <p:extLst>
+      <p:ext uri="{BB962C8B-B14F-4D97-AF65-F5344CB8AC3E}">
+        <p14:creationId xmlns:p14="http://schemas.microsoft.com/office/powerpoint/2010/main" val="1142977429"/>
+      </p:ext>
+    </p:extLst>
+  </p:cSld>
+  <p:clrMapOvr>
+    <a:masterClrMapping/>
+  </p:clrMapOvr>
+</p:sld>
+</file>
+
+<file path=ppt/slides/slide49.xml><?xml version="1.0" encoding="utf-8"?>
+<p:sld xmlns:a="http://schemas.openxmlformats.org/drawingml/2006/main" xmlns:r="http://schemas.openxmlformats.org/officeDocument/2006/relationships" xmlns:p="http://schemas.openxmlformats.org/presentationml/2006/main">
+  <p:cSld>
+    <p:spTree>
+      <p:nvGrpSpPr>
+        <p:cNvPr id="1" name=""/>
+        <p:cNvGrpSpPr/>
+        <p:nvPr/>
+      </p:nvGrpSpPr>
+      <p:grpSpPr>
+        <a:xfrm>
+          <a:off x="0" y="0"/>
+          <a:ext cx="0" cy="0"/>
+          <a:chOff x="0" y="0"/>
+          <a:chExt cx="0" cy="0"/>
+        </a:xfrm>
+      </p:grpSpPr>
+      <p:sp>
+        <p:nvSpPr>
+          <p:cNvPr id="2" name="标题 1">
+            <a:extLst>
+              <a:ext uri="{FF2B5EF4-FFF2-40B4-BE49-F238E27FC236}">
+                <a16:creationId xmlns:a16="http://schemas.microsoft.com/office/drawing/2014/main" id="{66EA3FC7-5769-4FD1-9C7F-D6E7668E763F}"/>
+              </a:ext>
+            </a:extLst>
+          </p:cNvPr>
+          <p:cNvSpPr>
+            <a:spLocks noGrp="1"/>
+          </p:cNvSpPr>
+          <p:nvPr>
+            <p:ph type="title"/>
+          </p:nvPr>
+        </p:nvSpPr>
+        <p:spPr/>
+        <p:txBody>
+          <a:bodyPr/>
+          <a:lstStyle/>
+          <a:p>
+            <a:r>
+              <a:rPr lang="en-US" altLang="zh-CN" dirty="0"/>
+              <a:t>ReactNative</a:t>
+            </a:r>
+            <a:r>
+              <a:rPr lang="zh-CN" altLang="en-US" dirty="0"/>
+              <a:t>热更新</a:t>
+            </a:r>
+          </a:p>
+        </p:txBody>
+      </p:sp>
+      <p:sp>
+        <p:nvSpPr>
+          <p:cNvPr id="3" name="内容占位符 2">
+            <a:extLst>
+              <a:ext uri="{FF2B5EF4-FFF2-40B4-BE49-F238E27FC236}">
+                <a16:creationId xmlns:a16="http://schemas.microsoft.com/office/drawing/2014/main" id="{0F8894E1-5B8D-4033-8D81-0303741B89F2}"/>
+              </a:ext>
+            </a:extLst>
+          </p:cNvPr>
+          <p:cNvSpPr>
+            <a:spLocks noGrp="1"/>
+          </p:cNvSpPr>
+          <p:nvPr>
+            <p:ph idx="1"/>
+          </p:nvPr>
+        </p:nvSpPr>
+        <p:spPr/>
+        <p:txBody>
+          <a:bodyPr/>
+          <a:lstStyle/>
+          <a:p>
+            <a:r>
+              <a:rPr lang="zh-CN" altLang="en-US" dirty="0"/>
+              <a:t>安装后点开手机内容观察效果</a:t>
+            </a:r>
+            <a:endParaRPr lang="en-US" altLang="zh-CN" dirty="0"/>
+          </a:p>
+          <a:p>
+            <a:r>
+              <a:rPr lang="zh-CN" altLang="en-US" dirty="0"/>
+              <a:t>安装成功</a:t>
+            </a:r>
+          </a:p>
+        </p:txBody>
+      </p:sp>
+      <p:pic>
+        <p:nvPicPr>
+          <p:cNvPr id="5" name="图片 4">
+            <a:extLst>
+              <a:ext uri="{FF2B5EF4-FFF2-40B4-BE49-F238E27FC236}">
+                <a16:creationId xmlns:a16="http://schemas.microsoft.com/office/drawing/2014/main" id="{85C53019-76B1-4EBD-B6E9-E9E07AC352C6}"/>
+              </a:ext>
+            </a:extLst>
+          </p:cNvPr>
+          <p:cNvPicPr>
+            <a:picLocks noChangeAspect="1"/>
+          </p:cNvPicPr>
+          <p:nvPr/>
+        </p:nvPicPr>
+        <p:blipFill>
+          <a:blip r:embed="rId2">
+            <a:extLst>
+              <a:ext uri="{28A0092B-C50C-407E-A947-70E740481C1C}">
+                <a14:useLocalDpi xmlns:a14="http://schemas.microsoft.com/office/drawing/2010/main" val="0"/>
+              </a:ext>
+            </a:extLst>
+          </a:blip>
+          <a:stretch>
+            <a:fillRect/>
+          </a:stretch>
+        </p:blipFill>
+        <p:spPr>
+          <a:xfrm>
+            <a:off x="6096000" y="1460499"/>
+            <a:ext cx="2179651" cy="4843669"/>
+          </a:xfrm>
+          <a:prstGeom prst="rect">
+            <a:avLst/>
+          </a:prstGeom>
+        </p:spPr>
+      </p:pic>
+    </p:spTree>
+    <p:extLst>
+      <p:ext uri="{BB962C8B-B14F-4D97-AF65-F5344CB8AC3E}">
+        <p14:creationId xmlns:p14="http://schemas.microsoft.com/office/powerpoint/2010/main" val="4143143232"/>
+      </p:ext>
+    </p:extLst>
+  </p:cSld>
+  <p:clrMapOvr>
+    <a:masterClrMapping/>
+  </p:clrMapOvr>
+</p:sld>
+</file>
+
+<file path=ppt/slides/slide5.xml><?xml version="1.0" encoding="utf-8"?>
+<p:sld xmlns:a="http://schemas.openxmlformats.org/drawingml/2006/main" xmlns:r="http://schemas.openxmlformats.org/officeDocument/2006/relationships" xmlns:p="http://schemas.openxmlformats.org/presentationml/2006/main">
+  <p:cSld>
+    <p:spTree>
+      <p:nvGrpSpPr>
+        <p:cNvPr id="1" name=""/>
+        <p:cNvGrpSpPr/>
+        <p:nvPr/>
+      </p:nvGrpSpPr>
+      <p:grpSpPr>
+        <a:xfrm>
+          <a:off x="0" y="0"/>
+          <a:ext cx="0" cy="0"/>
+          <a:chOff x="0" y="0"/>
+          <a:chExt cx="0" cy="0"/>
+        </a:xfrm>
+      </p:grpSpPr>
+      <p:sp>
+        <p:nvSpPr>
+          <p:cNvPr id="2" name="标题 1">
+            <a:extLst>
+              <a:ext uri="{FF2B5EF4-FFF2-40B4-BE49-F238E27FC236}">
                 <a16:creationId xmlns:a16="http://schemas.microsoft.com/office/drawing/2014/main" id="{6CC7B8D7-903A-4B68-997F-AB30AA192C30}"/>
               </a:ext>
             </a:extLst>
@@ -11497,7 +13691,1232 @@
 </p:sld>
 </file>
 
-<file path=ppt/slides/slide5.xml><?xml version="1.0" encoding="utf-8"?>
+<file path=ppt/slides/slide50.xml><?xml version="1.0" encoding="utf-8"?>
+<p:sld xmlns:a="http://schemas.openxmlformats.org/drawingml/2006/main" xmlns:r="http://schemas.openxmlformats.org/officeDocument/2006/relationships" xmlns:p="http://schemas.openxmlformats.org/presentationml/2006/main">
+  <p:cSld>
+    <p:spTree>
+      <p:nvGrpSpPr>
+        <p:cNvPr id="1" name=""/>
+        <p:cNvGrpSpPr/>
+        <p:nvPr/>
+      </p:nvGrpSpPr>
+      <p:grpSpPr>
+        <a:xfrm>
+          <a:off x="0" y="0"/>
+          <a:ext cx="0" cy="0"/>
+          <a:chOff x="0" y="0"/>
+          <a:chExt cx="0" cy="0"/>
+        </a:xfrm>
+      </p:grpSpPr>
+      <p:sp>
+        <p:nvSpPr>
+          <p:cNvPr id="2" name="标题 1">
+            <a:extLst>
+              <a:ext uri="{FF2B5EF4-FFF2-40B4-BE49-F238E27FC236}">
+                <a16:creationId xmlns:a16="http://schemas.microsoft.com/office/drawing/2014/main" id="{66EA3FC7-5769-4FD1-9C7F-D6E7668E763F}"/>
+              </a:ext>
+            </a:extLst>
+          </p:cNvPr>
+          <p:cNvSpPr>
+            <a:spLocks noGrp="1"/>
+          </p:cNvSpPr>
+          <p:nvPr>
+            <p:ph type="title"/>
+          </p:nvPr>
+        </p:nvSpPr>
+        <p:spPr/>
+        <p:txBody>
+          <a:bodyPr/>
+          <a:lstStyle/>
+          <a:p>
+            <a:r>
+              <a:rPr lang="en-US" altLang="zh-CN" dirty="0"/>
+              <a:t>ReactNative</a:t>
+            </a:r>
+            <a:r>
+              <a:rPr lang="zh-CN" altLang="en-US" dirty="0"/>
+              <a:t>热更新</a:t>
+            </a:r>
+          </a:p>
+        </p:txBody>
+      </p:sp>
+      <p:sp>
+        <p:nvSpPr>
+          <p:cNvPr id="3" name="内容占位符 2">
+            <a:extLst>
+              <a:ext uri="{FF2B5EF4-FFF2-40B4-BE49-F238E27FC236}">
+                <a16:creationId xmlns:a16="http://schemas.microsoft.com/office/drawing/2014/main" id="{0F8894E1-5B8D-4033-8D81-0303741B89F2}"/>
+              </a:ext>
+            </a:extLst>
+          </p:cNvPr>
+          <p:cNvSpPr>
+            <a:spLocks noGrp="1"/>
+          </p:cNvSpPr>
+          <p:nvPr>
+            <p:ph idx="1"/>
+          </p:nvPr>
+        </p:nvSpPr>
+        <p:spPr/>
+        <p:txBody>
+          <a:bodyPr/>
+          <a:lstStyle/>
+          <a:p>
+            <a:r>
+              <a:rPr lang="zh-CN" altLang="en-US" dirty="0"/>
+              <a:t>修改</a:t>
+            </a:r>
+            <a:r>
+              <a:rPr lang="en-US" altLang="zh-CN" dirty="0"/>
+              <a:t>App.js</a:t>
+            </a:r>
+            <a:r>
+              <a:rPr lang="zh-CN" altLang="en-US" dirty="0"/>
+              <a:t>中的内容</a:t>
+            </a:r>
+            <a:endParaRPr lang="en-US" altLang="zh-CN" dirty="0"/>
+          </a:p>
+          <a:p>
+            <a:endParaRPr lang="en-US" altLang="zh-CN" dirty="0"/>
+          </a:p>
+          <a:p>
+            <a:endParaRPr lang="en-US" altLang="zh-CN" dirty="0"/>
+          </a:p>
+          <a:p>
+            <a:endParaRPr lang="en-US" altLang="zh-CN" dirty="0"/>
+          </a:p>
+          <a:p>
+            <a:r>
+              <a:rPr lang="zh-CN" altLang="en-US" dirty="0"/>
+              <a:t>点击发布新版本</a:t>
+            </a:r>
+            <a:endParaRPr lang="en-US" altLang="zh-CN" dirty="0"/>
+          </a:p>
+          <a:p>
+            <a:endParaRPr lang="zh-CN" altLang="en-US" dirty="0"/>
+          </a:p>
+        </p:txBody>
+      </p:sp>
+      <p:pic>
+        <p:nvPicPr>
+          <p:cNvPr id="5" name="图片 4">
+            <a:extLst>
+              <a:ext uri="{FF2B5EF4-FFF2-40B4-BE49-F238E27FC236}">
+                <a16:creationId xmlns:a16="http://schemas.microsoft.com/office/drawing/2014/main" id="{61780C7E-C61B-4748-8613-D2D53DFAEC51}"/>
+              </a:ext>
+            </a:extLst>
+          </p:cNvPr>
+          <p:cNvPicPr>
+            <a:picLocks noChangeAspect="1"/>
+          </p:cNvPicPr>
+          <p:nvPr/>
+        </p:nvPicPr>
+        <p:blipFill>
+          <a:blip r:embed="rId2"/>
+          <a:stretch>
+            <a:fillRect/>
+          </a:stretch>
+        </p:blipFill>
+        <p:spPr>
+          <a:xfrm>
+            <a:off x="560079" y="2185844"/>
+            <a:ext cx="9428571" cy="1028571"/>
+          </a:xfrm>
+          <a:prstGeom prst="rect">
+            <a:avLst/>
+          </a:prstGeom>
+        </p:spPr>
+      </p:pic>
+      <p:pic>
+        <p:nvPicPr>
+          <p:cNvPr id="7" name="Picture 2" descr="CodePush调试测试-发布新版本">
+            <a:extLst>
+              <a:ext uri="{FF2B5EF4-FFF2-40B4-BE49-F238E27FC236}">
+                <a16:creationId xmlns:a16="http://schemas.microsoft.com/office/drawing/2014/main" id="{E646F1C4-C624-4FB3-ADCD-A671F3CECCA0}"/>
+              </a:ext>
+            </a:extLst>
+          </p:cNvPr>
+          <p:cNvPicPr>
+            <a:picLocks noChangeAspect="1" noChangeArrowheads="1"/>
+          </p:cNvPicPr>
+          <p:nvPr/>
+        </p:nvPicPr>
+        <p:blipFill>
+          <a:blip r:embed="rId3">
+            <a:extLst>
+              <a:ext uri="{28A0092B-C50C-407E-A947-70E740481C1C}">
+                <a14:useLocalDpi xmlns:a14="http://schemas.microsoft.com/office/drawing/2010/main" val="0"/>
+              </a:ext>
+            </a:extLst>
+          </a:blip>
+          <a:srcRect/>
+          <a:stretch>
+            <a:fillRect/>
+          </a:stretch>
+        </p:blipFill>
+        <p:spPr bwMode="auto">
+          <a:xfrm>
+            <a:off x="7262744" y="3643586"/>
+            <a:ext cx="4518439" cy="2982377"/>
+          </a:xfrm>
+          <a:prstGeom prst="rect">
+            <a:avLst/>
+          </a:prstGeom>
+          <a:noFill/>
+          <a:extLst>
+            <a:ext uri="{909E8E84-426E-40DD-AFC4-6F175D3DCCD1}">
+              <a14:hiddenFill xmlns:a14="http://schemas.microsoft.com/office/drawing/2010/main">
+                <a:solidFill>
+                  <a:srgbClr val="FFFFFF"/>
+                </a:solidFill>
+              </a14:hiddenFill>
+            </a:ext>
+          </a:extLst>
+        </p:spPr>
+      </p:pic>
+    </p:spTree>
+    <p:extLst>
+      <p:ext uri="{BB962C8B-B14F-4D97-AF65-F5344CB8AC3E}">
+        <p14:creationId xmlns:p14="http://schemas.microsoft.com/office/powerpoint/2010/main" val="1656997330"/>
+      </p:ext>
+    </p:extLst>
+  </p:cSld>
+  <p:clrMapOvr>
+    <a:masterClrMapping/>
+  </p:clrMapOvr>
+</p:sld>
+</file>
+
+<file path=ppt/slides/slide51.xml><?xml version="1.0" encoding="utf-8"?>
+<p:sld xmlns:a="http://schemas.openxmlformats.org/drawingml/2006/main" xmlns:r="http://schemas.openxmlformats.org/officeDocument/2006/relationships" xmlns:p="http://schemas.openxmlformats.org/presentationml/2006/main">
+  <p:cSld>
+    <p:spTree>
+      <p:nvGrpSpPr>
+        <p:cNvPr id="1" name=""/>
+        <p:cNvGrpSpPr/>
+        <p:nvPr/>
+      </p:nvGrpSpPr>
+      <p:grpSpPr>
+        <a:xfrm>
+          <a:off x="0" y="0"/>
+          <a:ext cx="0" cy="0"/>
+          <a:chOff x="0" y="0"/>
+          <a:chExt cx="0" cy="0"/>
+        </a:xfrm>
+      </p:grpSpPr>
+      <p:sp>
+        <p:nvSpPr>
+          <p:cNvPr id="2" name="标题 1">
+            <a:extLst>
+              <a:ext uri="{FF2B5EF4-FFF2-40B4-BE49-F238E27FC236}">
+                <a16:creationId xmlns:a16="http://schemas.microsoft.com/office/drawing/2014/main" id="{66EA3FC7-5769-4FD1-9C7F-D6E7668E763F}"/>
+              </a:ext>
+            </a:extLst>
+          </p:cNvPr>
+          <p:cNvSpPr>
+            <a:spLocks noGrp="1"/>
+          </p:cNvSpPr>
+          <p:nvPr>
+            <p:ph type="title"/>
+          </p:nvPr>
+        </p:nvSpPr>
+        <p:spPr/>
+        <p:txBody>
+          <a:bodyPr/>
+          <a:lstStyle/>
+          <a:p>
+            <a:r>
+              <a:rPr lang="en-US" altLang="zh-CN" dirty="0"/>
+              <a:t>ReactNative</a:t>
+            </a:r>
+            <a:r>
+              <a:rPr lang="zh-CN" altLang="en-US" dirty="0"/>
+              <a:t>热更新</a:t>
+            </a:r>
+          </a:p>
+        </p:txBody>
+      </p:sp>
+      <p:sp>
+        <p:nvSpPr>
+          <p:cNvPr id="3" name="内容占位符 2">
+            <a:extLst>
+              <a:ext uri="{FF2B5EF4-FFF2-40B4-BE49-F238E27FC236}">
+                <a16:creationId xmlns:a16="http://schemas.microsoft.com/office/drawing/2014/main" id="{0F8894E1-5B8D-4033-8D81-0303741B89F2}"/>
+              </a:ext>
+            </a:extLst>
+          </p:cNvPr>
+          <p:cNvSpPr>
+            <a:spLocks noGrp="1"/>
+          </p:cNvSpPr>
+          <p:nvPr>
+            <p:ph idx="1"/>
+          </p:nvPr>
+        </p:nvSpPr>
+        <p:spPr/>
+        <p:txBody>
+          <a:bodyPr/>
+          <a:lstStyle/>
+          <a:p>
+            <a:r>
+              <a:rPr lang="zh-CN" altLang="en-US" dirty="0"/>
+              <a:t>观察手机上的效果：</a:t>
+            </a:r>
+            <a:endParaRPr lang="en-US" altLang="zh-CN" dirty="0"/>
+          </a:p>
+          <a:p>
+            <a:r>
+              <a:rPr lang="en-US" altLang="zh-CN" dirty="0" err="1"/>
+              <a:t>codepush</a:t>
+            </a:r>
+            <a:r>
+              <a:rPr lang="zh-CN" altLang="en-US" dirty="0"/>
+              <a:t>配置成功</a:t>
+            </a:r>
+            <a:endParaRPr lang="en-US" altLang="zh-CN" dirty="0"/>
+          </a:p>
+          <a:p>
+            <a:endParaRPr lang="en-US" altLang="zh-CN" dirty="0"/>
+          </a:p>
+          <a:p>
+            <a:endParaRPr lang="zh-CN" altLang="en-US" dirty="0"/>
+          </a:p>
+        </p:txBody>
+      </p:sp>
+      <p:pic>
+        <p:nvPicPr>
+          <p:cNvPr id="5" name="图片 4">
+            <a:extLst>
+              <a:ext uri="{FF2B5EF4-FFF2-40B4-BE49-F238E27FC236}">
+                <a16:creationId xmlns:a16="http://schemas.microsoft.com/office/drawing/2014/main" id="{940822F1-0B56-4B42-8702-00B65F8AFA15}"/>
+              </a:ext>
+            </a:extLst>
+          </p:cNvPr>
+          <p:cNvPicPr>
+            <a:picLocks noChangeAspect="1"/>
+          </p:cNvPicPr>
+          <p:nvPr/>
+        </p:nvPicPr>
+        <p:blipFill>
+          <a:blip r:embed="rId2">
+            <a:extLst>
+              <a:ext uri="{28A0092B-C50C-407E-A947-70E740481C1C}">
+                <a14:useLocalDpi xmlns:a14="http://schemas.microsoft.com/office/drawing/2010/main" val="0"/>
+              </a:ext>
+            </a:extLst>
+          </a:blip>
+          <a:stretch>
+            <a:fillRect/>
+          </a:stretch>
+        </p:blipFill>
+        <p:spPr>
+          <a:xfrm>
+            <a:off x="5738191" y="1628083"/>
+            <a:ext cx="1982857" cy="4406348"/>
+          </a:xfrm>
+          <a:prstGeom prst="rect">
+            <a:avLst/>
+          </a:prstGeom>
+        </p:spPr>
+      </p:pic>
+      <p:pic>
+        <p:nvPicPr>
+          <p:cNvPr id="7" name="图片 6">
+            <a:extLst>
+              <a:ext uri="{FF2B5EF4-FFF2-40B4-BE49-F238E27FC236}">
+                <a16:creationId xmlns:a16="http://schemas.microsoft.com/office/drawing/2014/main" id="{88F7E11E-D7C5-49A4-987D-7FB325506140}"/>
+              </a:ext>
+            </a:extLst>
+          </p:cNvPr>
+          <p:cNvPicPr>
+            <a:picLocks noChangeAspect="1"/>
+          </p:cNvPicPr>
+          <p:nvPr/>
+        </p:nvPicPr>
+        <p:blipFill>
+          <a:blip r:embed="rId3">
+            <a:extLst>
+              <a:ext uri="{28A0092B-C50C-407E-A947-70E740481C1C}">
+                <a14:useLocalDpi xmlns:a14="http://schemas.microsoft.com/office/drawing/2010/main" val="0"/>
+              </a:ext>
+            </a:extLst>
+          </a:blip>
+          <a:stretch>
+            <a:fillRect/>
+          </a:stretch>
+        </p:blipFill>
+        <p:spPr>
+          <a:xfrm>
+            <a:off x="8743081" y="1628084"/>
+            <a:ext cx="1982858" cy="4406350"/>
+          </a:xfrm>
+          <a:prstGeom prst="rect">
+            <a:avLst/>
+          </a:prstGeom>
+        </p:spPr>
+      </p:pic>
+    </p:spTree>
+    <p:extLst>
+      <p:ext uri="{BB962C8B-B14F-4D97-AF65-F5344CB8AC3E}">
+        <p14:creationId xmlns:p14="http://schemas.microsoft.com/office/powerpoint/2010/main" val="3331093769"/>
+      </p:ext>
+    </p:extLst>
+  </p:cSld>
+  <p:clrMapOvr>
+    <a:masterClrMapping/>
+  </p:clrMapOvr>
+</p:sld>
+</file>
+
+<file path=ppt/slides/slide52.xml><?xml version="1.0" encoding="utf-8"?>
+<p:sld xmlns:a="http://schemas.openxmlformats.org/drawingml/2006/main" xmlns:r="http://schemas.openxmlformats.org/officeDocument/2006/relationships" xmlns:p="http://schemas.openxmlformats.org/presentationml/2006/main">
+  <p:cSld>
+    <p:spTree>
+      <p:nvGrpSpPr>
+        <p:cNvPr id="1" name=""/>
+        <p:cNvGrpSpPr/>
+        <p:nvPr/>
+      </p:nvGrpSpPr>
+      <p:grpSpPr>
+        <a:xfrm>
+          <a:off x="0" y="0"/>
+          <a:ext cx="0" cy="0"/>
+          <a:chOff x="0" y="0"/>
+          <a:chExt cx="0" cy="0"/>
+        </a:xfrm>
+      </p:grpSpPr>
+      <p:sp>
+        <p:nvSpPr>
+          <p:cNvPr id="2" name="标题 1">
+            <a:extLst>
+              <a:ext uri="{FF2B5EF4-FFF2-40B4-BE49-F238E27FC236}">
+                <a16:creationId xmlns:a16="http://schemas.microsoft.com/office/drawing/2014/main" id="{B8F7D24E-C87E-4136-B069-74A11CA55FA2}"/>
+              </a:ext>
+            </a:extLst>
+          </p:cNvPr>
+          <p:cNvSpPr>
+            <a:spLocks noGrp="1"/>
+          </p:cNvSpPr>
+          <p:nvPr>
+            <p:ph type="title"/>
+          </p:nvPr>
+        </p:nvSpPr>
+        <p:spPr/>
+        <p:txBody>
+          <a:bodyPr/>
+          <a:lstStyle/>
+          <a:p>
+            <a:r>
+              <a:rPr lang="en-US" altLang="zh-CN" dirty="0"/>
+              <a:t>ReactNative</a:t>
+            </a:r>
+            <a:r>
+              <a:rPr lang="zh-CN" altLang="en-US" dirty="0"/>
+              <a:t>热更新</a:t>
+            </a:r>
+          </a:p>
+        </p:txBody>
+      </p:sp>
+      <p:sp>
+        <p:nvSpPr>
+          <p:cNvPr id="3" name="内容占位符 2">
+            <a:extLst>
+              <a:ext uri="{FF2B5EF4-FFF2-40B4-BE49-F238E27FC236}">
+                <a16:creationId xmlns:a16="http://schemas.microsoft.com/office/drawing/2014/main" id="{4AEFB9D7-842F-4C6D-A4E4-01E7AFA6B913}"/>
+              </a:ext>
+            </a:extLst>
+          </p:cNvPr>
+          <p:cNvSpPr>
+            <a:spLocks noGrp="1"/>
+          </p:cNvSpPr>
+          <p:nvPr>
+            <p:ph idx="1"/>
+          </p:nvPr>
+        </p:nvSpPr>
+        <p:spPr/>
+        <p:txBody>
+          <a:bodyPr/>
+          <a:lstStyle/>
+          <a:p>
+            <a:pPr>
+              <a:spcAft>
+                <a:spcPts val="600"/>
+              </a:spcAft>
+            </a:pPr>
+            <a:r>
+              <a:rPr lang="zh-CN" altLang="en-US" dirty="0"/>
+              <a:t>将原先项目回退至没有任何版本签名时期的版本</a:t>
+            </a:r>
+            <a:endParaRPr lang="en-US" altLang="zh-CN" dirty="0"/>
+          </a:p>
+          <a:p>
+            <a:pPr>
+              <a:spcAft>
+                <a:spcPts val="600"/>
+              </a:spcAft>
+            </a:pPr>
+            <a:r>
+              <a:rPr lang="en-US" altLang="zh-CN" dirty="0"/>
+              <a:t>git reset --hard [</a:t>
+            </a:r>
+            <a:r>
+              <a:rPr lang="zh-CN" altLang="en-US" dirty="0"/>
+              <a:t>版本号</a:t>
+            </a:r>
+            <a:r>
+              <a:rPr lang="en-US" altLang="zh-CN" dirty="0"/>
+              <a:t>]</a:t>
+            </a:r>
+          </a:p>
+          <a:p>
+            <a:pPr>
+              <a:spcAft>
+                <a:spcPts val="600"/>
+              </a:spcAft>
+            </a:pPr>
+            <a:r>
+              <a:rPr lang="zh-CN" altLang="en-US" dirty="0"/>
+              <a:t>重启电脑后新建虚拟机</a:t>
+            </a:r>
+            <a:endParaRPr lang="en-US" altLang="zh-CN" dirty="0"/>
+          </a:p>
+          <a:p>
+            <a:pPr>
+              <a:spcAft>
+                <a:spcPts val="600"/>
+              </a:spcAft>
+            </a:pPr>
+            <a:r>
+              <a:rPr lang="zh-CN" altLang="en-US" dirty="0"/>
+              <a:t>再进行配置</a:t>
+            </a:r>
+            <a:r>
+              <a:rPr lang="en-US" altLang="zh-CN" dirty="0" err="1"/>
+              <a:t>codepush</a:t>
+            </a:r>
+            <a:r>
+              <a:rPr lang="zh-CN" altLang="en-US" dirty="0"/>
+              <a:t>的操作，发现还是不行，发生闪退</a:t>
+            </a:r>
+            <a:endParaRPr lang="en-US" altLang="zh-CN" dirty="0"/>
+          </a:p>
+          <a:p>
+            <a:pPr>
+              <a:spcAft>
+                <a:spcPts val="600"/>
+              </a:spcAft>
+            </a:pPr>
+            <a:r>
+              <a:rPr lang="zh-CN" altLang="en-US" dirty="0"/>
+              <a:t>还是不行</a:t>
+            </a:r>
+            <a:r>
+              <a:rPr lang="en-US" altLang="zh-CN" dirty="0"/>
+              <a:t>~~~</a:t>
+            </a:r>
+            <a:endParaRPr lang="zh-CN" altLang="en-US" dirty="0"/>
+          </a:p>
+        </p:txBody>
+      </p:sp>
+    </p:spTree>
+    <p:extLst>
+      <p:ext uri="{BB962C8B-B14F-4D97-AF65-F5344CB8AC3E}">
+        <p14:creationId xmlns:p14="http://schemas.microsoft.com/office/powerpoint/2010/main" val="365502954"/>
+      </p:ext>
+    </p:extLst>
+  </p:cSld>
+  <p:clrMapOvr>
+    <a:masterClrMapping/>
+  </p:clrMapOvr>
+</p:sld>
+</file>
+
+<file path=ppt/slides/slide53.xml><?xml version="1.0" encoding="utf-8"?>
+<p:sld xmlns:a="http://schemas.openxmlformats.org/drawingml/2006/main" xmlns:r="http://schemas.openxmlformats.org/officeDocument/2006/relationships" xmlns:p="http://schemas.openxmlformats.org/presentationml/2006/main">
+  <p:cSld>
+    <p:spTree>
+      <p:nvGrpSpPr>
+        <p:cNvPr id="1" name=""/>
+        <p:cNvGrpSpPr/>
+        <p:nvPr/>
+      </p:nvGrpSpPr>
+      <p:grpSpPr>
+        <a:xfrm>
+          <a:off x="0" y="0"/>
+          <a:ext cx="0" cy="0"/>
+          <a:chOff x="0" y="0"/>
+          <a:chExt cx="0" cy="0"/>
+        </a:xfrm>
+      </p:grpSpPr>
+      <p:sp>
+        <p:nvSpPr>
+          <p:cNvPr id="2" name="标题 1">
+            <a:extLst>
+              <a:ext uri="{FF2B5EF4-FFF2-40B4-BE49-F238E27FC236}">
+                <a16:creationId xmlns:a16="http://schemas.microsoft.com/office/drawing/2014/main" id="{8266B76B-0620-4CC2-864D-130081208223}"/>
+              </a:ext>
+            </a:extLst>
+          </p:cNvPr>
+          <p:cNvSpPr>
+            <a:spLocks noGrp="1"/>
+          </p:cNvSpPr>
+          <p:nvPr>
+            <p:ph type="title"/>
+          </p:nvPr>
+        </p:nvSpPr>
+        <p:spPr/>
+        <p:txBody>
+          <a:bodyPr/>
+          <a:lstStyle/>
+          <a:p>
+            <a:r>
+              <a:rPr lang="en-US" altLang="zh-CN" dirty="0" err="1"/>
+              <a:t>cpcn</a:t>
+            </a:r>
+            <a:r>
+              <a:rPr lang="en-US" altLang="zh-CN" dirty="0"/>
+              <a:t>-client</a:t>
+            </a:r>
+            <a:r>
+              <a:rPr lang="zh-CN" altLang="en-US" dirty="0"/>
+              <a:t>后续测试</a:t>
+            </a:r>
+          </a:p>
+        </p:txBody>
+      </p:sp>
+      <p:sp>
+        <p:nvSpPr>
+          <p:cNvPr id="3" name="内容占位符 2">
+            <a:extLst>
+              <a:ext uri="{FF2B5EF4-FFF2-40B4-BE49-F238E27FC236}">
+                <a16:creationId xmlns:a16="http://schemas.microsoft.com/office/drawing/2014/main" id="{E38B24B9-34ED-4D31-8426-6B9721EB3BA6}"/>
+              </a:ext>
+            </a:extLst>
+          </p:cNvPr>
+          <p:cNvSpPr>
+            <a:spLocks noGrp="1"/>
+          </p:cNvSpPr>
+          <p:nvPr>
+            <p:ph idx="1"/>
+          </p:nvPr>
+        </p:nvSpPr>
+        <p:spPr>
+          <a:xfrm>
+            <a:off x="347869" y="1460499"/>
+            <a:ext cx="5126304" cy="5260975"/>
+          </a:xfrm>
+        </p:spPr>
+        <p:txBody>
+          <a:bodyPr>
+            <a:normAutofit lnSpcReduction="10000"/>
+          </a:bodyPr>
+          <a:lstStyle/>
+          <a:p>
+            <a:pPr>
+              <a:spcAft>
+                <a:spcPts val="600"/>
+              </a:spcAft>
+            </a:pPr>
+            <a:r>
+              <a:rPr lang="zh-CN" altLang="en-US" dirty="0"/>
+              <a:t>直接点击即可打包成</a:t>
+            </a:r>
+            <a:r>
+              <a:rPr lang="en-US" altLang="zh-CN" dirty="0"/>
+              <a:t>APK</a:t>
+            </a:r>
+            <a:r>
+              <a:rPr lang="zh-CN" altLang="en-US" dirty="0"/>
+              <a:t>文件</a:t>
+            </a:r>
+            <a:endParaRPr lang="en-US" altLang="zh-CN" dirty="0"/>
+          </a:p>
+          <a:p>
+            <a:pPr>
+              <a:spcAft>
+                <a:spcPts val="600"/>
+              </a:spcAft>
+            </a:pPr>
+            <a:r>
+              <a:rPr lang="zh-CN" altLang="en-US" dirty="0"/>
+              <a:t>下载至手机中可直接运行</a:t>
+            </a:r>
+            <a:endParaRPr lang="en-US" altLang="zh-CN" dirty="0"/>
+          </a:p>
+          <a:p>
+            <a:pPr>
+              <a:spcAft>
+                <a:spcPts val="600"/>
+              </a:spcAft>
+            </a:pPr>
+            <a:r>
+              <a:rPr lang="zh-CN" altLang="en-US" dirty="0"/>
+              <a:t>此处省去繁琐的打包过程</a:t>
+            </a:r>
+            <a:endParaRPr lang="en-US" altLang="zh-CN" dirty="0"/>
+          </a:p>
+          <a:p>
+            <a:pPr>
+              <a:spcAft>
+                <a:spcPts val="600"/>
+              </a:spcAft>
+            </a:pPr>
+            <a:r>
+              <a:rPr lang="zh-CN" altLang="en-US" dirty="0"/>
+              <a:t>在开发和生产环境中极力推荐</a:t>
+            </a:r>
+            <a:endParaRPr lang="en-US" altLang="zh-CN" dirty="0"/>
+          </a:p>
+          <a:p>
+            <a:pPr>
+              <a:spcAft>
+                <a:spcPts val="600"/>
+              </a:spcAft>
+            </a:pPr>
+            <a:r>
+              <a:rPr lang="zh-CN" altLang="en-US" dirty="0"/>
+              <a:t>但是由于该方法从未提及类似密钥、密钥库的概念，因而不知道对上线值安卓市场是否有影响</a:t>
+            </a:r>
+            <a:endParaRPr lang="en-US" altLang="zh-CN" dirty="0"/>
+          </a:p>
+          <a:p>
+            <a:pPr>
+              <a:spcAft>
+                <a:spcPts val="600"/>
+              </a:spcAft>
+            </a:pPr>
+            <a:r>
+              <a:rPr lang="zh-CN" altLang="en-US" dirty="0"/>
+              <a:t>由此可见原来项目可能是有什么</a:t>
+            </a:r>
+            <a:r>
+              <a:rPr lang="en-US" altLang="zh-CN" dirty="0"/>
+              <a:t>bug</a:t>
+            </a:r>
+            <a:r>
+              <a:rPr lang="zh-CN" altLang="en-US" dirty="0"/>
+              <a:t>，直接用这个方法吧，虚拟机都不要了</a:t>
+            </a:r>
+          </a:p>
+        </p:txBody>
+      </p:sp>
+      <p:pic>
+        <p:nvPicPr>
+          <p:cNvPr id="5" name="图片 4">
+            <a:extLst>
+              <a:ext uri="{FF2B5EF4-FFF2-40B4-BE49-F238E27FC236}">
+                <a16:creationId xmlns:a16="http://schemas.microsoft.com/office/drawing/2014/main" id="{46B3A0D1-8BDB-438D-B11A-978EC5A88E10}"/>
+              </a:ext>
+            </a:extLst>
+          </p:cNvPr>
+          <p:cNvPicPr>
+            <a:picLocks noChangeAspect="1"/>
+          </p:cNvPicPr>
+          <p:nvPr/>
+        </p:nvPicPr>
+        <p:blipFill>
+          <a:blip r:embed="rId2"/>
+          <a:stretch>
+            <a:fillRect/>
+          </a:stretch>
+        </p:blipFill>
+        <p:spPr>
+          <a:xfrm>
+            <a:off x="5474173" y="2234217"/>
+            <a:ext cx="6551785" cy="4487257"/>
+          </a:xfrm>
+          <a:prstGeom prst="rect">
+            <a:avLst/>
+          </a:prstGeom>
+        </p:spPr>
+      </p:pic>
+    </p:spTree>
+    <p:extLst>
+      <p:ext uri="{BB962C8B-B14F-4D97-AF65-F5344CB8AC3E}">
+        <p14:creationId xmlns:p14="http://schemas.microsoft.com/office/powerpoint/2010/main" val="3594691074"/>
+      </p:ext>
+    </p:extLst>
+  </p:cSld>
+  <p:clrMapOvr>
+    <a:masterClrMapping/>
+  </p:clrMapOvr>
+</p:sld>
+</file>
+
+<file path=ppt/slides/slide54.xml><?xml version="1.0" encoding="utf-8"?>
+<p:sld xmlns:a="http://schemas.openxmlformats.org/drawingml/2006/main" xmlns:r="http://schemas.openxmlformats.org/officeDocument/2006/relationships" xmlns:p="http://schemas.openxmlformats.org/presentationml/2006/main">
+  <p:cSld>
+    <p:spTree>
+      <p:nvGrpSpPr>
+        <p:cNvPr id="1" name=""/>
+        <p:cNvGrpSpPr/>
+        <p:nvPr/>
+      </p:nvGrpSpPr>
+      <p:grpSpPr>
+        <a:xfrm>
+          <a:off x="0" y="0"/>
+          <a:ext cx="0" cy="0"/>
+          <a:chOff x="0" y="0"/>
+          <a:chExt cx="0" cy="0"/>
+        </a:xfrm>
+      </p:grpSpPr>
+      <p:sp>
+        <p:nvSpPr>
+          <p:cNvPr id="2" name="标题 1">
+            <a:extLst>
+              <a:ext uri="{FF2B5EF4-FFF2-40B4-BE49-F238E27FC236}">
+                <a16:creationId xmlns:a16="http://schemas.microsoft.com/office/drawing/2014/main" id="{64413A78-293C-481B-91EB-2F5966BEDD29}"/>
+              </a:ext>
+            </a:extLst>
+          </p:cNvPr>
+          <p:cNvSpPr>
+            <a:spLocks noGrp="1"/>
+          </p:cNvSpPr>
+          <p:nvPr>
+            <p:ph type="title"/>
+          </p:nvPr>
+        </p:nvSpPr>
+        <p:spPr/>
+        <p:txBody>
+          <a:bodyPr/>
+          <a:lstStyle/>
+          <a:p>
+            <a:r>
+              <a:rPr lang="en-US" altLang="zh-CN" dirty="0" err="1"/>
+              <a:t>cpcn</a:t>
+            </a:r>
+            <a:r>
+              <a:rPr lang="en-US" altLang="zh-CN" dirty="0"/>
+              <a:t>-client</a:t>
+            </a:r>
+            <a:r>
+              <a:rPr lang="zh-CN" altLang="en-US" dirty="0"/>
+              <a:t>后续测试</a:t>
+            </a:r>
+          </a:p>
+        </p:txBody>
+      </p:sp>
+      <p:sp>
+        <p:nvSpPr>
+          <p:cNvPr id="3" name="内容占位符 2">
+            <a:extLst>
+              <a:ext uri="{FF2B5EF4-FFF2-40B4-BE49-F238E27FC236}">
+                <a16:creationId xmlns:a16="http://schemas.microsoft.com/office/drawing/2014/main" id="{E5B8FCA9-CA70-41A6-8F23-E548841B20BC}"/>
+              </a:ext>
+            </a:extLst>
+          </p:cNvPr>
+          <p:cNvSpPr>
+            <a:spLocks noGrp="1"/>
+          </p:cNvSpPr>
+          <p:nvPr>
+            <p:ph idx="1"/>
+          </p:nvPr>
+        </p:nvSpPr>
+        <p:spPr>
+          <a:xfrm>
+            <a:off x="347869" y="1460499"/>
+            <a:ext cx="8486642" cy="4741517"/>
+          </a:xfrm>
+        </p:spPr>
+        <p:txBody>
+          <a:bodyPr/>
+          <a:lstStyle/>
+          <a:p>
+            <a:r>
+              <a:rPr lang="zh-CN" altLang="en-US" dirty="0"/>
+              <a:t>真机上的效果图</a:t>
+            </a:r>
+            <a:endParaRPr lang="en-US" altLang="zh-CN" dirty="0"/>
+          </a:p>
+          <a:p>
+            <a:r>
+              <a:rPr lang="zh-CN" altLang="en-US" dirty="0"/>
+              <a:t>一个全新的</a:t>
+            </a:r>
+            <a:r>
+              <a:rPr lang="en-US" altLang="zh-CN" dirty="0"/>
+              <a:t>ReactNative</a:t>
+            </a:r>
+            <a:r>
+              <a:rPr lang="zh-CN" altLang="en-US" dirty="0"/>
+              <a:t>项目，打包非常成功，甚至不知道</a:t>
+            </a:r>
+            <a:r>
+              <a:rPr lang="en-US" altLang="zh-CN" dirty="0"/>
+              <a:t>Android Studio</a:t>
+            </a:r>
+            <a:r>
+              <a:rPr lang="zh-CN" altLang="en-US" dirty="0"/>
+              <a:t>有啥用，可能就需要个</a:t>
+            </a:r>
+            <a:r>
+              <a:rPr lang="en-US" altLang="zh-CN" dirty="0" err="1"/>
+              <a:t>Andoird</a:t>
+            </a:r>
+            <a:r>
+              <a:rPr lang="en-US" altLang="zh-CN" dirty="0"/>
+              <a:t> SDK</a:t>
+            </a:r>
+            <a:r>
+              <a:rPr lang="zh-CN" altLang="en-US" dirty="0"/>
+              <a:t>就行了</a:t>
+            </a:r>
+            <a:endParaRPr lang="en-US" altLang="zh-CN" dirty="0"/>
+          </a:p>
+          <a:p>
+            <a:pPr marL="0" indent="0">
+              <a:buNone/>
+            </a:pPr>
+            <a:endParaRPr lang="zh-CN" altLang="en-US" dirty="0"/>
+          </a:p>
+        </p:txBody>
+      </p:sp>
+      <p:pic>
+        <p:nvPicPr>
+          <p:cNvPr id="5" name="图片 4">
+            <a:extLst>
+              <a:ext uri="{FF2B5EF4-FFF2-40B4-BE49-F238E27FC236}">
+                <a16:creationId xmlns:a16="http://schemas.microsoft.com/office/drawing/2014/main" id="{54986B32-73F9-4251-98FA-AFC1AF633C8C}"/>
+              </a:ext>
+            </a:extLst>
+          </p:cNvPr>
+          <p:cNvPicPr>
+            <a:picLocks noChangeAspect="1"/>
+          </p:cNvPicPr>
+          <p:nvPr/>
+        </p:nvPicPr>
+        <p:blipFill>
+          <a:blip r:embed="rId2">
+            <a:extLst>
+              <a:ext uri="{28A0092B-C50C-407E-A947-70E740481C1C}">
+                <a14:useLocalDpi xmlns:a14="http://schemas.microsoft.com/office/drawing/2010/main" val="0"/>
+              </a:ext>
+            </a:extLst>
+          </a:blip>
+          <a:stretch>
+            <a:fillRect/>
+          </a:stretch>
+        </p:blipFill>
+        <p:spPr>
+          <a:xfrm>
+            <a:off x="9092857" y="1460499"/>
+            <a:ext cx="2428875" cy="5397501"/>
+          </a:xfrm>
+          <a:prstGeom prst="rect">
+            <a:avLst/>
+          </a:prstGeom>
+        </p:spPr>
+      </p:pic>
+    </p:spTree>
+    <p:extLst>
+      <p:ext uri="{BB962C8B-B14F-4D97-AF65-F5344CB8AC3E}">
+        <p14:creationId xmlns:p14="http://schemas.microsoft.com/office/powerpoint/2010/main" val="3832663486"/>
+      </p:ext>
+    </p:extLst>
+  </p:cSld>
+  <p:clrMapOvr>
+    <a:masterClrMapping/>
+  </p:clrMapOvr>
+</p:sld>
+</file>
+
+<file path=ppt/slides/slide55.xml><?xml version="1.0" encoding="utf-8"?>
+<p:sld xmlns:a="http://schemas.openxmlformats.org/drawingml/2006/main" xmlns:r="http://schemas.openxmlformats.org/officeDocument/2006/relationships" xmlns:p="http://schemas.openxmlformats.org/presentationml/2006/main">
+  <p:cSld>
+    <p:spTree>
+      <p:nvGrpSpPr>
+        <p:cNvPr id="1" name=""/>
+        <p:cNvGrpSpPr/>
+        <p:nvPr/>
+      </p:nvGrpSpPr>
+      <p:grpSpPr>
+        <a:xfrm>
+          <a:off x="0" y="0"/>
+          <a:ext cx="0" cy="0"/>
+          <a:chOff x="0" y="0"/>
+          <a:chExt cx="0" cy="0"/>
+        </a:xfrm>
+      </p:grpSpPr>
+      <p:sp>
+        <p:nvSpPr>
+          <p:cNvPr id="2" name="标题 1">
+            <a:extLst>
+              <a:ext uri="{FF2B5EF4-FFF2-40B4-BE49-F238E27FC236}">
+                <a16:creationId xmlns:a16="http://schemas.microsoft.com/office/drawing/2014/main" id="{C238BBF4-B3BD-46B7-B7CF-1A421C348F46}"/>
+              </a:ext>
+            </a:extLst>
+          </p:cNvPr>
+          <p:cNvSpPr>
+            <a:spLocks noGrp="1"/>
+          </p:cNvSpPr>
+          <p:nvPr>
+            <p:ph type="title"/>
+          </p:nvPr>
+        </p:nvSpPr>
+        <p:spPr/>
+        <p:txBody>
+          <a:bodyPr/>
+          <a:lstStyle/>
+          <a:p>
+            <a:r>
+              <a:rPr lang="zh-CN" altLang="en-US" dirty="0"/>
+              <a:t>数字签名</a:t>
+            </a:r>
+          </a:p>
+        </p:txBody>
+      </p:sp>
+      <p:sp>
+        <p:nvSpPr>
+          <p:cNvPr id="3" name="内容占位符 2">
+            <a:extLst>
+              <a:ext uri="{FF2B5EF4-FFF2-40B4-BE49-F238E27FC236}">
+                <a16:creationId xmlns:a16="http://schemas.microsoft.com/office/drawing/2014/main" id="{7A4FB2D9-B8AA-4050-B7FC-0986C8665843}"/>
+              </a:ext>
+            </a:extLst>
+          </p:cNvPr>
+          <p:cNvSpPr>
+            <a:spLocks noGrp="1"/>
+          </p:cNvSpPr>
+          <p:nvPr>
+            <p:ph idx="1"/>
+          </p:nvPr>
+        </p:nvSpPr>
+        <p:spPr/>
+        <p:txBody>
+          <a:bodyPr/>
+          <a:lstStyle/>
+          <a:p>
+            <a:r>
+              <a:rPr lang="zh-CN" altLang="en-US" dirty="0"/>
+              <a:t>关于数字签名，在</a:t>
+            </a:r>
+            <a:r>
+              <a:rPr lang="en-US" altLang="zh-CN" dirty="0"/>
+              <a:t>Android</a:t>
+            </a:r>
+            <a:r>
+              <a:rPr lang="zh-CN" altLang="en-US" dirty="0"/>
+              <a:t>开发者官网上查看</a:t>
+            </a:r>
+            <a:r>
+              <a:rPr lang="zh-CN" altLang="en-US" b="1" dirty="0">
+                <a:solidFill>
+                  <a:srgbClr val="FF0000"/>
+                </a:solidFill>
+              </a:rPr>
+              <a:t>（上不去就科技）</a:t>
+            </a:r>
+            <a:endParaRPr lang="en-US" altLang="zh-CN" b="1" dirty="0">
+              <a:solidFill>
+                <a:srgbClr val="FF0000"/>
+              </a:solidFill>
+            </a:endParaRPr>
+          </a:p>
+          <a:p>
+            <a:r>
+              <a:rPr lang="en-US" altLang="zh-CN" dirty="0">
+                <a:hlinkClick r:id="rId2"/>
+              </a:rPr>
+              <a:t>https://developer.android.com/tools/publishing/app-signing.html</a:t>
+            </a:r>
+            <a:endParaRPr lang="en-US" altLang="zh-CN" dirty="0"/>
+          </a:p>
+          <a:p>
+            <a:r>
+              <a:rPr lang="zh-CN" altLang="en-US" dirty="0"/>
+              <a:t>貌似每个能在手机上运行的</a:t>
+            </a:r>
+            <a:r>
+              <a:rPr lang="en-US" altLang="zh-CN" dirty="0"/>
+              <a:t>APP</a:t>
+            </a:r>
+            <a:r>
+              <a:rPr lang="zh-CN" altLang="en-US" dirty="0"/>
+              <a:t>应该已经签名好了</a:t>
+            </a:r>
+            <a:endParaRPr lang="en-US" altLang="zh-CN" dirty="0"/>
+          </a:p>
+          <a:p>
+            <a:endParaRPr lang="zh-CN" altLang="en-US" dirty="0"/>
+          </a:p>
+        </p:txBody>
+      </p:sp>
+    </p:spTree>
+    <p:extLst>
+      <p:ext uri="{BB962C8B-B14F-4D97-AF65-F5344CB8AC3E}">
+        <p14:creationId xmlns:p14="http://schemas.microsoft.com/office/powerpoint/2010/main" val="1516960105"/>
+      </p:ext>
+    </p:extLst>
+  </p:cSld>
+  <p:clrMapOvr>
+    <a:masterClrMapping/>
+  </p:clrMapOvr>
+</p:sld>
+</file>
+
+<file path=ppt/slides/slide56.xml><?xml version="1.0" encoding="utf-8"?>
+<p:sld xmlns:a="http://schemas.openxmlformats.org/drawingml/2006/main" xmlns:r="http://schemas.openxmlformats.org/officeDocument/2006/relationships" xmlns:p="http://schemas.openxmlformats.org/presentationml/2006/main">
+  <p:cSld>
+    <p:spTree>
+      <p:nvGrpSpPr>
+        <p:cNvPr id="1" name=""/>
+        <p:cNvGrpSpPr/>
+        <p:nvPr/>
+      </p:nvGrpSpPr>
+      <p:grpSpPr>
+        <a:xfrm>
+          <a:off x="0" y="0"/>
+          <a:ext cx="0" cy="0"/>
+          <a:chOff x="0" y="0"/>
+          <a:chExt cx="0" cy="0"/>
+        </a:xfrm>
+      </p:grpSpPr>
+      <p:sp>
+        <p:nvSpPr>
+          <p:cNvPr id="2" name="标题 1">
+            <a:extLst>
+              <a:ext uri="{FF2B5EF4-FFF2-40B4-BE49-F238E27FC236}">
+                <a16:creationId xmlns:a16="http://schemas.microsoft.com/office/drawing/2014/main" id="{514F1971-BAD6-4F65-821B-98DDB0ACF151}"/>
+              </a:ext>
+            </a:extLst>
+          </p:cNvPr>
+          <p:cNvSpPr>
+            <a:spLocks noGrp="1"/>
+          </p:cNvSpPr>
+          <p:nvPr>
+            <p:ph type="title"/>
+          </p:nvPr>
+        </p:nvSpPr>
+        <p:spPr/>
+        <p:txBody>
+          <a:bodyPr/>
+          <a:lstStyle/>
+          <a:p>
+            <a:r>
+              <a:rPr lang="zh-CN" altLang="en-US" dirty="0"/>
+              <a:t>关于</a:t>
+            </a:r>
+            <a:r>
+              <a:rPr lang="en-US" altLang="zh-CN" dirty="0" err="1"/>
+              <a:t>codepush</a:t>
+            </a:r>
+            <a:r>
+              <a:rPr lang="zh-CN" altLang="en-US" dirty="0"/>
+              <a:t>后续</a:t>
+            </a:r>
+          </a:p>
+        </p:txBody>
+      </p:sp>
+      <p:sp>
+        <p:nvSpPr>
+          <p:cNvPr id="3" name="内容占位符 2">
+            <a:extLst>
+              <a:ext uri="{FF2B5EF4-FFF2-40B4-BE49-F238E27FC236}">
+                <a16:creationId xmlns:a16="http://schemas.microsoft.com/office/drawing/2014/main" id="{3453C9E9-9293-49E3-B27B-6E91A2757CB0}"/>
+              </a:ext>
+            </a:extLst>
+          </p:cNvPr>
+          <p:cNvSpPr>
+            <a:spLocks noGrp="1"/>
+          </p:cNvSpPr>
+          <p:nvPr>
+            <p:ph idx="1"/>
+          </p:nvPr>
+        </p:nvSpPr>
+        <p:spPr/>
+        <p:txBody>
+          <a:bodyPr/>
+          <a:lstStyle/>
+          <a:p>
+            <a:r>
+              <a:rPr lang="zh-CN" altLang="en-US" dirty="0"/>
+              <a:t>中文官网真的是一言难尽</a:t>
+            </a:r>
+            <a:endParaRPr lang="en-US" altLang="zh-CN" dirty="0"/>
+          </a:p>
+          <a:p>
+            <a:r>
+              <a:rPr lang="zh-CN" altLang="en-US" dirty="0"/>
+              <a:t>下方为真</a:t>
+            </a:r>
+            <a:r>
+              <a:rPr lang="en-US" altLang="zh-CN" dirty="0"/>
+              <a:t>·</a:t>
+            </a:r>
+            <a:r>
+              <a:rPr lang="zh-CN" altLang="en-US" dirty="0"/>
+              <a:t>官网位置</a:t>
+            </a:r>
+            <a:endParaRPr lang="en-US" altLang="zh-CN" dirty="0"/>
+          </a:p>
+          <a:p>
+            <a:r>
+              <a:rPr lang="en-US" altLang="zh-CN" dirty="0" err="1"/>
+              <a:t>codepush</a:t>
+            </a:r>
+            <a:r>
+              <a:rPr lang="zh-CN" altLang="en-US" dirty="0"/>
+              <a:t>已被移植到</a:t>
+            </a:r>
+            <a:r>
+              <a:rPr lang="en-US" altLang="zh-CN" dirty="0"/>
+              <a:t>app </a:t>
+            </a:r>
+            <a:r>
+              <a:rPr lang="en-US" altLang="zh-CN" dirty="0" err="1"/>
+              <a:t>centre</a:t>
+            </a:r>
+            <a:endParaRPr lang="en-US" altLang="zh-CN" dirty="0"/>
+          </a:p>
+          <a:p>
+            <a:r>
+              <a:rPr lang="en-US" altLang="zh-CN" dirty="0">
+                <a:hlinkClick r:id="rId2"/>
+              </a:rPr>
+              <a:t>https://docs.microsoft.com/zh-cn/appcenter/distribution/codepush/</a:t>
+            </a:r>
+            <a:endParaRPr lang="en-US" altLang="zh-CN" dirty="0"/>
+          </a:p>
+          <a:p>
+            <a:r>
+              <a:rPr lang="zh-CN" altLang="en-US" sz="3200" b="1" dirty="0">
+                <a:solidFill>
+                  <a:srgbClr val="FF0000"/>
+                </a:solidFill>
+              </a:rPr>
+              <a:t>请仔细阅读官方文档完成热更新配置，简易的配置如上文即可，增加代码后，选择原有的发布方式（客户端点一点签名啥的都不知道）进行</a:t>
+            </a:r>
+            <a:r>
+              <a:rPr lang="en-US" altLang="zh-CN" sz="3200" b="1" dirty="0">
+                <a:solidFill>
+                  <a:srgbClr val="FF0000"/>
+                </a:solidFill>
+              </a:rPr>
+              <a:t>APP</a:t>
+            </a:r>
+            <a:r>
+              <a:rPr lang="zh-CN" altLang="en-US" sz="3200" b="1" dirty="0">
+                <a:solidFill>
+                  <a:srgbClr val="FF0000"/>
+                </a:solidFill>
+              </a:rPr>
+              <a:t>的发布</a:t>
+            </a:r>
+          </a:p>
+        </p:txBody>
+      </p:sp>
+    </p:spTree>
+    <p:extLst>
+      <p:ext uri="{BB962C8B-B14F-4D97-AF65-F5344CB8AC3E}">
+        <p14:creationId xmlns:p14="http://schemas.microsoft.com/office/powerpoint/2010/main" val="973199507"/>
+      </p:ext>
+    </p:extLst>
+  </p:cSld>
+  <p:clrMapOvr>
+    <a:masterClrMapping/>
+  </p:clrMapOvr>
+</p:sld>
+</file>
+
+<file path=ppt/slides/slide6.xml><?xml version="1.0" encoding="utf-8"?>
 <p:sld xmlns:a="http://schemas.openxmlformats.org/drawingml/2006/main" xmlns:r="http://schemas.openxmlformats.org/officeDocument/2006/relationships" xmlns:p="http://schemas.openxmlformats.org/presentationml/2006/main">
   <p:cSld>
     <p:spTree>
@@ -11628,7 +15047,7 @@
 </p:sld>
 </file>
 
-<file path=ppt/slides/slide6.xml><?xml version="1.0" encoding="utf-8"?>
+<file path=ppt/slides/slide7.xml><?xml version="1.0" encoding="utf-8"?>
 <p:sld xmlns:a="http://schemas.openxmlformats.org/drawingml/2006/main" xmlns:r="http://schemas.openxmlformats.org/officeDocument/2006/relationships" xmlns:p="http://schemas.openxmlformats.org/presentationml/2006/main">
   <p:cSld>
     <p:spTree>
@@ -11775,7 +15194,7 @@
 </p:sld>
 </file>
 
-<file path=ppt/slides/slide7.xml><?xml version="1.0" encoding="utf-8"?>
+<file path=ppt/slides/slide8.xml><?xml version="1.0" encoding="utf-8"?>
 <p:sld xmlns:a="http://schemas.openxmlformats.org/drawingml/2006/main" xmlns:r="http://schemas.openxmlformats.org/officeDocument/2006/relationships" xmlns:p="http://schemas.openxmlformats.org/presentationml/2006/main">
   <p:cSld>
     <p:spTree>
@@ -11996,182 +15415,6 @@
 </p:sld>
 </file>
 
-<file path=ppt/slides/slide8.xml><?xml version="1.0" encoding="utf-8"?>
-<p:sld xmlns:a="http://schemas.openxmlformats.org/drawingml/2006/main" xmlns:r="http://schemas.openxmlformats.org/officeDocument/2006/relationships" xmlns:p="http://schemas.openxmlformats.org/presentationml/2006/main">
-  <p:cSld>
-    <p:spTree>
-      <p:nvGrpSpPr>
-        <p:cNvPr id="1" name=""/>
-        <p:cNvGrpSpPr/>
-        <p:nvPr/>
-      </p:nvGrpSpPr>
-      <p:grpSpPr>
-        <a:xfrm>
-          <a:off x="0" y="0"/>
-          <a:ext cx="0" cy="0"/>
-          <a:chOff x="0" y="0"/>
-          <a:chExt cx="0" cy="0"/>
-        </a:xfrm>
-      </p:grpSpPr>
-      <p:sp>
-        <p:nvSpPr>
-          <p:cNvPr id="2" name="标题 1">
-            <a:extLst>
-              <a:ext uri="{FF2B5EF4-FFF2-40B4-BE49-F238E27FC236}">
-                <a16:creationId xmlns:a16="http://schemas.microsoft.com/office/drawing/2014/main" id="{D2209F26-C68D-4D2D-8DD4-4AE420AB6C5A}"/>
-              </a:ext>
-            </a:extLst>
-          </p:cNvPr>
-          <p:cNvSpPr>
-            <a:spLocks noGrp="1"/>
-          </p:cNvSpPr>
-          <p:nvPr>
-            <p:ph type="title"/>
-          </p:nvPr>
-        </p:nvSpPr>
-        <p:spPr/>
-        <p:txBody>
-          <a:bodyPr/>
-          <a:lstStyle/>
-          <a:p>
-            <a:r>
-              <a:rPr lang="zh-CN" altLang="en-US" dirty="0"/>
-              <a:t>配置</a:t>
-            </a:r>
-            <a:r>
-              <a:rPr lang="en-US" altLang="zh-CN" dirty="0" err="1"/>
-              <a:t>ReactNavigation</a:t>
-            </a:r>
-            <a:endParaRPr lang="zh-CN" altLang="en-US" dirty="0"/>
-          </a:p>
-        </p:txBody>
-      </p:sp>
-      <p:sp>
-        <p:nvSpPr>
-          <p:cNvPr id="3" name="内容占位符 2">
-            <a:extLst>
-              <a:ext uri="{FF2B5EF4-FFF2-40B4-BE49-F238E27FC236}">
-                <a16:creationId xmlns:a16="http://schemas.microsoft.com/office/drawing/2014/main" id="{0C33DEF3-B241-41D3-A764-672626296882}"/>
-              </a:ext>
-            </a:extLst>
-          </p:cNvPr>
-          <p:cNvSpPr>
-            <a:spLocks noGrp="1"/>
-          </p:cNvSpPr>
-          <p:nvPr>
-            <p:ph idx="1"/>
-          </p:nvPr>
-        </p:nvSpPr>
-        <p:spPr/>
-        <p:txBody>
-          <a:bodyPr/>
-          <a:lstStyle/>
-          <a:p>
-            <a:r>
-              <a:rPr lang="zh-CN" altLang="en-US" dirty="0"/>
-              <a:t>官网网址：</a:t>
-            </a:r>
-            <a:r>
-              <a:rPr lang="en-US" altLang="zh-CN" dirty="0">
-                <a:hlinkClick r:id="rId2"/>
-              </a:rPr>
-              <a:t>https://reactnavigation.org/</a:t>
-            </a:r>
-            <a:endParaRPr lang="en-US" altLang="zh-CN" dirty="0"/>
-          </a:p>
-          <a:p>
-            <a:r>
-              <a:rPr lang="zh-CN" altLang="en-US" dirty="0"/>
-              <a:t>根据</a:t>
-            </a:r>
-            <a:r>
-              <a:rPr lang="en-US" altLang="zh-CN" dirty="0"/>
-              <a:t>Getting Started</a:t>
-            </a:r>
-            <a:r>
-              <a:rPr lang="zh-CN" altLang="en-US" dirty="0"/>
-              <a:t>和</a:t>
-            </a:r>
-            <a:r>
-              <a:rPr lang="en-US" altLang="zh-CN" dirty="0"/>
-              <a:t>Hello React</a:t>
-            </a:r>
-            <a:r>
-              <a:rPr lang="zh-CN" altLang="en-US" dirty="0"/>
-              <a:t> </a:t>
-            </a:r>
-            <a:r>
-              <a:rPr lang="en-US" altLang="zh-CN" dirty="0"/>
-              <a:t>Navigation</a:t>
-            </a:r>
-            <a:r>
-              <a:rPr lang="zh-CN" altLang="en-US" dirty="0"/>
-              <a:t>中的内容进行安装</a:t>
-            </a:r>
-            <a:endParaRPr lang="en-US" altLang="zh-CN" dirty="0"/>
-          </a:p>
-          <a:p>
-            <a:r>
-              <a:rPr lang="zh-CN" altLang="en-US" dirty="0"/>
-              <a:t>输入如下命令：</a:t>
-            </a:r>
-            <a:endParaRPr lang="en-US" altLang="zh-CN" dirty="0"/>
-          </a:p>
-          <a:p>
-            <a:r>
-              <a:rPr lang="en-US" altLang="zh-CN" dirty="0" err="1"/>
-              <a:t>npm</a:t>
-            </a:r>
-            <a:r>
-              <a:rPr lang="en-US" altLang="zh-CN" dirty="0"/>
-              <a:t> install @react-navigation/native</a:t>
-            </a:r>
-          </a:p>
-          <a:p>
-            <a:r>
-              <a:rPr lang="en-US" altLang="zh-CN" dirty="0" err="1"/>
-              <a:t>npm</a:t>
-            </a:r>
-            <a:r>
-              <a:rPr lang="en-US" altLang="zh-CN" dirty="0"/>
-              <a:t> install react-native-screens react-native-safe-area-context</a:t>
-            </a:r>
-          </a:p>
-          <a:p>
-            <a:r>
-              <a:rPr lang="en-US" altLang="zh-CN" dirty="0" err="1"/>
-              <a:t>npm</a:t>
-            </a:r>
-            <a:r>
-              <a:rPr lang="en-US" altLang="zh-CN" dirty="0"/>
-              <a:t> install @react-navigation/native-stack</a:t>
-            </a:r>
-          </a:p>
-          <a:p>
-            <a:r>
-              <a:rPr lang="zh-CN" altLang="en-US" dirty="0"/>
-              <a:t>安装成功后编写代码进行测试</a:t>
-            </a:r>
-            <a:endParaRPr lang="en-US" altLang="zh-CN" dirty="0"/>
-          </a:p>
-          <a:p>
-            <a:endParaRPr lang="zh-CN" altLang="en-US" dirty="0"/>
-          </a:p>
-        </p:txBody>
-      </p:sp>
-    </p:spTree>
-    <p:extLst>
-      <p:ext uri="{BB962C8B-B14F-4D97-AF65-F5344CB8AC3E}">
-        <p14:creationId xmlns:p14="http://schemas.microsoft.com/office/powerpoint/2010/main" val="4030720541"/>
-      </p:ext>
-    </p:extLst>
-  </p:cSld>
-  <p:clrMapOvr>
-    <a:masterClrMapping/>
-  </p:clrMapOvr>
-</p:sld>
-</file>
-
 <file path=ppt/slides/slide9.xml><?xml version="1.0" encoding="utf-8"?>
 <p:sld xmlns:a="http://schemas.openxmlformats.org/drawingml/2006/main" xmlns:r="http://schemas.openxmlformats.org/officeDocument/2006/relationships" xmlns:p="http://schemas.openxmlformats.org/presentationml/2006/main">
   <p:cSld>
@@ -12194,7 +15437,7 @@
           <p:cNvPr id="2" name="标题 1">
             <a:extLst>
               <a:ext uri="{FF2B5EF4-FFF2-40B4-BE49-F238E27FC236}">
-                <a16:creationId xmlns:a16="http://schemas.microsoft.com/office/drawing/2014/main" id="{685146D2-2233-4239-BA6B-66DEA0504DCE}"/>
+                <a16:creationId xmlns:a16="http://schemas.microsoft.com/office/drawing/2014/main" id="{D2209F26-C68D-4D2D-8DD4-4AE420AB6C5A}"/>
               </a:ext>
             </a:extLst>
           </p:cNvPr>
@@ -12212,7 +15455,7 @@
           <a:p>
             <a:r>
               <a:rPr lang="zh-CN" altLang="en-US" dirty="0"/>
-              <a:t>测试</a:t>
+              <a:t>配置</a:t>
             </a:r>
             <a:r>
               <a:rPr lang="en-US" altLang="zh-CN" dirty="0" err="1"/>
@@ -12227,7 +15470,7 @@
           <p:cNvPr id="3" name="内容占位符 2">
             <a:extLst>
               <a:ext uri="{FF2B5EF4-FFF2-40B4-BE49-F238E27FC236}">
-                <a16:creationId xmlns:a16="http://schemas.microsoft.com/office/drawing/2014/main" id="{2427C596-ED7B-4BC0-A7DD-8FBAD058BE4B}"/>
+                <a16:creationId xmlns:a16="http://schemas.microsoft.com/office/drawing/2014/main" id="{0C33DEF3-B241-41D3-A764-672626296882}"/>
               </a:ext>
             </a:extLst>
           </p:cNvPr>
@@ -12245,64 +15488,100 @@
           <a:p>
             <a:r>
               <a:rPr lang="zh-CN" altLang="en-US" dirty="0"/>
-              <a:t>根据官网内容测试</a:t>
-            </a:r>
+              <a:t>官网网址：</a:t>
+            </a:r>
+            <a:r>
+              <a:rPr lang="en-US" altLang="zh-CN" dirty="0">
+                <a:hlinkClick r:id="rId2"/>
+              </a:rPr>
+              <a:t>https://reactnavigation.org/</a:t>
+            </a:r>
+            <a:endParaRPr lang="en-US" altLang="zh-CN" dirty="0"/>
+          </a:p>
+          <a:p>
+            <a:r>
+              <a:rPr lang="zh-CN" altLang="en-US" dirty="0"/>
+              <a:t>根据</a:t>
+            </a:r>
+            <a:r>
+              <a:rPr lang="en-US" altLang="zh-CN" dirty="0"/>
+              <a:t>Getting Started</a:t>
+            </a:r>
+            <a:r>
+              <a:rPr lang="zh-CN" altLang="en-US" dirty="0"/>
+              <a:t>和</a:t>
+            </a:r>
+            <a:r>
+              <a:rPr lang="en-US" altLang="zh-CN" dirty="0"/>
+              <a:t>Hello React</a:t>
+            </a:r>
+            <a:r>
+              <a:rPr lang="zh-CN" altLang="en-US" dirty="0"/>
+              <a:t> </a:t>
+            </a:r>
+            <a:r>
+              <a:rPr lang="en-US" altLang="zh-CN" dirty="0"/>
+              <a:t>Navigation</a:t>
+            </a:r>
+            <a:r>
+              <a:rPr lang="zh-CN" altLang="en-US" dirty="0"/>
+              <a:t>中的内容进行安装</a:t>
+            </a:r>
+            <a:endParaRPr lang="en-US" altLang="zh-CN" dirty="0"/>
+          </a:p>
+          <a:p>
+            <a:r>
+              <a:rPr lang="zh-CN" altLang="en-US" dirty="0"/>
+              <a:t>输入如下命令：</a:t>
+            </a:r>
+            <a:endParaRPr lang="en-US" altLang="zh-CN" dirty="0"/>
+          </a:p>
+          <a:p>
             <a:r>
               <a:rPr lang="en-US" altLang="zh-CN" dirty="0" err="1"/>
-              <a:t>ReactNavigation</a:t>
-            </a:r>
-            <a:r>
-              <a:rPr lang="zh-CN" altLang="en-US" dirty="0"/>
-              <a:t>跳转功能</a:t>
+              <a:t>npm</a:t>
+            </a:r>
+            <a:r>
+              <a:rPr lang="en-US" altLang="zh-CN" dirty="0"/>
+              <a:t> install @react-navigation/native</a:t>
+            </a:r>
+          </a:p>
+          <a:p>
+            <a:r>
+              <a:rPr lang="en-US" altLang="zh-CN" dirty="0" err="1"/>
+              <a:t>npm</a:t>
+            </a:r>
+            <a:r>
+              <a:rPr lang="en-US" altLang="zh-CN" dirty="0"/>
+              <a:t> install react-native-screens react-native-safe-area-context</a:t>
+            </a:r>
+          </a:p>
+          <a:p>
+            <a:r>
+              <a:rPr lang="en-US" altLang="zh-CN" dirty="0" err="1"/>
+              <a:t>npm</a:t>
+            </a:r>
+            <a:r>
+              <a:rPr lang="en-US" altLang="zh-CN" dirty="0"/>
+              <a:t> install @react-navigation/native-stack</a:t>
+            </a:r>
+          </a:p>
+          <a:p>
+            <a:r>
+              <a:rPr lang="zh-CN" altLang="en-US" dirty="0"/>
+              <a:t>安装成功后编写代码进行测试</a:t>
             </a:r>
             <a:endParaRPr lang="en-US" altLang="zh-CN" dirty="0"/>
           </a:p>
           <a:p>
-            <a:r>
-              <a:rPr lang="zh-CN" altLang="en-US" dirty="0"/>
-              <a:t>跳转核心代码：</a:t>
-            </a:r>
-            <a:endParaRPr lang="en-US" altLang="zh-CN" dirty="0"/>
-          </a:p>
-          <a:p>
             <a:endParaRPr lang="zh-CN" altLang="en-US" dirty="0"/>
           </a:p>
         </p:txBody>
       </p:sp>
-      <p:pic>
-        <p:nvPicPr>
-          <p:cNvPr id="5" name="图片 4">
-            <a:extLst>
-              <a:ext uri="{FF2B5EF4-FFF2-40B4-BE49-F238E27FC236}">
-                <a16:creationId xmlns:a16="http://schemas.microsoft.com/office/drawing/2014/main" id="{7EA73327-8BA9-4C46-B4AC-5CDDD5AFC919}"/>
-              </a:ext>
-            </a:extLst>
-          </p:cNvPr>
-          <p:cNvPicPr>
-            <a:picLocks noChangeAspect="1"/>
-          </p:cNvPicPr>
-          <p:nvPr/>
-        </p:nvPicPr>
-        <p:blipFill>
-          <a:blip r:embed="rId2"/>
-          <a:stretch>
-            <a:fillRect/>
-          </a:stretch>
-        </p:blipFill>
-        <p:spPr>
-          <a:xfrm>
-            <a:off x="625116" y="2555877"/>
-            <a:ext cx="8552124" cy="3049791"/>
-          </a:xfrm>
-          <a:prstGeom prst="rect">
-            <a:avLst/>
-          </a:prstGeom>
-        </p:spPr>
-      </p:pic>
     </p:spTree>
     <p:extLst>
       <p:ext uri="{BB962C8B-B14F-4D97-AF65-F5344CB8AC3E}">
-        <p14:creationId xmlns:p14="http://schemas.microsoft.com/office/powerpoint/2010/main" val="2559908193"/>
+        <p14:creationId xmlns:p14="http://schemas.microsoft.com/office/powerpoint/2010/main" val="4030720541"/>
       </p:ext>
     </p:extLst>
   </p:cSld>
